--- a/Java Backend Developer Mock Interviews/mock1/Java Backend Developer Mock Interviews.pptx
+++ b/Java Backend Developer Mock Interviews/mock1/Java Backend Developer Mock Interviews.pptx
@@ -4,30 +4,53 @@
   <p:sldMasterIdLst>
     <p:sldMasterId id="2147483648" r:id="rId1"/>
   </p:sldMasterIdLst>
+  <p:notesMasterIdLst>
+    <p:notesMasterId r:id="rId45"/>
+  </p:notesMasterIdLst>
   <p:sldIdLst>
     <p:sldId id="256" r:id="rId2"/>
-    <p:sldId id="257" r:id="rId3"/>
-    <p:sldId id="258" r:id="rId4"/>
-    <p:sldId id="259" r:id="rId5"/>
-    <p:sldId id="260" r:id="rId6"/>
-    <p:sldId id="261" r:id="rId7"/>
-    <p:sldId id="262" r:id="rId8"/>
-    <p:sldId id="263" r:id="rId9"/>
-    <p:sldId id="264" r:id="rId10"/>
-    <p:sldId id="265" r:id="rId11"/>
-    <p:sldId id="266" r:id="rId12"/>
-    <p:sldId id="267" r:id="rId13"/>
-    <p:sldId id="268" r:id="rId14"/>
-    <p:sldId id="269" r:id="rId15"/>
-    <p:sldId id="270" r:id="rId16"/>
-    <p:sldId id="271" r:id="rId17"/>
-    <p:sldId id="272" r:id="rId18"/>
-    <p:sldId id="273" r:id="rId19"/>
-    <p:sldId id="274" r:id="rId20"/>
-    <p:sldId id="275" r:id="rId21"/>
-    <p:sldId id="276" r:id="rId22"/>
-    <p:sldId id="277" r:id="rId23"/>
-    <p:sldId id="278" r:id="rId24"/>
+    <p:sldId id="300" r:id="rId3"/>
+    <p:sldId id="257" r:id="rId4"/>
+    <p:sldId id="258" r:id="rId5"/>
+    <p:sldId id="259" r:id="rId6"/>
+    <p:sldId id="260" r:id="rId7"/>
+    <p:sldId id="261" r:id="rId8"/>
+    <p:sldId id="262" r:id="rId9"/>
+    <p:sldId id="263" r:id="rId10"/>
+    <p:sldId id="264" r:id="rId11"/>
+    <p:sldId id="265" r:id="rId12"/>
+    <p:sldId id="266" r:id="rId13"/>
+    <p:sldId id="267" r:id="rId14"/>
+    <p:sldId id="268" r:id="rId15"/>
+    <p:sldId id="269" r:id="rId16"/>
+    <p:sldId id="270" r:id="rId17"/>
+    <p:sldId id="271" r:id="rId18"/>
+    <p:sldId id="272" r:id="rId19"/>
+    <p:sldId id="273" r:id="rId20"/>
+    <p:sldId id="274" r:id="rId21"/>
+    <p:sldId id="275" r:id="rId22"/>
+    <p:sldId id="276" r:id="rId23"/>
+    <p:sldId id="277" r:id="rId24"/>
+    <p:sldId id="278" r:id="rId25"/>
+    <p:sldId id="280" r:id="rId26"/>
+    <p:sldId id="281" r:id="rId27"/>
+    <p:sldId id="283" r:id="rId28"/>
+    <p:sldId id="284" r:id="rId29"/>
+    <p:sldId id="282" r:id="rId30"/>
+    <p:sldId id="285" r:id="rId31"/>
+    <p:sldId id="288" r:id="rId32"/>
+    <p:sldId id="295" r:id="rId33"/>
+    <p:sldId id="297" r:id="rId34"/>
+    <p:sldId id="298" r:id="rId35"/>
+    <p:sldId id="299" r:id="rId36"/>
+    <p:sldId id="301" r:id="rId37"/>
+    <p:sldId id="290" r:id="rId38"/>
+    <p:sldId id="291" r:id="rId39"/>
+    <p:sldId id="292" r:id="rId40"/>
+    <p:sldId id="293" r:id="rId41"/>
+    <p:sldId id="294" r:id="rId42"/>
+    <p:sldId id="289" r:id="rId43"/>
+    <p:sldId id="286" r:id="rId44"/>
   </p:sldIdLst>
   <p:sldSz cx="12192000" cy="6858000"/>
   <p:notesSz cx="6858000" cy="9144000"/>
@@ -126,7 +149,445 @@
       </a:defRPr>
     </a:lvl9pPr>
   </p:defaultTextStyle>
+  <p:extLst>
+    <p:ext uri="{EFAFB233-063F-42B5-8137-9DF3F51BA10A}">
+      <p15:sldGuideLst xmlns:p15="http://schemas.microsoft.com/office/powerpoint/2012/main"/>
+    </p:ext>
+  </p:extLst>
 </p:presentation>
+</file>
+
+<file path=ppt/notesMasters/notesMaster1.xml><?xml version="1.0" encoding="utf-8"?>
+<p:notesMaster xmlns:a="http://schemas.openxmlformats.org/drawingml/2006/main" xmlns:r="http://schemas.openxmlformats.org/officeDocument/2006/relationships" xmlns:p="http://schemas.openxmlformats.org/presentationml/2006/main">
+  <p:cSld>
+    <p:bg>
+      <p:bgRef idx="1001">
+        <a:schemeClr val="bg1"/>
+      </p:bgRef>
+    </p:bg>
+    <p:spTree>
+      <p:nvGrpSpPr>
+        <p:cNvPr id="1" name=""/>
+        <p:cNvGrpSpPr/>
+        <p:nvPr/>
+      </p:nvGrpSpPr>
+      <p:grpSpPr>
+        <a:xfrm>
+          <a:off x="0" y="0"/>
+          <a:ext cx="0" cy="0"/>
+          <a:chOff x="0" y="0"/>
+          <a:chExt cx="0" cy="0"/>
+        </a:xfrm>
+      </p:grpSpPr>
+      <p:sp>
+        <p:nvSpPr>
+          <p:cNvPr id="2" name="Header Placeholder 1"/>
+          <p:cNvSpPr>
+            <a:spLocks noGrp="1"/>
+          </p:cNvSpPr>
+          <p:nvPr>
+            <p:ph type="hdr" sz="quarter"/>
+          </p:nvPr>
+        </p:nvSpPr>
+        <p:spPr>
+          <a:xfrm>
+            <a:off x="0" y="0"/>
+            <a:ext cx="2971800" cy="458788"/>
+          </a:xfrm>
+          <a:prstGeom prst="rect">
+            <a:avLst/>
+          </a:prstGeom>
+        </p:spPr>
+        <p:txBody>
+          <a:bodyPr vert="horz" lIns="91440" tIns="45720" rIns="91440" bIns="45720" rtlCol="0"/>
+          <a:lstStyle>
+            <a:lvl1pPr algn="l">
+              <a:defRPr sz="1200"/>
+            </a:lvl1pPr>
+          </a:lstStyle>
+          <a:p>
+            <a:endParaRPr lang="en-US"/>
+          </a:p>
+        </p:txBody>
+      </p:sp>
+      <p:sp>
+        <p:nvSpPr>
+          <p:cNvPr id="3" name="Date Placeholder 2"/>
+          <p:cNvSpPr>
+            <a:spLocks noGrp="1"/>
+          </p:cNvSpPr>
+          <p:nvPr>
+            <p:ph type="dt" idx="1"/>
+          </p:nvPr>
+        </p:nvSpPr>
+        <p:spPr>
+          <a:xfrm>
+            <a:off x="3884613" y="0"/>
+            <a:ext cx="2971800" cy="458788"/>
+          </a:xfrm>
+          <a:prstGeom prst="rect">
+            <a:avLst/>
+          </a:prstGeom>
+        </p:spPr>
+        <p:txBody>
+          <a:bodyPr vert="horz" lIns="91440" tIns="45720" rIns="91440" bIns="45720" rtlCol="0"/>
+          <a:lstStyle>
+            <a:lvl1pPr algn="r">
+              <a:defRPr sz="1200"/>
+            </a:lvl1pPr>
+          </a:lstStyle>
+          <a:p>
+            <a:fld id="{1F57978C-2F1F-411F-9AE2-8E9AB911447A}" type="datetimeFigureOut">
+              <a:rPr lang="en-US" smtClean="0"/>
+              <a:t>7/21/2024</a:t>
+            </a:fld>
+            <a:endParaRPr lang="en-US"/>
+          </a:p>
+        </p:txBody>
+      </p:sp>
+      <p:sp>
+        <p:nvSpPr>
+          <p:cNvPr id="4" name="Slide Image Placeholder 3"/>
+          <p:cNvSpPr>
+            <a:spLocks noGrp="1" noRot="1" noChangeAspect="1"/>
+          </p:cNvSpPr>
+          <p:nvPr>
+            <p:ph type="sldImg" idx="2"/>
+          </p:nvPr>
+        </p:nvSpPr>
+        <p:spPr>
+          <a:xfrm>
+            <a:off x="685800" y="1143000"/>
+            <a:ext cx="5486400" cy="3086100"/>
+          </a:xfrm>
+          <a:prstGeom prst="rect">
+            <a:avLst/>
+          </a:prstGeom>
+          <a:noFill/>
+          <a:ln w="12700">
+            <a:solidFill>
+              <a:prstClr val="black"/>
+            </a:solidFill>
+          </a:ln>
+        </p:spPr>
+        <p:txBody>
+          <a:bodyPr vert="horz" lIns="91440" tIns="45720" rIns="91440" bIns="45720" rtlCol="0" anchor="ctr"/>
+          <a:lstStyle/>
+          <a:p>
+            <a:endParaRPr lang="en-US"/>
+          </a:p>
+        </p:txBody>
+      </p:sp>
+      <p:sp>
+        <p:nvSpPr>
+          <p:cNvPr id="5" name="Notes Placeholder 4"/>
+          <p:cNvSpPr>
+            <a:spLocks noGrp="1"/>
+          </p:cNvSpPr>
+          <p:nvPr>
+            <p:ph type="body" sz="quarter" idx="3"/>
+          </p:nvPr>
+        </p:nvSpPr>
+        <p:spPr>
+          <a:xfrm>
+            <a:off x="685800" y="4400550"/>
+            <a:ext cx="5486400" cy="3600450"/>
+          </a:xfrm>
+          <a:prstGeom prst="rect">
+            <a:avLst/>
+          </a:prstGeom>
+        </p:spPr>
+        <p:txBody>
+          <a:bodyPr vert="horz" lIns="91440" tIns="45720" rIns="91440" bIns="45720" rtlCol="0"/>
+          <a:lstStyle/>
+          <a:p>
+            <a:pPr lvl="0"/>
+            <a:r>
+              <a:rPr lang="en-US"/>
+              <a:t>Click to edit Master text styles</a:t>
+            </a:r>
+          </a:p>
+          <a:p>
+            <a:pPr lvl="1"/>
+            <a:r>
+              <a:rPr lang="en-US"/>
+              <a:t>Second level</a:t>
+            </a:r>
+          </a:p>
+          <a:p>
+            <a:pPr lvl="2"/>
+            <a:r>
+              <a:rPr lang="en-US"/>
+              <a:t>Third level</a:t>
+            </a:r>
+          </a:p>
+          <a:p>
+            <a:pPr lvl="3"/>
+            <a:r>
+              <a:rPr lang="en-US"/>
+              <a:t>Fourth level</a:t>
+            </a:r>
+          </a:p>
+          <a:p>
+            <a:pPr lvl="4"/>
+            <a:r>
+              <a:rPr lang="en-US"/>
+              <a:t>Fifth level</a:t>
+            </a:r>
+          </a:p>
+        </p:txBody>
+      </p:sp>
+      <p:sp>
+        <p:nvSpPr>
+          <p:cNvPr id="6" name="Footer Placeholder 5"/>
+          <p:cNvSpPr>
+            <a:spLocks noGrp="1"/>
+          </p:cNvSpPr>
+          <p:nvPr>
+            <p:ph type="ftr" sz="quarter" idx="4"/>
+          </p:nvPr>
+        </p:nvSpPr>
+        <p:spPr>
+          <a:xfrm>
+            <a:off x="0" y="8685213"/>
+            <a:ext cx="2971800" cy="458787"/>
+          </a:xfrm>
+          <a:prstGeom prst="rect">
+            <a:avLst/>
+          </a:prstGeom>
+        </p:spPr>
+        <p:txBody>
+          <a:bodyPr vert="horz" lIns="91440" tIns="45720" rIns="91440" bIns="45720" rtlCol="0" anchor="b"/>
+          <a:lstStyle>
+            <a:lvl1pPr algn="l">
+              <a:defRPr sz="1200"/>
+            </a:lvl1pPr>
+          </a:lstStyle>
+          <a:p>
+            <a:endParaRPr lang="en-US"/>
+          </a:p>
+        </p:txBody>
+      </p:sp>
+      <p:sp>
+        <p:nvSpPr>
+          <p:cNvPr id="7" name="Slide Number Placeholder 6"/>
+          <p:cNvSpPr>
+            <a:spLocks noGrp="1"/>
+          </p:cNvSpPr>
+          <p:nvPr>
+            <p:ph type="sldNum" sz="quarter" idx="5"/>
+          </p:nvPr>
+        </p:nvSpPr>
+        <p:spPr>
+          <a:xfrm>
+            <a:off x="3884613" y="8685213"/>
+            <a:ext cx="2971800" cy="458787"/>
+          </a:xfrm>
+          <a:prstGeom prst="rect">
+            <a:avLst/>
+          </a:prstGeom>
+        </p:spPr>
+        <p:txBody>
+          <a:bodyPr vert="horz" lIns="91440" tIns="45720" rIns="91440" bIns="45720" rtlCol="0" anchor="b"/>
+          <a:lstStyle>
+            <a:lvl1pPr algn="r">
+              <a:defRPr sz="1200"/>
+            </a:lvl1pPr>
+          </a:lstStyle>
+          <a:p>
+            <a:fld id="{7EE3E420-222C-4680-B5D1-5F3DA5ED7F81}" type="slidenum">
+              <a:rPr lang="en-US" smtClean="0"/>
+              <a:t>‹#›</a:t>
+            </a:fld>
+            <a:endParaRPr lang="en-US"/>
+          </a:p>
+        </p:txBody>
+      </p:sp>
+    </p:spTree>
+    <p:extLst>
+      <p:ext uri="{BB962C8B-B14F-4D97-AF65-F5344CB8AC3E}">
+        <p14:creationId xmlns:p14="http://schemas.microsoft.com/office/powerpoint/2010/main" val="2097109669"/>
+      </p:ext>
+    </p:extLst>
+  </p:cSld>
+  <p:clrMap bg1="lt1" tx1="dk1" bg2="lt2" tx2="dk2" accent1="accent1" accent2="accent2" accent3="accent3" accent4="accent4" accent5="accent5" accent6="accent6" hlink="hlink" folHlink="folHlink"/>
+  <p:notesStyle>
+    <a:lvl1pPr marL="0" algn="l" defTabSz="914400" rtl="0" eaLnBrk="1" latinLnBrk="0" hangingPunct="1">
+      <a:defRPr sz="1200" kern="1200">
+        <a:solidFill>
+          <a:schemeClr val="tx1"/>
+        </a:solidFill>
+        <a:latin typeface="+mn-lt"/>
+        <a:ea typeface="+mn-ea"/>
+        <a:cs typeface="+mn-cs"/>
+      </a:defRPr>
+    </a:lvl1pPr>
+    <a:lvl2pPr marL="457200" algn="l" defTabSz="914400" rtl="0" eaLnBrk="1" latinLnBrk="0" hangingPunct="1">
+      <a:defRPr sz="1200" kern="1200">
+        <a:solidFill>
+          <a:schemeClr val="tx1"/>
+        </a:solidFill>
+        <a:latin typeface="+mn-lt"/>
+        <a:ea typeface="+mn-ea"/>
+        <a:cs typeface="+mn-cs"/>
+      </a:defRPr>
+    </a:lvl2pPr>
+    <a:lvl3pPr marL="914400" algn="l" defTabSz="914400" rtl="0" eaLnBrk="1" latinLnBrk="0" hangingPunct="1">
+      <a:defRPr sz="1200" kern="1200">
+        <a:solidFill>
+          <a:schemeClr val="tx1"/>
+        </a:solidFill>
+        <a:latin typeface="+mn-lt"/>
+        <a:ea typeface="+mn-ea"/>
+        <a:cs typeface="+mn-cs"/>
+      </a:defRPr>
+    </a:lvl3pPr>
+    <a:lvl4pPr marL="1371600" algn="l" defTabSz="914400" rtl="0" eaLnBrk="1" latinLnBrk="0" hangingPunct="1">
+      <a:defRPr sz="1200" kern="1200">
+        <a:solidFill>
+          <a:schemeClr val="tx1"/>
+        </a:solidFill>
+        <a:latin typeface="+mn-lt"/>
+        <a:ea typeface="+mn-ea"/>
+        <a:cs typeface="+mn-cs"/>
+      </a:defRPr>
+    </a:lvl4pPr>
+    <a:lvl5pPr marL="1828800" algn="l" defTabSz="914400" rtl="0" eaLnBrk="1" latinLnBrk="0" hangingPunct="1">
+      <a:defRPr sz="1200" kern="1200">
+        <a:solidFill>
+          <a:schemeClr val="tx1"/>
+        </a:solidFill>
+        <a:latin typeface="+mn-lt"/>
+        <a:ea typeface="+mn-ea"/>
+        <a:cs typeface="+mn-cs"/>
+      </a:defRPr>
+    </a:lvl5pPr>
+    <a:lvl6pPr marL="2286000" algn="l" defTabSz="914400" rtl="0" eaLnBrk="1" latinLnBrk="0" hangingPunct="1">
+      <a:defRPr sz="1200" kern="1200">
+        <a:solidFill>
+          <a:schemeClr val="tx1"/>
+        </a:solidFill>
+        <a:latin typeface="+mn-lt"/>
+        <a:ea typeface="+mn-ea"/>
+        <a:cs typeface="+mn-cs"/>
+      </a:defRPr>
+    </a:lvl6pPr>
+    <a:lvl7pPr marL="2743200" algn="l" defTabSz="914400" rtl="0" eaLnBrk="1" latinLnBrk="0" hangingPunct="1">
+      <a:defRPr sz="1200" kern="1200">
+        <a:solidFill>
+          <a:schemeClr val="tx1"/>
+        </a:solidFill>
+        <a:latin typeface="+mn-lt"/>
+        <a:ea typeface="+mn-ea"/>
+        <a:cs typeface="+mn-cs"/>
+      </a:defRPr>
+    </a:lvl7pPr>
+    <a:lvl8pPr marL="3200400" algn="l" defTabSz="914400" rtl="0" eaLnBrk="1" latinLnBrk="0" hangingPunct="1">
+      <a:defRPr sz="1200" kern="1200">
+        <a:solidFill>
+          <a:schemeClr val="tx1"/>
+        </a:solidFill>
+        <a:latin typeface="+mn-lt"/>
+        <a:ea typeface="+mn-ea"/>
+        <a:cs typeface="+mn-cs"/>
+      </a:defRPr>
+    </a:lvl8pPr>
+    <a:lvl9pPr marL="3657600" algn="l" defTabSz="914400" rtl="0" eaLnBrk="1" latinLnBrk="0" hangingPunct="1">
+      <a:defRPr sz="1200" kern="1200">
+        <a:solidFill>
+          <a:schemeClr val="tx1"/>
+        </a:solidFill>
+        <a:latin typeface="+mn-lt"/>
+        <a:ea typeface="+mn-ea"/>
+        <a:cs typeface="+mn-cs"/>
+      </a:defRPr>
+    </a:lvl9pPr>
+  </p:notesStyle>
+</p:notesMaster>
+</file>
+
+<file path=ppt/notesSlides/notesSlide1.xml><?xml version="1.0" encoding="utf-8"?>
+<p:notes xmlns:a="http://schemas.openxmlformats.org/drawingml/2006/main" xmlns:r="http://schemas.openxmlformats.org/officeDocument/2006/relationships" xmlns:p="http://schemas.openxmlformats.org/presentationml/2006/main">
+  <p:cSld>
+    <p:spTree>
+      <p:nvGrpSpPr>
+        <p:cNvPr id="1" name=""/>
+        <p:cNvGrpSpPr/>
+        <p:nvPr/>
+      </p:nvGrpSpPr>
+      <p:grpSpPr>
+        <a:xfrm>
+          <a:off x="0" y="0"/>
+          <a:ext cx="0" cy="0"/>
+          <a:chOff x="0" y="0"/>
+          <a:chExt cx="0" cy="0"/>
+        </a:xfrm>
+      </p:grpSpPr>
+      <p:sp>
+        <p:nvSpPr>
+          <p:cNvPr id="2" name="Slide Image Placeholder 1"/>
+          <p:cNvSpPr>
+            <a:spLocks noGrp="1" noRot="1" noChangeAspect="1"/>
+          </p:cNvSpPr>
+          <p:nvPr>
+            <p:ph type="sldImg"/>
+          </p:nvPr>
+        </p:nvSpPr>
+        <p:spPr/>
+      </p:sp>
+      <p:sp>
+        <p:nvSpPr>
+          <p:cNvPr id="3" name="Notes Placeholder 2"/>
+          <p:cNvSpPr>
+            <a:spLocks noGrp="1"/>
+          </p:cNvSpPr>
+          <p:nvPr>
+            <p:ph type="body" idx="1"/>
+          </p:nvPr>
+        </p:nvSpPr>
+        <p:spPr/>
+        <p:txBody>
+          <a:bodyPr/>
+          <a:lstStyle/>
+          <a:p>
+            <a:endParaRPr lang="en-US"/>
+          </a:p>
+        </p:txBody>
+      </p:sp>
+      <p:sp>
+        <p:nvSpPr>
+          <p:cNvPr id="4" name="Slide Number Placeholder 3"/>
+          <p:cNvSpPr>
+            <a:spLocks noGrp="1"/>
+          </p:cNvSpPr>
+          <p:nvPr>
+            <p:ph type="sldNum" sz="quarter" idx="5"/>
+          </p:nvPr>
+        </p:nvSpPr>
+        <p:spPr/>
+        <p:txBody>
+          <a:bodyPr/>
+          <a:lstStyle/>
+          <a:p>
+            <a:fld id="{7EE3E420-222C-4680-B5D1-5F3DA5ED7F81}" type="slidenum">
+              <a:rPr lang="en-US" smtClean="0"/>
+              <a:t>5</a:t>
+            </a:fld>
+            <a:endParaRPr lang="en-US"/>
+          </a:p>
+        </p:txBody>
+      </p:sp>
+    </p:spTree>
+    <p:extLst>
+      <p:ext uri="{BB962C8B-B14F-4D97-AF65-F5344CB8AC3E}">
+        <p14:creationId xmlns:p14="http://schemas.microsoft.com/office/powerpoint/2010/main" val="497602729"/>
+      </p:ext>
+    </p:extLst>
+  </p:cSld>
+  <p:clrMapOvr>
+    <a:masterClrMapping/>
+  </p:clrMapOvr>
+</p:notes>
 </file>
 
 <file path=ppt/slideLayouts/slideLayout1.xml><?xml version="1.0" encoding="utf-8"?>
@@ -278,7 +739,7 @@
           <a:p>
             <a:fld id="{614C4D3C-8AE3-D941-9FD4-187EDDC090CB}" type="datetimeFigureOut">
               <a:rPr lang="en-US" smtClean="0"/>
-              <a:t>7/20/24</a:t>
+              <a:t>7/21/2024</a:t>
             </a:fld>
             <a:endParaRPr lang="en-US"/>
           </a:p>
@@ -348,13 +809,13 @@
   <p:clrMapOvr>
     <a:masterClrMapping/>
   </p:clrMapOvr>
-  <mc:AlternateContent xmlns:mc="http://schemas.openxmlformats.org/markup-compatibility/2006">
-    <mc:Choice xmlns:p14="http://schemas.microsoft.com/office/powerpoint/2010/main" Requires="p14">
+  <mc:AlternateContent xmlns:mc="http://schemas.openxmlformats.org/markup-compatibility/2006" xmlns:p14="http://schemas.microsoft.com/office/powerpoint/2010/main">
+    <mc:Choice Requires="p14">
       <p:transition spd="slow" p14:dur="1500">
         <p:split orient="vert"/>
       </p:transition>
     </mc:Choice>
-    <mc:Fallback>
+    <mc:Fallback xmlns="">
       <p:transition spd="slow">
         <p:split orient="vert"/>
       </p:transition>
@@ -490,7 +951,7 @@
           <a:p>
             <a:fld id="{614C4D3C-8AE3-D941-9FD4-187EDDC090CB}" type="datetimeFigureOut">
               <a:rPr lang="en-US" smtClean="0"/>
-              <a:t>7/20/24</a:t>
+              <a:t>7/21/2024</a:t>
             </a:fld>
             <a:endParaRPr lang="en-US"/>
           </a:p>
@@ -560,13 +1021,13 @@
   <p:clrMapOvr>
     <a:masterClrMapping/>
   </p:clrMapOvr>
-  <mc:AlternateContent xmlns:mc="http://schemas.openxmlformats.org/markup-compatibility/2006">
-    <mc:Choice xmlns:p14="http://schemas.microsoft.com/office/powerpoint/2010/main" Requires="p14">
+  <mc:AlternateContent xmlns:mc="http://schemas.openxmlformats.org/markup-compatibility/2006" xmlns:p14="http://schemas.microsoft.com/office/powerpoint/2010/main">
+    <mc:Choice Requires="p14">
       <p:transition spd="slow" p14:dur="1500">
         <p:split orient="vert"/>
       </p:transition>
     </mc:Choice>
-    <mc:Fallback>
+    <mc:Fallback xmlns="">
       <p:transition spd="slow">
         <p:split orient="vert"/>
       </p:transition>
@@ -712,7 +1173,7 @@
           <a:p>
             <a:fld id="{614C4D3C-8AE3-D941-9FD4-187EDDC090CB}" type="datetimeFigureOut">
               <a:rPr lang="en-US" smtClean="0"/>
-              <a:t>7/20/24</a:t>
+              <a:t>7/21/2024</a:t>
             </a:fld>
             <a:endParaRPr lang="en-US"/>
           </a:p>
@@ -782,13 +1243,13 @@
   <p:clrMapOvr>
     <a:masterClrMapping/>
   </p:clrMapOvr>
-  <mc:AlternateContent xmlns:mc="http://schemas.openxmlformats.org/markup-compatibility/2006">
-    <mc:Choice xmlns:p14="http://schemas.microsoft.com/office/powerpoint/2010/main" Requires="p14">
+  <mc:AlternateContent xmlns:mc="http://schemas.openxmlformats.org/markup-compatibility/2006" xmlns:p14="http://schemas.microsoft.com/office/powerpoint/2010/main">
+    <mc:Choice Requires="p14">
       <p:transition spd="slow" p14:dur="1500">
         <p:split orient="vert"/>
       </p:transition>
     </mc:Choice>
-    <mc:Fallback>
+    <mc:Fallback xmlns="">
       <p:transition spd="slow">
         <p:split orient="vert"/>
       </p:transition>
@@ -924,7 +1385,7 @@
           <a:p>
             <a:fld id="{614C4D3C-8AE3-D941-9FD4-187EDDC090CB}" type="datetimeFigureOut">
               <a:rPr lang="en-US" smtClean="0"/>
-              <a:t>7/20/24</a:t>
+              <a:t>7/21/2024</a:t>
             </a:fld>
             <a:endParaRPr lang="en-US"/>
           </a:p>
@@ -994,13 +1455,13 @@
   <p:clrMapOvr>
     <a:masterClrMapping/>
   </p:clrMapOvr>
-  <mc:AlternateContent xmlns:mc="http://schemas.openxmlformats.org/markup-compatibility/2006">
-    <mc:Choice xmlns:p14="http://schemas.microsoft.com/office/powerpoint/2010/main" Requires="p14">
+  <mc:AlternateContent xmlns:mc="http://schemas.openxmlformats.org/markup-compatibility/2006" xmlns:p14="http://schemas.microsoft.com/office/powerpoint/2010/main">
+    <mc:Choice Requires="p14">
       <p:transition spd="slow" p14:dur="1500">
         <p:split orient="vert"/>
       </p:transition>
     </mc:Choice>
-    <mc:Fallback>
+    <mc:Fallback xmlns="">
       <p:transition spd="slow">
         <p:split orient="vert"/>
       </p:transition>
@@ -1212,7 +1673,7 @@
           <a:p>
             <a:fld id="{614C4D3C-8AE3-D941-9FD4-187EDDC090CB}" type="datetimeFigureOut">
               <a:rPr lang="en-US" smtClean="0"/>
-              <a:t>7/20/24</a:t>
+              <a:t>7/21/2024</a:t>
             </a:fld>
             <a:endParaRPr lang="en-US"/>
           </a:p>
@@ -1282,13 +1743,13 @@
   <p:clrMapOvr>
     <a:masterClrMapping/>
   </p:clrMapOvr>
-  <mc:AlternateContent xmlns:mc="http://schemas.openxmlformats.org/markup-compatibility/2006">
-    <mc:Choice xmlns:p14="http://schemas.microsoft.com/office/powerpoint/2010/main" Requires="p14">
+  <mc:AlternateContent xmlns:mc="http://schemas.openxmlformats.org/markup-compatibility/2006" xmlns:p14="http://schemas.microsoft.com/office/powerpoint/2010/main">
+    <mc:Choice Requires="p14">
       <p:transition spd="slow" p14:dur="1500">
         <p:split orient="vert"/>
       </p:transition>
     </mc:Choice>
-    <mc:Fallback>
+    <mc:Fallback xmlns="">
       <p:transition spd="slow">
         <p:split orient="vert"/>
       </p:transition>
@@ -1492,7 +1953,7 @@
           <a:p>
             <a:fld id="{614C4D3C-8AE3-D941-9FD4-187EDDC090CB}" type="datetimeFigureOut">
               <a:rPr lang="en-US" smtClean="0"/>
-              <a:t>7/20/24</a:t>
+              <a:t>7/21/2024</a:t>
             </a:fld>
             <a:endParaRPr lang="en-US"/>
           </a:p>
@@ -1562,13 +2023,13 @@
   <p:clrMapOvr>
     <a:masterClrMapping/>
   </p:clrMapOvr>
-  <mc:AlternateContent xmlns:mc="http://schemas.openxmlformats.org/markup-compatibility/2006">
-    <mc:Choice xmlns:p14="http://schemas.microsoft.com/office/powerpoint/2010/main" Requires="p14">
+  <mc:AlternateContent xmlns:mc="http://schemas.openxmlformats.org/markup-compatibility/2006" xmlns:p14="http://schemas.microsoft.com/office/powerpoint/2010/main">
+    <mc:Choice Requires="p14">
       <p:transition spd="slow" p14:dur="1500">
         <p:split orient="vert"/>
       </p:transition>
     </mc:Choice>
-    <mc:Fallback>
+    <mc:Fallback xmlns="">
       <p:transition spd="slow">
         <p:split orient="vert"/>
       </p:transition>
@@ -1919,7 +2380,7 @@
           <a:p>
             <a:fld id="{614C4D3C-8AE3-D941-9FD4-187EDDC090CB}" type="datetimeFigureOut">
               <a:rPr lang="en-US" smtClean="0"/>
-              <a:t>7/20/24</a:t>
+              <a:t>7/21/2024</a:t>
             </a:fld>
             <a:endParaRPr lang="en-US"/>
           </a:p>
@@ -1989,13 +2450,13 @@
   <p:clrMapOvr>
     <a:masterClrMapping/>
   </p:clrMapOvr>
-  <mc:AlternateContent xmlns:mc="http://schemas.openxmlformats.org/markup-compatibility/2006">
-    <mc:Choice xmlns:p14="http://schemas.microsoft.com/office/powerpoint/2010/main" Requires="p14">
+  <mc:AlternateContent xmlns:mc="http://schemas.openxmlformats.org/markup-compatibility/2006" xmlns:p14="http://schemas.microsoft.com/office/powerpoint/2010/main">
+    <mc:Choice Requires="p14">
       <p:transition spd="slow" p14:dur="1500">
         <p:split orient="vert"/>
       </p:transition>
     </mc:Choice>
-    <mc:Fallback>
+    <mc:Fallback xmlns="">
       <p:transition spd="slow">
         <p:split orient="vert"/>
       </p:transition>
@@ -2073,7 +2534,7 @@
           <a:p>
             <a:fld id="{614C4D3C-8AE3-D941-9FD4-187EDDC090CB}" type="datetimeFigureOut">
               <a:rPr lang="en-US" smtClean="0"/>
-              <a:t>7/20/24</a:t>
+              <a:t>7/21/2024</a:t>
             </a:fld>
             <a:endParaRPr lang="en-US"/>
           </a:p>
@@ -2143,13 +2604,13 @@
   <p:clrMapOvr>
     <a:masterClrMapping/>
   </p:clrMapOvr>
-  <mc:AlternateContent xmlns:mc="http://schemas.openxmlformats.org/markup-compatibility/2006">
-    <mc:Choice xmlns:p14="http://schemas.microsoft.com/office/powerpoint/2010/main" Requires="p14">
+  <mc:AlternateContent xmlns:mc="http://schemas.openxmlformats.org/markup-compatibility/2006" xmlns:p14="http://schemas.microsoft.com/office/powerpoint/2010/main">
+    <mc:Choice Requires="p14">
       <p:transition spd="slow" p14:dur="1500">
         <p:split orient="vert"/>
       </p:transition>
     </mc:Choice>
-    <mc:Fallback>
+    <mc:Fallback xmlns="">
       <p:transition spd="slow">
         <p:split orient="vert"/>
       </p:transition>
@@ -2198,7 +2659,7 @@
           <a:p>
             <a:fld id="{614C4D3C-8AE3-D941-9FD4-187EDDC090CB}" type="datetimeFigureOut">
               <a:rPr lang="en-US" smtClean="0"/>
-              <a:t>7/20/24</a:t>
+              <a:t>7/21/2024</a:t>
             </a:fld>
             <a:endParaRPr lang="en-US"/>
           </a:p>
@@ -2268,13 +2729,13 @@
   <p:clrMapOvr>
     <a:masterClrMapping/>
   </p:clrMapOvr>
-  <mc:AlternateContent xmlns:mc="http://schemas.openxmlformats.org/markup-compatibility/2006">
-    <mc:Choice xmlns:p14="http://schemas.microsoft.com/office/powerpoint/2010/main" Requires="p14">
+  <mc:AlternateContent xmlns:mc="http://schemas.openxmlformats.org/markup-compatibility/2006" xmlns:p14="http://schemas.microsoft.com/office/powerpoint/2010/main">
+    <mc:Choice Requires="p14">
       <p:transition spd="slow" p14:dur="1500">
         <p:split orient="vert"/>
       </p:transition>
     </mc:Choice>
-    <mc:Fallback>
+    <mc:Fallback xmlns="">
       <p:transition spd="slow">
         <p:split orient="vert"/>
       </p:transition>
@@ -2523,7 +2984,7 @@
           <a:p>
             <a:fld id="{614C4D3C-8AE3-D941-9FD4-187EDDC090CB}" type="datetimeFigureOut">
               <a:rPr lang="en-US" smtClean="0"/>
-              <a:t>7/20/24</a:t>
+              <a:t>7/21/2024</a:t>
             </a:fld>
             <a:endParaRPr lang="en-US"/>
           </a:p>
@@ -2593,13 +3054,13 @@
   <p:clrMapOvr>
     <a:masterClrMapping/>
   </p:clrMapOvr>
-  <mc:AlternateContent xmlns:mc="http://schemas.openxmlformats.org/markup-compatibility/2006">
-    <mc:Choice xmlns:p14="http://schemas.microsoft.com/office/powerpoint/2010/main" Requires="p14">
+  <mc:AlternateContent xmlns:mc="http://schemas.openxmlformats.org/markup-compatibility/2006" xmlns:p14="http://schemas.microsoft.com/office/powerpoint/2010/main">
+    <mc:Choice Requires="p14">
       <p:transition spd="slow" p14:dur="1500">
         <p:split orient="vert"/>
       </p:transition>
     </mc:Choice>
-    <mc:Fallback>
+    <mc:Fallback xmlns="">
       <p:transition spd="slow">
         <p:split orient="vert"/>
       </p:transition>
@@ -2824,7 +3285,7 @@
           <a:p>
             <a:fld id="{614C4D3C-8AE3-D941-9FD4-187EDDC090CB}" type="datetimeFigureOut">
               <a:rPr lang="en-US" smtClean="0"/>
-              <a:t>7/20/24</a:t>
+              <a:t>7/21/2024</a:t>
             </a:fld>
             <a:endParaRPr lang="en-US"/>
           </a:p>
@@ -2894,13 +3355,13 @@
   <p:clrMapOvr>
     <a:masterClrMapping/>
   </p:clrMapOvr>
-  <mc:AlternateContent xmlns:mc="http://schemas.openxmlformats.org/markup-compatibility/2006">
-    <mc:Choice xmlns:p14="http://schemas.microsoft.com/office/powerpoint/2010/main" Requires="p14">
+  <mc:AlternateContent xmlns:mc="http://schemas.openxmlformats.org/markup-compatibility/2006" xmlns:p14="http://schemas.microsoft.com/office/powerpoint/2010/main">
+    <mc:Choice Requires="p14">
       <p:transition spd="slow" p14:dur="1500">
         <p:split orient="vert"/>
       </p:transition>
     </mc:Choice>
-    <mc:Fallback>
+    <mc:Fallback xmlns="">
       <p:transition spd="slow">
         <p:split orient="vert"/>
       </p:transition>
@@ -3079,7 +3540,7 @@
           <a:p>
             <a:fld id="{614C4D3C-8AE3-D941-9FD4-187EDDC090CB}" type="datetimeFigureOut">
               <a:rPr lang="en-US" smtClean="0"/>
-              <a:t>7/20/24</a:t>
+              <a:t>7/21/2024</a:t>
             </a:fld>
             <a:endParaRPr lang="en-US"/>
           </a:p>
@@ -3196,13 +3657,13 @@
     <p:sldLayoutId id="2147483658" r:id="rId10"/>
     <p:sldLayoutId id="2147483659" r:id="rId11"/>
   </p:sldLayoutIdLst>
-  <mc:AlternateContent xmlns:mc="http://schemas.openxmlformats.org/markup-compatibility/2006">
-    <mc:Choice xmlns:p14="http://schemas.microsoft.com/office/powerpoint/2010/main" Requires="p14">
+  <mc:AlternateContent xmlns:mc="http://schemas.openxmlformats.org/markup-compatibility/2006" xmlns:p14="http://schemas.microsoft.com/office/powerpoint/2010/main">
+    <mc:Choice Requires="p14">
       <p:transition spd="slow" p14:dur="1500">
         <p:split orient="vert"/>
       </p:transition>
     </mc:Choice>
-    <mc:Fallback>
+    <mc:Fallback xmlns="">
       <p:transition spd="slow">
         <p:split orient="vert"/>
       </p:transition>
@@ -3599,7 +4060,7 @@
                 </a:highlight>
                 <a:latin typeface="Algerian" pitchFamily="82" charset="77"/>
               </a:rPr>
-              <a:t>Mock Interviews</a:t>
+              <a:t>Mock Interview Series</a:t>
             </a:r>
             <a:endParaRPr lang="en-US" sz="7200" dirty="0"/>
           </a:p>
@@ -3651,7 +4112,7 @@
             <a:r>
               <a:rPr lang="en-US" sz="11500" i="0" kern="1200" dirty="0">
                 <a:solidFill>
-                  <a:srgbClr val="7030A0"/>
+                  <a:srgbClr val="FF0000"/>
                 </a:solidFill>
                 <a:effectLst/>
                 <a:highlight>
@@ -3659,11 +4120,24 @@
                 </a:highlight>
                 <a:latin typeface="Algerian" pitchFamily="82" charset="77"/>
               </a:rPr>
-              <a:t>round1</a:t>
+              <a:t>Round1</a:t>
+            </a:r>
+            <a:r>
+              <a:rPr lang="en-US" sz="4800" i="0" kern="1200" dirty="0">
+                <a:solidFill>
+                  <a:srgbClr val="FF0000"/>
+                </a:solidFill>
+                <a:effectLst/>
+                <a:highlight>
+                  <a:srgbClr val="000000"/>
+                </a:highlight>
+                <a:latin typeface="Algerian" pitchFamily="82" charset="77"/>
+              </a:rPr>
+              <a:t>/3</a:t>
             </a:r>
             <a:endParaRPr lang="en-US" sz="11500" dirty="0">
               <a:solidFill>
-                <a:srgbClr val="7030A0"/>
+                <a:srgbClr val="FF0000"/>
               </a:solidFill>
             </a:endParaRPr>
           </a:p>
@@ -4014,13 +4488,13 @@
   <p:clrMapOvr>
     <a:masterClrMapping/>
   </p:clrMapOvr>
-  <mc:AlternateContent xmlns:mc="http://schemas.openxmlformats.org/markup-compatibility/2006">
-    <mc:Choice xmlns:p14="http://schemas.microsoft.com/office/powerpoint/2010/main" Requires="p14">
+  <mc:AlternateContent xmlns:mc="http://schemas.openxmlformats.org/markup-compatibility/2006" xmlns:p14="http://schemas.microsoft.com/office/powerpoint/2010/main">
+    <mc:Choice Requires="p14">
       <p:transition spd="slow" p14:dur="1500">
         <p:split orient="vert"/>
       </p:transition>
     </mc:Choice>
-    <mc:Fallback>
+    <mc:Fallback xmlns="">
       <p:transition spd="slow">
         <p:split orient="vert"/>
       </p:transition>
@@ -4065,7 +4539,7 @@
         <p:spPr/>
         <p:txBody>
           <a:bodyPr>
-            <a:normAutofit/>
+            <a:normAutofit fontScale="90000"/>
           </a:bodyPr>
           <a:lstStyle/>
           <a:p>
@@ -4075,7 +4549,7 @@
                 <a:latin typeface="Times New Roman" panose="02020603050405020304" pitchFamily="18" charset="0"/>
                 <a:cs typeface="Times New Roman" panose="02020603050405020304" pitchFamily="18" charset="0"/>
               </a:rPr>
-              <a:t>8. How would you reverse a linked list in Java?</a:t>
+              <a:t>7. Write a Java method to check if a given string is a palindrome.</a:t>
             </a:r>
             <a:br>
               <a:rPr lang="en-US" sz="3200" b="1" u="sng" dirty="0">
@@ -4118,20 +4592,20 @@
     </p:spTree>
     <p:extLst>
       <p:ext uri="{BB962C8B-B14F-4D97-AF65-F5344CB8AC3E}">
-        <p14:creationId xmlns:p14="http://schemas.microsoft.com/office/powerpoint/2010/main" val="1533921839"/>
+        <p14:creationId xmlns:p14="http://schemas.microsoft.com/office/powerpoint/2010/main" val="1609777527"/>
       </p:ext>
     </p:extLst>
   </p:cSld>
   <p:clrMapOvr>
     <a:masterClrMapping/>
   </p:clrMapOvr>
-  <mc:AlternateContent xmlns:mc="http://schemas.openxmlformats.org/markup-compatibility/2006">
-    <mc:Choice xmlns:p14="http://schemas.microsoft.com/office/powerpoint/2010/main" Requires="p14">
+  <mc:AlternateContent xmlns:mc="http://schemas.openxmlformats.org/markup-compatibility/2006" xmlns:p14="http://schemas.microsoft.com/office/powerpoint/2010/main">
+    <mc:Choice Requires="p14">
       <p:transition spd="slow" p14:dur="1500">
         <p:split orient="vert"/>
       </p:transition>
     </mc:Choice>
-    <mc:Fallback>
+    <mc:Fallback xmlns="">
       <p:transition spd="slow">
         <p:split orient="vert"/>
       </p:transition>
@@ -4176,7 +4650,7 @@
         <p:spPr/>
         <p:txBody>
           <a:bodyPr>
-            <a:normAutofit fontScale="90000"/>
+            <a:normAutofit/>
           </a:bodyPr>
           <a:lstStyle/>
           <a:p>
@@ -4186,7 +4660,7 @@
                 <a:latin typeface="Times New Roman" panose="02020603050405020304" pitchFamily="18" charset="0"/>
                 <a:cs typeface="Times New Roman" panose="02020603050405020304" pitchFamily="18" charset="0"/>
               </a:rPr>
-              <a:t>9. What is dependency injection and how is it implemented in Spring?</a:t>
+              <a:t>8. How would you reverse a linked list in Java?</a:t>
             </a:r>
             <a:br>
               <a:rPr lang="en-US" sz="3200" b="1" u="sng" dirty="0">
@@ -4229,20 +4703,20 @@
     </p:spTree>
     <p:extLst>
       <p:ext uri="{BB962C8B-B14F-4D97-AF65-F5344CB8AC3E}">
-        <p14:creationId xmlns:p14="http://schemas.microsoft.com/office/powerpoint/2010/main" val="1116746686"/>
+        <p14:creationId xmlns:p14="http://schemas.microsoft.com/office/powerpoint/2010/main" val="1533921839"/>
       </p:ext>
     </p:extLst>
   </p:cSld>
   <p:clrMapOvr>
     <a:masterClrMapping/>
   </p:clrMapOvr>
-  <mc:AlternateContent xmlns:mc="http://schemas.openxmlformats.org/markup-compatibility/2006">
-    <mc:Choice xmlns:p14="http://schemas.microsoft.com/office/powerpoint/2010/main" Requires="p14">
+  <mc:AlternateContent xmlns:mc="http://schemas.openxmlformats.org/markup-compatibility/2006" xmlns:p14="http://schemas.microsoft.com/office/powerpoint/2010/main">
+    <mc:Choice Requires="p14">
       <p:transition spd="slow" p14:dur="1500">
         <p:split orient="vert"/>
       </p:transition>
     </mc:Choice>
-    <mc:Fallback>
+    <mc:Fallback xmlns="">
       <p:transition spd="slow">
         <p:split orient="vert"/>
       </p:transition>
@@ -4297,7 +4771,7 @@
                 <a:latin typeface="Times New Roman" panose="02020603050405020304" pitchFamily="18" charset="0"/>
                 <a:cs typeface="Times New Roman" panose="02020603050405020304" pitchFamily="18" charset="0"/>
               </a:rPr>
-              <a:t>10. Explain the difference between @Component, @Repository, @Service, and @Controller annotations in Spring.</a:t>
+              <a:t>9. What is dependency injection and how is it implemented in Spring?</a:t>
             </a:r>
             <a:br>
               <a:rPr lang="en-US" sz="3200" b="1" u="sng" dirty="0">
@@ -4333,27 +4807,27 @@
           <a:bodyPr/>
           <a:lstStyle/>
           <a:p>
-            <a:endParaRPr lang="en-US" dirty="0"/>
+            <a:endParaRPr lang="en-US"/>
           </a:p>
         </p:txBody>
       </p:sp>
     </p:spTree>
     <p:extLst>
       <p:ext uri="{BB962C8B-B14F-4D97-AF65-F5344CB8AC3E}">
-        <p14:creationId xmlns:p14="http://schemas.microsoft.com/office/powerpoint/2010/main" val="216450094"/>
+        <p14:creationId xmlns:p14="http://schemas.microsoft.com/office/powerpoint/2010/main" val="1116746686"/>
       </p:ext>
     </p:extLst>
   </p:cSld>
   <p:clrMapOvr>
     <a:masterClrMapping/>
   </p:clrMapOvr>
-  <mc:AlternateContent xmlns:mc="http://schemas.openxmlformats.org/markup-compatibility/2006">
-    <mc:Choice xmlns:p14="http://schemas.microsoft.com/office/powerpoint/2010/main" Requires="p14">
+  <mc:AlternateContent xmlns:mc="http://schemas.openxmlformats.org/markup-compatibility/2006" xmlns:p14="http://schemas.microsoft.com/office/powerpoint/2010/main">
+    <mc:Choice Requires="p14">
       <p:transition spd="slow" p14:dur="1500">
         <p:split orient="vert"/>
       </p:transition>
     </mc:Choice>
-    <mc:Fallback>
+    <mc:Fallback xmlns="">
       <p:transition spd="slow">
         <p:split orient="vert"/>
       </p:transition>
@@ -4408,7 +4882,7 @@
                 <a:latin typeface="Times New Roman" panose="02020603050405020304" pitchFamily="18" charset="0"/>
                 <a:cs typeface="Times New Roman" panose="02020603050405020304" pitchFamily="18" charset="0"/>
               </a:rPr>
-              <a:t>11. How does Spring Boot simplify application development compared to Spring Framework?</a:t>
+              <a:t>10. Explain the difference between @Component, @Repository, @Service, and @Controller annotations in Spring.</a:t>
             </a:r>
             <a:br>
               <a:rPr lang="en-US" sz="3200" b="1" u="sng" dirty="0">
@@ -4444,27 +4918,27 @@
           <a:bodyPr/>
           <a:lstStyle/>
           <a:p>
-            <a:endParaRPr lang="en-US"/>
+            <a:endParaRPr lang="en-US" dirty="0"/>
           </a:p>
         </p:txBody>
       </p:sp>
     </p:spTree>
     <p:extLst>
       <p:ext uri="{BB962C8B-B14F-4D97-AF65-F5344CB8AC3E}">
-        <p14:creationId xmlns:p14="http://schemas.microsoft.com/office/powerpoint/2010/main" val="212934601"/>
+        <p14:creationId xmlns:p14="http://schemas.microsoft.com/office/powerpoint/2010/main" val="216450094"/>
       </p:ext>
     </p:extLst>
   </p:cSld>
   <p:clrMapOvr>
     <a:masterClrMapping/>
   </p:clrMapOvr>
-  <mc:AlternateContent xmlns:mc="http://schemas.openxmlformats.org/markup-compatibility/2006">
-    <mc:Choice xmlns:p14="http://schemas.microsoft.com/office/powerpoint/2010/main" Requires="p14">
+  <mc:AlternateContent xmlns:mc="http://schemas.openxmlformats.org/markup-compatibility/2006" xmlns:p14="http://schemas.microsoft.com/office/powerpoint/2010/main">
+    <mc:Choice Requires="p14">
       <p:transition spd="slow" p14:dur="1500">
         <p:split orient="vert"/>
       </p:transition>
     </mc:Choice>
-    <mc:Fallback>
+    <mc:Fallback xmlns="">
       <p:transition spd="slow">
         <p:split orient="vert"/>
       </p:transition>
@@ -4519,7 +4993,7 @@
                 <a:latin typeface="Times New Roman" panose="02020603050405020304" pitchFamily="18" charset="0"/>
                 <a:cs typeface="Times New Roman" panose="02020603050405020304" pitchFamily="18" charset="0"/>
               </a:rPr>
-              <a:t>12. Explain the difference between SQL and NoSQL databases.</a:t>
+              <a:t>11. How does Spring Boot simplify application development compared to Spring Framework?</a:t>
             </a:r>
             <a:br>
               <a:rPr lang="en-US" sz="3200" b="1" u="sng" dirty="0">
@@ -4562,20 +5036,20 @@
     </p:spTree>
     <p:extLst>
       <p:ext uri="{BB962C8B-B14F-4D97-AF65-F5344CB8AC3E}">
-        <p14:creationId xmlns:p14="http://schemas.microsoft.com/office/powerpoint/2010/main" val="1203161394"/>
+        <p14:creationId xmlns:p14="http://schemas.microsoft.com/office/powerpoint/2010/main" val="212934601"/>
       </p:ext>
     </p:extLst>
   </p:cSld>
   <p:clrMapOvr>
     <a:masterClrMapping/>
   </p:clrMapOvr>
-  <mc:AlternateContent xmlns:mc="http://schemas.openxmlformats.org/markup-compatibility/2006">
-    <mc:Choice xmlns:p14="http://schemas.microsoft.com/office/powerpoint/2010/main" Requires="p14">
+  <mc:AlternateContent xmlns:mc="http://schemas.openxmlformats.org/markup-compatibility/2006" xmlns:p14="http://schemas.microsoft.com/office/powerpoint/2010/main">
+    <mc:Choice Requires="p14">
       <p:transition spd="slow" p14:dur="1500">
         <p:split orient="vert"/>
       </p:transition>
     </mc:Choice>
-    <mc:Fallback>
+    <mc:Fallback xmlns="">
       <p:transition spd="slow">
         <p:split orient="vert"/>
       </p:transition>
@@ -4630,7 +5104,7 @@
                 <a:latin typeface="Times New Roman" panose="02020603050405020304" pitchFamily="18" charset="0"/>
                 <a:cs typeface="Times New Roman" panose="02020603050405020304" pitchFamily="18" charset="0"/>
               </a:rPr>
-              <a:t>13. What is an ORM and how does JPA/Hibernate work in a Spring application?</a:t>
+              <a:t>12. Explain the difference between SQL and NoSQL databases.</a:t>
             </a:r>
             <a:br>
               <a:rPr lang="en-US" sz="3200" b="1" u="sng" dirty="0">
@@ -4673,20 +5147,20 @@
     </p:spTree>
     <p:extLst>
       <p:ext uri="{BB962C8B-B14F-4D97-AF65-F5344CB8AC3E}">
-        <p14:creationId xmlns:p14="http://schemas.microsoft.com/office/powerpoint/2010/main" val="2647458468"/>
+        <p14:creationId xmlns:p14="http://schemas.microsoft.com/office/powerpoint/2010/main" val="1203161394"/>
       </p:ext>
     </p:extLst>
   </p:cSld>
   <p:clrMapOvr>
     <a:masterClrMapping/>
   </p:clrMapOvr>
-  <mc:AlternateContent xmlns:mc="http://schemas.openxmlformats.org/markup-compatibility/2006">
-    <mc:Choice xmlns:p14="http://schemas.microsoft.com/office/powerpoint/2010/main" Requires="p14">
+  <mc:AlternateContent xmlns:mc="http://schemas.openxmlformats.org/markup-compatibility/2006" xmlns:p14="http://schemas.microsoft.com/office/powerpoint/2010/main">
+    <mc:Choice Requires="p14">
       <p:transition spd="slow" p14:dur="1500">
         <p:split orient="vert"/>
       </p:transition>
     </mc:Choice>
-    <mc:Fallback>
+    <mc:Fallback xmlns="">
       <p:transition spd="slow">
         <p:split orient="vert"/>
       </p:transition>
@@ -4741,7 +5215,7 @@
                 <a:latin typeface="Times New Roman" panose="02020603050405020304" pitchFamily="18" charset="0"/>
                 <a:cs typeface="Times New Roman" panose="02020603050405020304" pitchFamily="18" charset="0"/>
               </a:rPr>
-              <a:t>14. Write a basic SQL query to find all employees whose salary is greater than a certain amount.</a:t>
+              <a:t>13. What is an ORM and how does JPA/Hibernate work in a Spring application?</a:t>
             </a:r>
             <a:br>
               <a:rPr lang="en-US" sz="3200" b="1" u="sng" dirty="0">
@@ -4784,20 +5258,20 @@
     </p:spTree>
     <p:extLst>
       <p:ext uri="{BB962C8B-B14F-4D97-AF65-F5344CB8AC3E}">
-        <p14:creationId xmlns:p14="http://schemas.microsoft.com/office/powerpoint/2010/main" val="3063246952"/>
+        <p14:creationId xmlns:p14="http://schemas.microsoft.com/office/powerpoint/2010/main" val="2647458468"/>
       </p:ext>
     </p:extLst>
   </p:cSld>
   <p:clrMapOvr>
     <a:masterClrMapping/>
   </p:clrMapOvr>
-  <mc:AlternateContent xmlns:mc="http://schemas.openxmlformats.org/markup-compatibility/2006">
-    <mc:Choice xmlns:p14="http://schemas.microsoft.com/office/powerpoint/2010/main" Requires="p14">
+  <mc:AlternateContent xmlns:mc="http://schemas.openxmlformats.org/markup-compatibility/2006" xmlns:p14="http://schemas.microsoft.com/office/powerpoint/2010/main">
+    <mc:Choice Requires="p14">
       <p:transition spd="slow" p14:dur="1500">
         <p:split orient="vert"/>
       </p:transition>
     </mc:Choice>
-    <mc:Fallback>
+    <mc:Fallback xmlns="">
       <p:transition spd="slow">
         <p:split orient="vert"/>
       </p:transition>
@@ -4852,7 +5326,7 @@
                 <a:latin typeface="Times New Roman" panose="02020603050405020304" pitchFamily="18" charset="0"/>
                 <a:cs typeface="Times New Roman" panose="02020603050405020304" pitchFamily="18" charset="0"/>
               </a:rPr>
-              <a:t>15. What are the main principles of microservices architecture?</a:t>
+              <a:t>14. Write a basic SQL query to find all employees whose salary is greater than a certain amount.</a:t>
             </a:r>
             <a:br>
               <a:rPr lang="en-US" sz="3200" b="1" u="sng" dirty="0">
@@ -4895,20 +5369,20 @@
     </p:spTree>
     <p:extLst>
       <p:ext uri="{BB962C8B-B14F-4D97-AF65-F5344CB8AC3E}">
-        <p14:creationId xmlns:p14="http://schemas.microsoft.com/office/powerpoint/2010/main" val="2928160330"/>
+        <p14:creationId xmlns:p14="http://schemas.microsoft.com/office/powerpoint/2010/main" val="3063246952"/>
       </p:ext>
     </p:extLst>
   </p:cSld>
   <p:clrMapOvr>
     <a:masterClrMapping/>
   </p:clrMapOvr>
-  <mc:AlternateContent xmlns:mc="http://schemas.openxmlformats.org/markup-compatibility/2006">
-    <mc:Choice xmlns:p14="http://schemas.microsoft.com/office/powerpoint/2010/main" Requires="p14">
+  <mc:AlternateContent xmlns:mc="http://schemas.openxmlformats.org/markup-compatibility/2006" xmlns:p14="http://schemas.microsoft.com/office/powerpoint/2010/main">
+    <mc:Choice Requires="p14">
       <p:transition spd="slow" p14:dur="1500">
         <p:split orient="vert"/>
       </p:transition>
     </mc:Choice>
-    <mc:Fallback>
+    <mc:Fallback xmlns="">
       <p:transition spd="slow">
         <p:split orient="vert"/>
       </p:transition>
@@ -4963,7 +5437,7 @@
                 <a:latin typeface="Times New Roman" panose="02020603050405020304" pitchFamily="18" charset="0"/>
                 <a:cs typeface="Times New Roman" panose="02020603050405020304" pitchFamily="18" charset="0"/>
               </a:rPr>
-              <a:t>16. How do you handle versioning in RESTful web services?</a:t>
+              <a:t>15. What are the main principles of microservices architecture?</a:t>
             </a:r>
             <a:br>
               <a:rPr lang="en-US" sz="3200" b="1" u="sng" dirty="0">
@@ -5006,20 +5480,20 @@
     </p:spTree>
     <p:extLst>
       <p:ext uri="{BB962C8B-B14F-4D97-AF65-F5344CB8AC3E}">
-        <p14:creationId xmlns:p14="http://schemas.microsoft.com/office/powerpoint/2010/main" val="2285406332"/>
+        <p14:creationId xmlns:p14="http://schemas.microsoft.com/office/powerpoint/2010/main" val="2928160330"/>
       </p:ext>
     </p:extLst>
   </p:cSld>
   <p:clrMapOvr>
     <a:masterClrMapping/>
   </p:clrMapOvr>
-  <mc:AlternateContent xmlns:mc="http://schemas.openxmlformats.org/markup-compatibility/2006">
-    <mc:Choice xmlns:p14="http://schemas.microsoft.com/office/powerpoint/2010/main" Requires="p14">
+  <mc:AlternateContent xmlns:mc="http://schemas.openxmlformats.org/markup-compatibility/2006" xmlns:p14="http://schemas.microsoft.com/office/powerpoint/2010/main">
+    <mc:Choice Requires="p14">
       <p:transition spd="slow" p14:dur="1500">
         <p:split orient="vert"/>
       </p:transition>
     </mc:Choice>
-    <mc:Fallback>
+    <mc:Fallback xmlns="">
       <p:transition spd="slow">
         <p:split orient="vert"/>
       </p:transition>
@@ -5074,7 +5548,7 @@
                 <a:latin typeface="Times New Roman" panose="02020603050405020304" pitchFamily="18" charset="0"/>
                 <a:cs typeface="Times New Roman" panose="02020603050405020304" pitchFamily="18" charset="0"/>
               </a:rPr>
-              <a:t>17. Explain how you can secure a REST API in Spring Boot.</a:t>
+              <a:t>16. How do you handle versioning in RESTful web services?</a:t>
             </a:r>
             <a:br>
               <a:rPr lang="en-US" sz="3200" b="1" u="sng" dirty="0">
@@ -5117,20 +5591,20 @@
     </p:spTree>
     <p:extLst>
       <p:ext uri="{BB962C8B-B14F-4D97-AF65-F5344CB8AC3E}">
-        <p14:creationId xmlns:p14="http://schemas.microsoft.com/office/powerpoint/2010/main" val="2098006672"/>
+        <p14:creationId xmlns:p14="http://schemas.microsoft.com/office/powerpoint/2010/main" val="2285406332"/>
       </p:ext>
     </p:extLst>
   </p:cSld>
   <p:clrMapOvr>
     <a:masterClrMapping/>
   </p:clrMapOvr>
-  <mc:AlternateContent xmlns:mc="http://schemas.openxmlformats.org/markup-compatibility/2006">
-    <mc:Choice xmlns:p14="http://schemas.microsoft.com/office/powerpoint/2010/main" Requires="p14">
+  <mc:AlternateContent xmlns:mc="http://schemas.openxmlformats.org/markup-compatibility/2006" xmlns:p14="http://schemas.microsoft.com/office/powerpoint/2010/main">
+    <mc:Choice Requires="p14">
       <p:transition spd="slow" p14:dur="1500">
         <p:split orient="vert"/>
       </p:transition>
     </mc:Choice>
-    <mc:Fallback>
+    <mc:Fallback xmlns="">
       <p:transition spd="slow">
         <p:split orient="vert"/>
       </p:transition>
@@ -5142,6 +5616,20 @@
 <file path=ppt/slides/slide2.xml><?xml version="1.0" encoding="utf-8"?>
 <p:sld xmlns:a="http://schemas.openxmlformats.org/drawingml/2006/main" xmlns:r="http://schemas.openxmlformats.org/officeDocument/2006/relationships" xmlns:p="http://schemas.openxmlformats.org/presentationml/2006/main">
   <p:cSld>
+    <p:bg>
+      <p:bgPr>
+        <a:blipFill dpi="0" rotWithShape="1">
+          <a:blip r:embed="rId2">
+            <a:lum/>
+          </a:blip>
+          <a:srcRect/>
+          <a:stretch>
+            <a:fillRect t="-39000" b="-39000"/>
+          </a:stretch>
+        </a:blipFill>
+        <a:effectLst/>
+      </p:bgPr>
+    </p:bg>
     <p:spTree>
       <p:nvGrpSpPr>
         <p:cNvPr id="1" name=""/>
@@ -5161,75 +5649,513 @@
           <p:cNvPr id="2" name="Title 1">
             <a:extLst>
               <a:ext uri="{FF2B5EF4-FFF2-40B4-BE49-F238E27FC236}">
-                <a16:creationId xmlns:a16="http://schemas.microsoft.com/office/drawing/2014/main" id="{2B9D77B2-5894-0BA5-A295-57724DE12CE8}"/>
-              </a:ext>
-            </a:extLst>
-          </p:cNvPr>
-          <p:cNvSpPr>
-            <a:spLocks noGrp="1"/>
-          </p:cNvSpPr>
-          <p:nvPr>
-            <p:ph type="title"/>
-          </p:nvPr>
-        </p:nvSpPr>
-        <p:spPr/>
-        <p:txBody>
-          <a:bodyPr/>
-          <a:lstStyle/>
-          <a:p>
-            <a:pPr algn="ctr"/>
-            <a:r>
-              <a:rPr lang="en-US" b="1" u="sng" dirty="0">
-                <a:latin typeface="Times New Roman" panose="02020603050405020304" pitchFamily="18" charset="0"/>
-                <a:cs typeface="Times New Roman" panose="02020603050405020304" pitchFamily="18" charset="0"/>
+                <a16:creationId xmlns:a16="http://schemas.microsoft.com/office/drawing/2014/main" id="{D544C3E5-C9E6-990B-B65F-09822EF34BC0}"/>
+              </a:ext>
+            </a:extLst>
+          </p:cNvPr>
+          <p:cNvSpPr>
+            <a:spLocks noGrp="1"/>
+          </p:cNvSpPr>
+          <p:nvPr>
+            <p:ph type="ctrTitle"/>
+          </p:nvPr>
+        </p:nvSpPr>
+        <p:spPr>
+          <a:xfrm>
+            <a:off x="251791" y="0"/>
+            <a:ext cx="11688418" cy="2387600"/>
+          </a:xfrm>
+        </p:spPr>
+        <p:txBody>
+          <a:bodyPr>
+            <a:normAutofit fontScale="90000"/>
+          </a:bodyPr>
+          <a:lstStyle/>
+          <a:p>
+            <a:r>
+              <a:rPr lang="en-US" sz="7200" i="0" kern="1200" dirty="0">
+                <a:solidFill>
+                  <a:srgbClr val="00B050"/>
+                </a:solidFill>
+                <a:effectLst/>
+                <a:highlight>
+                  <a:srgbClr val="000000"/>
+                </a:highlight>
+                <a:latin typeface="Algerian" pitchFamily="82" charset="77"/>
               </a:rPr>
-              <a:t>1. Introduction</a:t>
-            </a:r>
-          </a:p>
-        </p:txBody>
-      </p:sp>
-      <p:sp>
-        <p:nvSpPr>
-          <p:cNvPr id="3" name="Content Placeholder 2">
-            <a:extLst>
-              <a:ext uri="{FF2B5EF4-FFF2-40B4-BE49-F238E27FC236}">
-                <a16:creationId xmlns:a16="http://schemas.microsoft.com/office/drawing/2014/main" id="{0CB371D9-BBA1-6EA8-6F78-B50F006C1413}"/>
-              </a:ext>
-            </a:extLst>
-          </p:cNvPr>
-          <p:cNvSpPr>
-            <a:spLocks noGrp="1"/>
-          </p:cNvSpPr>
-          <p:nvPr>
-            <p:ph idx="1"/>
-          </p:nvPr>
-        </p:nvSpPr>
-        <p:spPr/>
-        <p:txBody>
-          <a:bodyPr/>
-          <a:lstStyle/>
-          <a:p>
-            <a:endParaRPr lang="en-US" dirty="0"/>
+              <a:t>Java Backend Developer</a:t>
+            </a:r>
+            <a:r>
+              <a:rPr lang="en-US" sz="7200" i="0" kern="1200" dirty="0">
+                <a:solidFill>
+                  <a:schemeClr val="tx1"/>
+                </a:solidFill>
+                <a:effectLst/>
+                <a:highlight>
+                  <a:srgbClr val="000000"/>
+                </a:highlight>
+                <a:latin typeface="Algerian" pitchFamily="82" charset="77"/>
+              </a:rPr>
+              <a:t> </a:t>
+            </a:r>
+            <a:br>
+              <a:rPr lang="en-US" sz="7200" i="0" kern="1200" dirty="0">
+                <a:solidFill>
+                  <a:schemeClr val="tx1"/>
+                </a:solidFill>
+                <a:effectLst/>
+                <a:highlight>
+                  <a:srgbClr val="000000"/>
+                </a:highlight>
+                <a:latin typeface="Algerian" pitchFamily="82" charset="77"/>
+              </a:rPr>
+            </a:br>
+            <a:r>
+              <a:rPr lang="en-US" sz="7200" i="0" kern="1200" dirty="0">
+                <a:solidFill>
+                  <a:srgbClr val="FF0000"/>
+                </a:solidFill>
+                <a:effectLst/>
+                <a:highlight>
+                  <a:srgbClr val="000000"/>
+                </a:highlight>
+                <a:latin typeface="Algerian" pitchFamily="82" charset="77"/>
+              </a:rPr>
+              <a:t>Interview guidance</a:t>
+            </a:r>
+            <a:endParaRPr lang="en-US" sz="7200" dirty="0"/>
+          </a:p>
+        </p:txBody>
+      </p:sp>
+      <p:sp>
+        <p:nvSpPr>
+          <p:cNvPr id="3" name="Subtitle 2">
+            <a:extLst>
+              <a:ext uri="{FF2B5EF4-FFF2-40B4-BE49-F238E27FC236}">
+                <a16:creationId xmlns:a16="http://schemas.microsoft.com/office/drawing/2014/main" id="{7195F9DC-398A-70A2-4A98-7316C3F15968}"/>
+              </a:ext>
+            </a:extLst>
+          </p:cNvPr>
+          <p:cNvSpPr>
+            <a:spLocks noGrp="1"/>
+          </p:cNvSpPr>
+          <p:nvPr>
+            <p:ph type="subTitle" idx="1"/>
+          </p:nvPr>
+        </p:nvSpPr>
+        <p:spPr>
+          <a:xfrm>
+            <a:off x="4187687" y="2864334"/>
+            <a:ext cx="9144000" cy="2913613"/>
+          </a:xfrm>
+        </p:spPr>
+        <p:txBody>
+          <a:bodyPr>
+            <a:normAutofit fontScale="92500" lnSpcReduction="10000"/>
+          </a:bodyPr>
+          <a:lstStyle/>
+          <a:p>
+            <a:r>
+              <a:rPr lang="en-US" sz="11500" i="0" kern="1200" dirty="0">
+                <a:solidFill>
+                  <a:schemeClr val="bg1"/>
+                </a:solidFill>
+                <a:effectLst/>
+                <a:highlight>
+                  <a:srgbClr val="000000"/>
+                </a:highlight>
+                <a:latin typeface="Algerian" pitchFamily="82" charset="77"/>
+              </a:rPr>
+              <a:t>Mock1 </a:t>
+            </a:r>
+          </a:p>
+          <a:p>
+            <a:r>
+              <a:rPr lang="en-US" sz="11500" i="0" kern="1200" dirty="0">
+                <a:solidFill>
+                  <a:srgbClr val="FF0000"/>
+                </a:solidFill>
+                <a:effectLst/>
+                <a:highlight>
+                  <a:srgbClr val="000000"/>
+                </a:highlight>
+                <a:latin typeface="Algerian" pitchFamily="82" charset="77"/>
+              </a:rPr>
+              <a:t>Round1</a:t>
+            </a:r>
+            <a:r>
+              <a:rPr lang="en-US" sz="4800" i="0" kern="1200" dirty="0">
+                <a:solidFill>
+                  <a:srgbClr val="FF0000"/>
+                </a:solidFill>
+                <a:effectLst/>
+                <a:highlight>
+                  <a:srgbClr val="000000"/>
+                </a:highlight>
+                <a:latin typeface="Algerian" pitchFamily="82" charset="77"/>
+              </a:rPr>
+              <a:t>/3</a:t>
+            </a:r>
+            <a:endParaRPr lang="en-US" sz="11500" dirty="0">
+              <a:solidFill>
+                <a:srgbClr val="FF0000"/>
+              </a:solidFill>
+            </a:endParaRPr>
+          </a:p>
+        </p:txBody>
+      </p:sp>
+      <p:grpSp>
+        <p:nvGrpSpPr>
+          <p:cNvPr id="4" name="Group 3">
+            <a:extLst>
+              <a:ext uri="{FF2B5EF4-FFF2-40B4-BE49-F238E27FC236}">
+                <a16:creationId xmlns:a16="http://schemas.microsoft.com/office/drawing/2014/main" id="{11CC348A-C384-F55A-AE6F-CE0F22F51599}"/>
+              </a:ext>
+            </a:extLst>
+          </p:cNvPr>
+          <p:cNvGrpSpPr/>
+          <p:nvPr/>
+        </p:nvGrpSpPr>
+        <p:grpSpPr>
+          <a:xfrm>
+            <a:off x="8196805" y="5962293"/>
+            <a:ext cx="3743404" cy="584775"/>
+            <a:chOff x="7857590" y="5240518"/>
+            <a:chExt cx="1713098" cy="297703"/>
+          </a:xfrm>
+        </p:grpSpPr>
+        <p:sp>
+          <p:nvSpPr>
+            <p:cNvPr id="5" name="TextBox 4">
+              <a:extLst>
+                <a:ext uri="{FF2B5EF4-FFF2-40B4-BE49-F238E27FC236}">
+                  <a16:creationId xmlns:a16="http://schemas.microsoft.com/office/drawing/2014/main" id="{219EF1B2-1DA9-904B-02DB-0F065B4DE47A}"/>
+                </a:ext>
+              </a:extLst>
+            </p:cNvPr>
+            <p:cNvSpPr txBox="1"/>
+            <p:nvPr/>
+          </p:nvSpPr>
+          <p:spPr>
+            <a:xfrm>
+              <a:off x="8070850" y="5240518"/>
+              <a:ext cx="1499838" cy="297703"/>
+            </a:xfrm>
+            <a:prstGeom prst="rect">
+              <a:avLst/>
+            </a:prstGeom>
+            <a:noFill/>
+          </p:spPr>
+          <p:txBody>
+            <a:bodyPr wrap="square">
+              <a:spAutoFit/>
+            </a:bodyPr>
+            <a:lstStyle/>
+            <a:p>
+              <a:pPr defTabSz="3383280">
+                <a:spcAft>
+                  <a:spcPts val="600"/>
+                </a:spcAft>
+              </a:pPr>
+              <a:r>
+                <a:rPr lang="en-US" sz="3200" kern="1200" dirty="0">
+                  <a:solidFill>
+                    <a:schemeClr val="tx1"/>
+                  </a:solidFill>
+                  <a:highlight>
+                    <a:srgbClr val="FFFF00"/>
+                  </a:highlight>
+                  <a:latin typeface="+mn-lt"/>
+                  <a:ea typeface="+mn-ea"/>
+                  <a:cs typeface="+mn-cs"/>
+                </a:rPr>
+                <a:t>arvind4gl</a:t>
+              </a:r>
+              <a:endParaRPr lang="en-US" sz="1400" dirty="0">
+                <a:highlight>
+                  <a:srgbClr val="FFFF00"/>
+                </a:highlight>
+              </a:endParaRPr>
+            </a:p>
+          </p:txBody>
+        </p:sp>
+        <p:pic>
+          <p:nvPicPr>
+            <p:cNvPr id="6" name="Picture 5">
+              <a:extLst>
+                <a:ext uri="{FF2B5EF4-FFF2-40B4-BE49-F238E27FC236}">
+                  <a16:creationId xmlns:a16="http://schemas.microsoft.com/office/drawing/2014/main" id="{F53D3C9E-3950-8486-6AB3-61F1089915F1}"/>
+                </a:ext>
+              </a:extLst>
+            </p:cNvPr>
+            <p:cNvPicPr>
+              <a:picLocks noChangeAspect="1"/>
+            </p:cNvPicPr>
+            <p:nvPr/>
+          </p:nvPicPr>
+          <p:blipFill>
+            <a:blip r:embed="rId3"/>
+            <a:stretch>
+              <a:fillRect/>
+            </a:stretch>
+          </p:blipFill>
+          <p:spPr>
+            <a:xfrm>
+              <a:off x="7857590" y="5296947"/>
+              <a:ext cx="213260" cy="203988"/>
+            </a:xfrm>
+            <a:prstGeom prst="rect">
+              <a:avLst/>
+            </a:prstGeom>
+          </p:spPr>
+        </p:pic>
+      </p:grpSp>
+      <p:sp>
+        <p:nvSpPr>
+          <p:cNvPr id="7" name="Subtitle 2">
+            <a:extLst>
+              <a:ext uri="{FF2B5EF4-FFF2-40B4-BE49-F238E27FC236}">
+                <a16:creationId xmlns:a16="http://schemas.microsoft.com/office/drawing/2014/main" id="{3E429848-E5E4-CD86-5BA4-326AA8B07B9F}"/>
+              </a:ext>
+            </a:extLst>
+          </p:cNvPr>
+          <p:cNvSpPr txBox="1">
+            <a:spLocks/>
+          </p:cNvSpPr>
+          <p:nvPr/>
+        </p:nvSpPr>
+        <p:spPr>
+          <a:xfrm>
+            <a:off x="1244685" y="6322832"/>
+            <a:ext cx="6858000" cy="892370"/>
+          </a:xfrm>
+          <a:prstGeom prst="rect">
+            <a:avLst/>
+          </a:prstGeom>
+        </p:spPr>
+        <p:txBody>
+          <a:bodyPr vert="horz" lIns="91440" tIns="45720" rIns="91440" bIns="45720" rtlCol="0">
+            <a:normAutofit/>
+          </a:bodyPr>
+          <a:lstStyle>
+            <a:lvl1pPr marL="0" indent="0" algn="ctr" defTabSz="914400" rtl="0" eaLnBrk="1" latinLnBrk="0" hangingPunct="1">
+              <a:lnSpc>
+                <a:spcPct val="90000"/>
+              </a:lnSpc>
+              <a:spcBef>
+                <a:spcPts val="1000"/>
+              </a:spcBef>
+              <a:buFont typeface="Arial" panose="020B0604020202020204" pitchFamily="34" charset="0"/>
+              <a:buNone/>
+              <a:defRPr sz="2400" kern="1200">
+                <a:solidFill>
+                  <a:schemeClr val="tx1"/>
+                </a:solidFill>
+                <a:latin typeface="+mn-lt"/>
+                <a:ea typeface="+mn-ea"/>
+                <a:cs typeface="+mn-cs"/>
+              </a:defRPr>
+            </a:lvl1pPr>
+            <a:lvl2pPr marL="457200" indent="0" algn="ctr" defTabSz="914400" rtl="0" eaLnBrk="1" latinLnBrk="0" hangingPunct="1">
+              <a:lnSpc>
+                <a:spcPct val="90000"/>
+              </a:lnSpc>
+              <a:spcBef>
+                <a:spcPts val="500"/>
+              </a:spcBef>
+              <a:buFont typeface="Arial" panose="020B0604020202020204" pitchFamily="34" charset="0"/>
+              <a:buNone/>
+              <a:defRPr sz="2000" kern="1200">
+                <a:solidFill>
+                  <a:schemeClr val="tx1"/>
+                </a:solidFill>
+                <a:latin typeface="+mn-lt"/>
+                <a:ea typeface="+mn-ea"/>
+                <a:cs typeface="+mn-cs"/>
+              </a:defRPr>
+            </a:lvl2pPr>
+            <a:lvl3pPr marL="914400" indent="0" algn="ctr" defTabSz="914400" rtl="0" eaLnBrk="1" latinLnBrk="0" hangingPunct="1">
+              <a:lnSpc>
+                <a:spcPct val="90000"/>
+              </a:lnSpc>
+              <a:spcBef>
+                <a:spcPts val="500"/>
+              </a:spcBef>
+              <a:buFont typeface="Arial" panose="020B0604020202020204" pitchFamily="34" charset="0"/>
+              <a:buNone/>
+              <a:defRPr sz="1800" kern="1200">
+                <a:solidFill>
+                  <a:schemeClr val="tx1"/>
+                </a:solidFill>
+                <a:latin typeface="+mn-lt"/>
+                <a:ea typeface="+mn-ea"/>
+                <a:cs typeface="+mn-cs"/>
+              </a:defRPr>
+            </a:lvl3pPr>
+            <a:lvl4pPr marL="1371600" indent="0" algn="ctr" defTabSz="914400" rtl="0" eaLnBrk="1" latinLnBrk="0" hangingPunct="1">
+              <a:lnSpc>
+                <a:spcPct val="90000"/>
+              </a:lnSpc>
+              <a:spcBef>
+                <a:spcPts val="500"/>
+              </a:spcBef>
+              <a:buFont typeface="Arial" panose="020B0604020202020204" pitchFamily="34" charset="0"/>
+              <a:buNone/>
+              <a:defRPr sz="1600" kern="1200">
+                <a:solidFill>
+                  <a:schemeClr val="tx1"/>
+                </a:solidFill>
+                <a:latin typeface="+mn-lt"/>
+                <a:ea typeface="+mn-ea"/>
+                <a:cs typeface="+mn-cs"/>
+              </a:defRPr>
+            </a:lvl4pPr>
+            <a:lvl5pPr marL="1828800" indent="0" algn="ctr" defTabSz="914400" rtl="0" eaLnBrk="1" latinLnBrk="0" hangingPunct="1">
+              <a:lnSpc>
+                <a:spcPct val="90000"/>
+              </a:lnSpc>
+              <a:spcBef>
+                <a:spcPts val="500"/>
+              </a:spcBef>
+              <a:buFont typeface="Arial" panose="020B0604020202020204" pitchFamily="34" charset="0"/>
+              <a:buNone/>
+              <a:defRPr sz="1600" kern="1200">
+                <a:solidFill>
+                  <a:schemeClr val="tx1"/>
+                </a:solidFill>
+                <a:latin typeface="+mn-lt"/>
+                <a:ea typeface="+mn-ea"/>
+                <a:cs typeface="+mn-cs"/>
+              </a:defRPr>
+            </a:lvl5pPr>
+            <a:lvl6pPr marL="2286000" indent="0" algn="ctr" defTabSz="914400" rtl="0" eaLnBrk="1" latinLnBrk="0" hangingPunct="1">
+              <a:lnSpc>
+                <a:spcPct val="90000"/>
+              </a:lnSpc>
+              <a:spcBef>
+                <a:spcPts val="500"/>
+              </a:spcBef>
+              <a:buFont typeface="Arial" panose="020B0604020202020204" pitchFamily="34" charset="0"/>
+              <a:buNone/>
+              <a:defRPr sz="1600" kern="1200">
+                <a:solidFill>
+                  <a:schemeClr val="tx1"/>
+                </a:solidFill>
+                <a:latin typeface="+mn-lt"/>
+                <a:ea typeface="+mn-ea"/>
+                <a:cs typeface="+mn-cs"/>
+              </a:defRPr>
+            </a:lvl6pPr>
+            <a:lvl7pPr marL="2743200" indent="0" algn="ctr" defTabSz="914400" rtl="0" eaLnBrk="1" latinLnBrk="0" hangingPunct="1">
+              <a:lnSpc>
+                <a:spcPct val="90000"/>
+              </a:lnSpc>
+              <a:spcBef>
+                <a:spcPts val="500"/>
+              </a:spcBef>
+              <a:buFont typeface="Arial" panose="020B0604020202020204" pitchFamily="34" charset="0"/>
+              <a:buNone/>
+              <a:defRPr sz="1600" kern="1200">
+                <a:solidFill>
+                  <a:schemeClr val="tx1"/>
+                </a:solidFill>
+                <a:latin typeface="+mn-lt"/>
+                <a:ea typeface="+mn-ea"/>
+                <a:cs typeface="+mn-cs"/>
+              </a:defRPr>
+            </a:lvl7pPr>
+            <a:lvl8pPr marL="3200400" indent="0" algn="ctr" defTabSz="914400" rtl="0" eaLnBrk="1" latinLnBrk="0" hangingPunct="1">
+              <a:lnSpc>
+                <a:spcPct val="90000"/>
+              </a:lnSpc>
+              <a:spcBef>
+                <a:spcPts val="500"/>
+              </a:spcBef>
+              <a:buFont typeface="Arial" panose="020B0604020202020204" pitchFamily="34" charset="0"/>
+              <a:buNone/>
+              <a:defRPr sz="1600" kern="1200">
+                <a:solidFill>
+                  <a:schemeClr val="tx1"/>
+                </a:solidFill>
+                <a:latin typeface="+mn-lt"/>
+                <a:ea typeface="+mn-ea"/>
+                <a:cs typeface="+mn-cs"/>
+              </a:defRPr>
+            </a:lvl8pPr>
+            <a:lvl9pPr marL="3657600" indent="0" algn="ctr" defTabSz="914400" rtl="0" eaLnBrk="1" latinLnBrk="0" hangingPunct="1">
+              <a:lnSpc>
+                <a:spcPct val="90000"/>
+              </a:lnSpc>
+              <a:spcBef>
+                <a:spcPts val="500"/>
+              </a:spcBef>
+              <a:buFont typeface="Arial" panose="020B0604020202020204" pitchFamily="34" charset="0"/>
+              <a:buNone/>
+              <a:defRPr sz="1600" kern="1200">
+                <a:solidFill>
+                  <a:schemeClr val="tx1"/>
+                </a:solidFill>
+                <a:latin typeface="+mn-lt"/>
+                <a:ea typeface="+mn-ea"/>
+                <a:cs typeface="+mn-cs"/>
+              </a:defRPr>
+            </a:lvl9pPr>
+          </a:lstStyle>
+          <a:p>
+            <a:pPr algn="l"/>
+            <a:r>
+              <a:rPr lang="en-US" sz="2000" dirty="0">
+                <a:solidFill>
+                  <a:schemeClr val="bg1"/>
+                </a:solidFill>
+                <a:highlight>
+                  <a:srgbClr val="000000"/>
+                </a:highlight>
+              </a:rPr>
+              <a:t>#interviews #java #</a:t>
+            </a:r>
+            <a:r>
+              <a:rPr lang="en-US" sz="2000" dirty="0" err="1">
+                <a:solidFill>
+                  <a:schemeClr val="bg1"/>
+                </a:solidFill>
+                <a:highlight>
+                  <a:srgbClr val="000000"/>
+                </a:highlight>
+              </a:rPr>
+              <a:t>springboot</a:t>
+            </a:r>
+            <a:r>
+              <a:rPr lang="en-US" sz="2000" dirty="0">
+                <a:solidFill>
+                  <a:schemeClr val="bg1"/>
+                </a:solidFill>
+                <a:highlight>
+                  <a:srgbClr val="000000"/>
+                </a:highlight>
+              </a:rPr>
+              <a:t> #microservices #database</a:t>
+            </a:r>
           </a:p>
         </p:txBody>
       </p:sp>
     </p:spTree>
     <p:extLst>
       <p:ext uri="{BB962C8B-B14F-4D97-AF65-F5344CB8AC3E}">
-        <p14:creationId xmlns:p14="http://schemas.microsoft.com/office/powerpoint/2010/main" val="1756172755"/>
+        <p14:creationId xmlns:p14="http://schemas.microsoft.com/office/powerpoint/2010/main" val="4131735934"/>
       </p:ext>
     </p:extLst>
   </p:cSld>
   <p:clrMapOvr>
     <a:masterClrMapping/>
   </p:clrMapOvr>
-  <mc:AlternateContent xmlns:mc="http://schemas.openxmlformats.org/markup-compatibility/2006">
-    <mc:Choice xmlns:p14="http://schemas.microsoft.com/office/powerpoint/2010/main" Requires="p14">
+  <mc:AlternateContent xmlns:mc="http://schemas.openxmlformats.org/markup-compatibility/2006" xmlns:p14="http://schemas.microsoft.com/office/powerpoint/2010/main">
+    <mc:Choice Requires="p14">
       <p:transition spd="slow" p14:dur="1500">
         <p:split orient="vert"/>
       </p:transition>
     </mc:Choice>
-    <mc:Fallback>
+    <mc:Fallback xmlns="">
       <p:transition spd="slow">
         <p:split orient="vert"/>
       </p:transition>
@@ -5274,7 +6200,7 @@
         <p:spPr/>
         <p:txBody>
           <a:bodyPr>
-            <a:normAutofit/>
+            <a:normAutofit fontScale="90000"/>
           </a:bodyPr>
           <a:lstStyle/>
           <a:p>
@@ -5284,7 +6210,7 @@
                 <a:latin typeface="Times New Roman" panose="02020603050405020304" pitchFamily="18" charset="0"/>
                 <a:cs typeface="Times New Roman" panose="02020603050405020304" pitchFamily="18" charset="0"/>
               </a:rPr>
-              <a:t>18. What is Apache Kafka and what are its main use cases?</a:t>
+              <a:t>17. Explain how you can secure a REST API in Spring Boot.</a:t>
             </a:r>
             <a:br>
               <a:rPr lang="en-US" sz="3200" b="1" u="sng" dirty="0">
@@ -5327,20 +6253,20 @@
     </p:spTree>
     <p:extLst>
       <p:ext uri="{BB962C8B-B14F-4D97-AF65-F5344CB8AC3E}">
-        <p14:creationId xmlns:p14="http://schemas.microsoft.com/office/powerpoint/2010/main" val="950167440"/>
+        <p14:creationId xmlns:p14="http://schemas.microsoft.com/office/powerpoint/2010/main" val="2098006672"/>
       </p:ext>
     </p:extLst>
   </p:cSld>
   <p:clrMapOvr>
     <a:masterClrMapping/>
   </p:clrMapOvr>
-  <mc:AlternateContent xmlns:mc="http://schemas.openxmlformats.org/markup-compatibility/2006">
-    <mc:Choice xmlns:p14="http://schemas.microsoft.com/office/powerpoint/2010/main" Requires="p14">
+  <mc:AlternateContent xmlns:mc="http://schemas.openxmlformats.org/markup-compatibility/2006" xmlns:p14="http://schemas.microsoft.com/office/powerpoint/2010/main">
+    <mc:Choice Requires="p14">
       <p:transition spd="slow" p14:dur="1500">
         <p:split orient="vert"/>
       </p:transition>
     </mc:Choice>
-    <mc:Fallback>
+    <mc:Fallback xmlns="">
       <p:transition spd="slow">
         <p:split orient="vert"/>
       </p:transition>
@@ -5385,6 +6311,117 @@
         <p:spPr/>
         <p:txBody>
           <a:bodyPr>
+            <a:normAutofit/>
+          </a:bodyPr>
+          <a:lstStyle/>
+          <a:p>
+            <a:pPr algn="ctr"/>
+            <a:r>
+              <a:rPr lang="en-US" sz="3200" b="1" u="sng" dirty="0">
+                <a:latin typeface="Times New Roman" panose="02020603050405020304" pitchFamily="18" charset="0"/>
+                <a:cs typeface="Times New Roman" panose="02020603050405020304" pitchFamily="18" charset="0"/>
+              </a:rPr>
+              <a:t>18. What is Apache Kafka and what are its main use cases?</a:t>
+            </a:r>
+            <a:br>
+              <a:rPr lang="en-US" sz="3200" b="1" u="sng" dirty="0">
+                <a:latin typeface="Times New Roman" panose="02020603050405020304" pitchFamily="18" charset="0"/>
+                <a:cs typeface="Times New Roman" panose="02020603050405020304" pitchFamily="18" charset="0"/>
+              </a:rPr>
+            </a:br>
+            <a:endParaRPr lang="en-US" sz="3200" b="1" u="sng" dirty="0">
+              <a:latin typeface="Times New Roman" panose="02020603050405020304" pitchFamily="18" charset="0"/>
+              <a:cs typeface="Times New Roman" panose="02020603050405020304" pitchFamily="18" charset="0"/>
+            </a:endParaRPr>
+          </a:p>
+        </p:txBody>
+      </p:sp>
+      <p:sp>
+        <p:nvSpPr>
+          <p:cNvPr id="3" name="Content Placeholder 2">
+            <a:extLst>
+              <a:ext uri="{FF2B5EF4-FFF2-40B4-BE49-F238E27FC236}">
+                <a16:creationId xmlns:a16="http://schemas.microsoft.com/office/drawing/2014/main" id="{919C9A71-DFAE-E47C-7397-6705161BA2F5}"/>
+              </a:ext>
+            </a:extLst>
+          </p:cNvPr>
+          <p:cNvSpPr>
+            <a:spLocks noGrp="1"/>
+          </p:cNvSpPr>
+          <p:nvPr>
+            <p:ph idx="1"/>
+          </p:nvPr>
+        </p:nvSpPr>
+        <p:spPr/>
+        <p:txBody>
+          <a:bodyPr/>
+          <a:lstStyle/>
+          <a:p>
+            <a:endParaRPr lang="en-US"/>
+          </a:p>
+        </p:txBody>
+      </p:sp>
+    </p:spTree>
+    <p:extLst>
+      <p:ext uri="{BB962C8B-B14F-4D97-AF65-F5344CB8AC3E}">
+        <p14:creationId xmlns:p14="http://schemas.microsoft.com/office/powerpoint/2010/main" val="950167440"/>
+      </p:ext>
+    </p:extLst>
+  </p:cSld>
+  <p:clrMapOvr>
+    <a:masterClrMapping/>
+  </p:clrMapOvr>
+  <mc:AlternateContent xmlns:mc="http://schemas.openxmlformats.org/markup-compatibility/2006" xmlns:p14="http://schemas.microsoft.com/office/powerpoint/2010/main">
+    <mc:Choice Requires="p14">
+      <p:transition spd="slow" p14:dur="1500">
+        <p:split orient="vert"/>
+      </p:transition>
+    </mc:Choice>
+    <mc:Fallback xmlns="">
+      <p:transition spd="slow">
+        <p:split orient="vert"/>
+      </p:transition>
+    </mc:Fallback>
+  </mc:AlternateContent>
+</p:sld>
+</file>
+
+<file path=ppt/slides/slide22.xml><?xml version="1.0" encoding="utf-8"?>
+<p:sld xmlns:a="http://schemas.openxmlformats.org/drawingml/2006/main" xmlns:r="http://schemas.openxmlformats.org/officeDocument/2006/relationships" xmlns:p="http://schemas.openxmlformats.org/presentationml/2006/main">
+  <p:cSld>
+    <p:spTree>
+      <p:nvGrpSpPr>
+        <p:cNvPr id="1" name=""/>
+        <p:cNvGrpSpPr/>
+        <p:nvPr/>
+      </p:nvGrpSpPr>
+      <p:grpSpPr>
+        <a:xfrm>
+          <a:off x="0" y="0"/>
+          <a:ext cx="0" cy="0"/>
+          <a:chOff x="0" y="0"/>
+          <a:chExt cx="0" cy="0"/>
+        </a:xfrm>
+      </p:grpSpPr>
+      <p:sp>
+        <p:nvSpPr>
+          <p:cNvPr id="2" name="Title 1">
+            <a:extLst>
+              <a:ext uri="{FF2B5EF4-FFF2-40B4-BE49-F238E27FC236}">
+                <a16:creationId xmlns:a16="http://schemas.microsoft.com/office/drawing/2014/main" id="{1DB18763-3769-B419-0629-4E1AA5B94F74}"/>
+              </a:ext>
+            </a:extLst>
+          </p:cNvPr>
+          <p:cNvSpPr>
+            <a:spLocks noGrp="1"/>
+          </p:cNvSpPr>
+          <p:nvPr>
+            <p:ph type="title"/>
+          </p:nvPr>
+        </p:nvSpPr>
+        <p:spPr/>
+        <p:txBody>
+          <a:bodyPr>
             <a:normAutofit fontScale="90000"/>
           </a:bodyPr>
           <a:lstStyle/>
@@ -5457,124 +6494,13 @@
   <p:clrMapOvr>
     <a:masterClrMapping/>
   </p:clrMapOvr>
-  <mc:AlternateContent xmlns:mc="http://schemas.openxmlformats.org/markup-compatibility/2006">
-    <mc:Choice xmlns:p14="http://schemas.microsoft.com/office/powerpoint/2010/main" Requires="p14">
+  <mc:AlternateContent xmlns:mc="http://schemas.openxmlformats.org/markup-compatibility/2006" xmlns:p14="http://schemas.microsoft.com/office/powerpoint/2010/main">
+    <mc:Choice Requires="p14">
       <p:transition spd="slow" p14:dur="1500">
         <p:split orient="vert"/>
       </p:transition>
     </mc:Choice>
-    <mc:Fallback>
-      <p:transition spd="slow">
-        <p:split orient="vert"/>
-      </p:transition>
-    </mc:Fallback>
-  </mc:AlternateContent>
-</p:sld>
-</file>
-
-<file path=ppt/slides/slide22.xml><?xml version="1.0" encoding="utf-8"?>
-<p:sld xmlns:a="http://schemas.openxmlformats.org/drawingml/2006/main" xmlns:r="http://schemas.openxmlformats.org/officeDocument/2006/relationships" xmlns:p="http://schemas.openxmlformats.org/presentationml/2006/main">
-  <p:cSld>
-    <p:spTree>
-      <p:nvGrpSpPr>
-        <p:cNvPr id="1" name=""/>
-        <p:cNvGrpSpPr/>
-        <p:nvPr/>
-      </p:nvGrpSpPr>
-      <p:grpSpPr>
-        <a:xfrm>
-          <a:off x="0" y="0"/>
-          <a:ext cx="0" cy="0"/>
-          <a:chOff x="0" y="0"/>
-          <a:chExt cx="0" cy="0"/>
-        </a:xfrm>
-      </p:grpSpPr>
-      <p:sp>
-        <p:nvSpPr>
-          <p:cNvPr id="2" name="Title 1">
-            <a:extLst>
-              <a:ext uri="{FF2B5EF4-FFF2-40B4-BE49-F238E27FC236}">
-                <a16:creationId xmlns:a16="http://schemas.microsoft.com/office/drawing/2014/main" id="{1DB18763-3769-B419-0629-4E1AA5B94F74}"/>
-              </a:ext>
-            </a:extLst>
-          </p:cNvPr>
-          <p:cNvSpPr>
-            <a:spLocks noGrp="1"/>
-          </p:cNvSpPr>
-          <p:nvPr>
-            <p:ph type="title"/>
-          </p:nvPr>
-        </p:nvSpPr>
-        <p:spPr/>
-        <p:txBody>
-          <a:bodyPr>
-            <a:normAutofit fontScale="90000"/>
-          </a:bodyPr>
-          <a:lstStyle/>
-          <a:p>
-            <a:pPr algn="ctr"/>
-            <a:r>
-              <a:rPr lang="en-US" sz="3200" b="1" u="sng" dirty="0">
-                <a:latin typeface="Times New Roman" panose="02020603050405020304" pitchFamily="18" charset="0"/>
-                <a:cs typeface="Times New Roman" panose="02020603050405020304" pitchFamily="18" charset="0"/>
-              </a:rPr>
-              <a:t>20. What are the differences between unit testing, integration testing, and system testing?</a:t>
-            </a:r>
-            <a:br>
-              <a:rPr lang="en-US" sz="3200" b="1" u="sng" dirty="0">
-                <a:latin typeface="Times New Roman" panose="02020603050405020304" pitchFamily="18" charset="0"/>
-                <a:cs typeface="Times New Roman" panose="02020603050405020304" pitchFamily="18" charset="0"/>
-              </a:rPr>
-            </a:br>
-            <a:endParaRPr lang="en-US" sz="3200" b="1" u="sng" dirty="0">
-              <a:latin typeface="Times New Roman" panose="02020603050405020304" pitchFamily="18" charset="0"/>
-              <a:cs typeface="Times New Roman" panose="02020603050405020304" pitchFamily="18" charset="0"/>
-            </a:endParaRPr>
-          </a:p>
-        </p:txBody>
-      </p:sp>
-      <p:sp>
-        <p:nvSpPr>
-          <p:cNvPr id="3" name="Content Placeholder 2">
-            <a:extLst>
-              <a:ext uri="{FF2B5EF4-FFF2-40B4-BE49-F238E27FC236}">
-                <a16:creationId xmlns:a16="http://schemas.microsoft.com/office/drawing/2014/main" id="{919C9A71-DFAE-E47C-7397-6705161BA2F5}"/>
-              </a:ext>
-            </a:extLst>
-          </p:cNvPr>
-          <p:cNvSpPr>
-            <a:spLocks noGrp="1"/>
-          </p:cNvSpPr>
-          <p:nvPr>
-            <p:ph idx="1"/>
-          </p:nvPr>
-        </p:nvSpPr>
-        <p:spPr/>
-        <p:txBody>
-          <a:bodyPr/>
-          <a:lstStyle/>
-          <a:p>
-            <a:endParaRPr lang="en-US"/>
-          </a:p>
-        </p:txBody>
-      </p:sp>
-    </p:spTree>
-    <p:extLst>
-      <p:ext uri="{BB962C8B-B14F-4D97-AF65-F5344CB8AC3E}">
-        <p14:creationId xmlns:p14="http://schemas.microsoft.com/office/powerpoint/2010/main" val="3075485092"/>
-      </p:ext>
-    </p:extLst>
-  </p:cSld>
-  <p:clrMapOvr>
-    <a:masterClrMapping/>
-  </p:clrMapOvr>
-  <mc:AlternateContent xmlns:mc="http://schemas.openxmlformats.org/markup-compatibility/2006">
-    <mc:Choice xmlns:p14="http://schemas.microsoft.com/office/powerpoint/2010/main" Requires="p14">
-      <p:transition spd="slow" p14:dur="1500">
-        <p:split orient="vert"/>
-      </p:transition>
-    </mc:Choice>
-    <mc:Fallback>
+    <mc:Fallback xmlns="">
       <p:transition spd="slow">
         <p:split orient="vert"/>
       </p:transition>
@@ -5629,7 +6555,7 @@
                 <a:latin typeface="Times New Roman" panose="02020603050405020304" pitchFamily="18" charset="0"/>
                 <a:cs typeface="Times New Roman" panose="02020603050405020304" pitchFamily="18" charset="0"/>
               </a:rPr>
-              <a:t>21. Explain how you would set up a CI/CD pipeline for a Java Spring Boot application.</a:t>
+              <a:t>20. What are the differences between unit testing, integration testing, and system testing?</a:t>
             </a:r>
             <a:br>
               <a:rPr lang="en-US" sz="3200" b="1" u="sng" dirty="0">
@@ -5672,6 +6598,117 @@
     </p:spTree>
     <p:extLst>
       <p:ext uri="{BB962C8B-B14F-4D97-AF65-F5344CB8AC3E}">
+        <p14:creationId xmlns:p14="http://schemas.microsoft.com/office/powerpoint/2010/main" val="3075485092"/>
+      </p:ext>
+    </p:extLst>
+  </p:cSld>
+  <p:clrMapOvr>
+    <a:masterClrMapping/>
+  </p:clrMapOvr>
+  <mc:AlternateContent xmlns:mc="http://schemas.openxmlformats.org/markup-compatibility/2006" xmlns:p14="http://schemas.microsoft.com/office/powerpoint/2010/main">
+    <mc:Choice Requires="p14">
+      <p:transition spd="slow" p14:dur="1500">
+        <p:split orient="vert"/>
+      </p:transition>
+    </mc:Choice>
+    <mc:Fallback xmlns="">
+      <p:transition spd="slow">
+        <p:split orient="vert"/>
+      </p:transition>
+    </mc:Fallback>
+  </mc:AlternateContent>
+</p:sld>
+</file>
+
+<file path=ppt/slides/slide24.xml><?xml version="1.0" encoding="utf-8"?>
+<p:sld xmlns:a="http://schemas.openxmlformats.org/drawingml/2006/main" xmlns:r="http://schemas.openxmlformats.org/officeDocument/2006/relationships" xmlns:p="http://schemas.openxmlformats.org/presentationml/2006/main">
+  <p:cSld>
+    <p:spTree>
+      <p:nvGrpSpPr>
+        <p:cNvPr id="1" name=""/>
+        <p:cNvGrpSpPr/>
+        <p:nvPr/>
+      </p:nvGrpSpPr>
+      <p:grpSpPr>
+        <a:xfrm>
+          <a:off x="0" y="0"/>
+          <a:ext cx="0" cy="0"/>
+          <a:chOff x="0" y="0"/>
+          <a:chExt cx="0" cy="0"/>
+        </a:xfrm>
+      </p:grpSpPr>
+      <p:sp>
+        <p:nvSpPr>
+          <p:cNvPr id="2" name="Title 1">
+            <a:extLst>
+              <a:ext uri="{FF2B5EF4-FFF2-40B4-BE49-F238E27FC236}">
+                <a16:creationId xmlns:a16="http://schemas.microsoft.com/office/drawing/2014/main" id="{1DB18763-3769-B419-0629-4E1AA5B94F74}"/>
+              </a:ext>
+            </a:extLst>
+          </p:cNvPr>
+          <p:cNvSpPr>
+            <a:spLocks noGrp="1"/>
+          </p:cNvSpPr>
+          <p:nvPr>
+            <p:ph type="title"/>
+          </p:nvPr>
+        </p:nvSpPr>
+        <p:spPr/>
+        <p:txBody>
+          <a:bodyPr>
+            <a:normAutofit fontScale="90000"/>
+          </a:bodyPr>
+          <a:lstStyle/>
+          <a:p>
+            <a:pPr algn="ctr"/>
+            <a:r>
+              <a:rPr lang="en-US" sz="3200" b="1" u="sng" dirty="0">
+                <a:latin typeface="Times New Roman" panose="02020603050405020304" pitchFamily="18" charset="0"/>
+                <a:cs typeface="Times New Roman" panose="02020603050405020304" pitchFamily="18" charset="0"/>
+              </a:rPr>
+              <a:t>21. Explain how you would set up a CI/CD pipeline for a Java Spring Boot application.</a:t>
+            </a:r>
+            <a:br>
+              <a:rPr lang="en-US" sz="3200" b="1" u="sng" dirty="0">
+                <a:latin typeface="Times New Roman" panose="02020603050405020304" pitchFamily="18" charset="0"/>
+                <a:cs typeface="Times New Roman" panose="02020603050405020304" pitchFamily="18" charset="0"/>
+              </a:rPr>
+            </a:br>
+            <a:endParaRPr lang="en-US" sz="3200" b="1" u="sng" dirty="0">
+              <a:latin typeface="Times New Roman" panose="02020603050405020304" pitchFamily="18" charset="0"/>
+              <a:cs typeface="Times New Roman" panose="02020603050405020304" pitchFamily="18" charset="0"/>
+            </a:endParaRPr>
+          </a:p>
+        </p:txBody>
+      </p:sp>
+      <p:sp>
+        <p:nvSpPr>
+          <p:cNvPr id="3" name="Content Placeholder 2">
+            <a:extLst>
+              <a:ext uri="{FF2B5EF4-FFF2-40B4-BE49-F238E27FC236}">
+                <a16:creationId xmlns:a16="http://schemas.microsoft.com/office/drawing/2014/main" id="{919C9A71-DFAE-E47C-7397-6705161BA2F5}"/>
+              </a:ext>
+            </a:extLst>
+          </p:cNvPr>
+          <p:cNvSpPr>
+            <a:spLocks noGrp="1"/>
+          </p:cNvSpPr>
+          <p:nvPr>
+            <p:ph idx="1"/>
+          </p:nvPr>
+        </p:nvSpPr>
+        <p:spPr/>
+        <p:txBody>
+          <a:bodyPr/>
+          <a:lstStyle/>
+          <a:p>
+            <a:endParaRPr lang="en-US"/>
+          </a:p>
+        </p:txBody>
+      </p:sp>
+    </p:spTree>
+    <p:extLst>
+      <p:ext uri="{BB962C8B-B14F-4D97-AF65-F5344CB8AC3E}">
         <p14:creationId xmlns:p14="http://schemas.microsoft.com/office/powerpoint/2010/main" val="757542607"/>
       </p:ext>
     </p:extLst>
@@ -5679,15 +6716,989 @@
   <p:clrMapOvr>
     <a:masterClrMapping/>
   </p:clrMapOvr>
-  <mc:AlternateContent xmlns:mc="http://schemas.openxmlformats.org/markup-compatibility/2006">
-    <mc:Choice xmlns:p159="http://schemas.microsoft.com/office/powerpoint/2015/09/main" Requires="p159">
+  <mc:AlternateContent xmlns:mc="http://schemas.openxmlformats.org/markup-compatibility/2006" xmlns:p159="http://schemas.microsoft.com/office/powerpoint/2015/09/main">
+    <mc:Choice Requires="p159">
       <p:transition xmlns:p14="http://schemas.microsoft.com/office/powerpoint/2010/main" spd="slow" p14:dur="2000">
         <p159:morph option="byObject"/>
       </p:transition>
     </mc:Choice>
-    <mc:Fallback>
+    <mc:Fallback xmlns="">
       <p:transition spd="slow">
         <p:fade/>
+      </p:transition>
+    </mc:Fallback>
+  </mc:AlternateContent>
+</p:sld>
+</file>
+
+<file path=ppt/slides/slide25.xml><?xml version="1.0" encoding="utf-8"?>
+<p:sld xmlns:a="http://schemas.openxmlformats.org/drawingml/2006/main" xmlns:r="http://schemas.openxmlformats.org/officeDocument/2006/relationships" xmlns:p="http://schemas.openxmlformats.org/presentationml/2006/main">
+  <p:cSld>
+    <p:bg>
+      <p:bgPr>
+        <a:blipFill dpi="0" rotWithShape="1">
+          <a:blip r:embed="rId2">
+            <a:lum/>
+          </a:blip>
+          <a:srcRect/>
+          <a:stretch>
+            <a:fillRect t="-39000" b="-39000"/>
+          </a:stretch>
+        </a:blipFill>
+        <a:effectLst/>
+      </p:bgPr>
+    </p:bg>
+    <p:spTree>
+      <p:nvGrpSpPr>
+        <p:cNvPr id="1" name=""/>
+        <p:cNvGrpSpPr/>
+        <p:nvPr/>
+      </p:nvGrpSpPr>
+      <p:grpSpPr>
+        <a:xfrm>
+          <a:off x="0" y="0"/>
+          <a:ext cx="0" cy="0"/>
+          <a:chOff x="0" y="0"/>
+          <a:chExt cx="0" cy="0"/>
+        </a:xfrm>
+      </p:grpSpPr>
+      <p:sp>
+        <p:nvSpPr>
+          <p:cNvPr id="2" name="Title 1">
+            <a:extLst>
+              <a:ext uri="{FF2B5EF4-FFF2-40B4-BE49-F238E27FC236}">
+                <a16:creationId xmlns:a16="http://schemas.microsoft.com/office/drawing/2014/main" id="{D544C3E5-C9E6-990B-B65F-09822EF34BC0}"/>
+              </a:ext>
+            </a:extLst>
+          </p:cNvPr>
+          <p:cNvSpPr>
+            <a:spLocks noGrp="1"/>
+          </p:cNvSpPr>
+          <p:nvPr>
+            <p:ph type="ctrTitle"/>
+          </p:nvPr>
+        </p:nvSpPr>
+        <p:spPr>
+          <a:xfrm>
+            <a:off x="251791" y="0"/>
+            <a:ext cx="11688418" cy="2387600"/>
+          </a:xfrm>
+        </p:spPr>
+        <p:txBody>
+          <a:bodyPr>
+            <a:normAutofit fontScale="90000"/>
+          </a:bodyPr>
+          <a:lstStyle/>
+          <a:p>
+            <a:r>
+              <a:rPr lang="en-US" sz="7200" i="0" kern="1200" dirty="0">
+                <a:solidFill>
+                  <a:srgbClr val="00B050"/>
+                </a:solidFill>
+                <a:effectLst/>
+                <a:highlight>
+                  <a:srgbClr val="000000"/>
+                </a:highlight>
+                <a:latin typeface="Algerian" pitchFamily="82" charset="77"/>
+              </a:rPr>
+              <a:t>Java Backend Developer</a:t>
+            </a:r>
+            <a:r>
+              <a:rPr lang="en-US" sz="7200" i="0" kern="1200" dirty="0">
+                <a:solidFill>
+                  <a:schemeClr val="tx1"/>
+                </a:solidFill>
+                <a:effectLst/>
+                <a:highlight>
+                  <a:srgbClr val="000000"/>
+                </a:highlight>
+                <a:latin typeface="Algerian" pitchFamily="82" charset="77"/>
+              </a:rPr>
+              <a:t> </a:t>
+            </a:r>
+            <a:br>
+              <a:rPr lang="en-US" sz="7200" i="0" kern="1200" dirty="0">
+                <a:solidFill>
+                  <a:schemeClr val="tx1"/>
+                </a:solidFill>
+                <a:effectLst/>
+                <a:highlight>
+                  <a:srgbClr val="000000"/>
+                </a:highlight>
+                <a:latin typeface="Algerian" pitchFamily="82" charset="77"/>
+              </a:rPr>
+            </a:br>
+            <a:r>
+              <a:rPr lang="en-US" sz="7200" i="0" kern="1200" dirty="0">
+                <a:solidFill>
+                  <a:srgbClr val="FF0000"/>
+                </a:solidFill>
+                <a:effectLst/>
+                <a:highlight>
+                  <a:srgbClr val="000000"/>
+                </a:highlight>
+                <a:latin typeface="Algerian" pitchFamily="82" charset="77"/>
+              </a:rPr>
+              <a:t>Mock Interview Series</a:t>
+            </a:r>
+            <a:endParaRPr lang="en-US" sz="7200" dirty="0"/>
+          </a:p>
+        </p:txBody>
+      </p:sp>
+      <p:sp>
+        <p:nvSpPr>
+          <p:cNvPr id="3" name="Subtitle 2">
+            <a:extLst>
+              <a:ext uri="{FF2B5EF4-FFF2-40B4-BE49-F238E27FC236}">
+                <a16:creationId xmlns:a16="http://schemas.microsoft.com/office/drawing/2014/main" id="{7195F9DC-398A-70A2-4A98-7316C3F15968}"/>
+              </a:ext>
+            </a:extLst>
+          </p:cNvPr>
+          <p:cNvSpPr>
+            <a:spLocks noGrp="1"/>
+          </p:cNvSpPr>
+          <p:nvPr>
+            <p:ph type="subTitle" idx="1"/>
+          </p:nvPr>
+        </p:nvSpPr>
+        <p:spPr>
+          <a:xfrm>
+            <a:off x="4187687" y="2864334"/>
+            <a:ext cx="9144000" cy="2913613"/>
+          </a:xfrm>
+        </p:spPr>
+        <p:txBody>
+          <a:bodyPr>
+            <a:normAutofit fontScale="92500" lnSpcReduction="10000"/>
+          </a:bodyPr>
+          <a:lstStyle/>
+          <a:p>
+            <a:r>
+              <a:rPr lang="en-US" sz="11500" i="0" kern="1200" dirty="0">
+                <a:solidFill>
+                  <a:schemeClr val="bg1"/>
+                </a:solidFill>
+                <a:effectLst/>
+                <a:highlight>
+                  <a:srgbClr val="000000"/>
+                </a:highlight>
+                <a:latin typeface="Algerian" pitchFamily="82" charset="77"/>
+              </a:rPr>
+              <a:t>Mock1 </a:t>
+            </a:r>
+          </a:p>
+          <a:p>
+            <a:r>
+              <a:rPr lang="en-US" sz="11500" i="0" kern="1200" dirty="0">
+                <a:solidFill>
+                  <a:srgbClr val="7030A0"/>
+                </a:solidFill>
+                <a:effectLst/>
+                <a:highlight>
+                  <a:srgbClr val="000000"/>
+                </a:highlight>
+                <a:latin typeface="Algerian" pitchFamily="82" charset="77"/>
+              </a:rPr>
+              <a:t>Round 2 </a:t>
+            </a:r>
+            <a:endParaRPr lang="en-US" sz="11500" dirty="0">
+              <a:solidFill>
+                <a:srgbClr val="7030A0"/>
+              </a:solidFill>
+            </a:endParaRPr>
+          </a:p>
+        </p:txBody>
+      </p:sp>
+      <p:grpSp>
+        <p:nvGrpSpPr>
+          <p:cNvPr id="4" name="Group 3">
+            <a:extLst>
+              <a:ext uri="{FF2B5EF4-FFF2-40B4-BE49-F238E27FC236}">
+                <a16:creationId xmlns:a16="http://schemas.microsoft.com/office/drawing/2014/main" id="{11CC348A-C384-F55A-AE6F-CE0F22F51599}"/>
+              </a:ext>
+            </a:extLst>
+          </p:cNvPr>
+          <p:cNvGrpSpPr/>
+          <p:nvPr/>
+        </p:nvGrpSpPr>
+        <p:grpSpPr>
+          <a:xfrm>
+            <a:off x="8196805" y="5962293"/>
+            <a:ext cx="3743404" cy="584775"/>
+            <a:chOff x="7857590" y="5240518"/>
+            <a:chExt cx="1713098" cy="297703"/>
+          </a:xfrm>
+        </p:grpSpPr>
+        <p:sp>
+          <p:nvSpPr>
+            <p:cNvPr id="5" name="TextBox 4">
+              <a:extLst>
+                <a:ext uri="{FF2B5EF4-FFF2-40B4-BE49-F238E27FC236}">
+                  <a16:creationId xmlns:a16="http://schemas.microsoft.com/office/drawing/2014/main" id="{219EF1B2-1DA9-904B-02DB-0F065B4DE47A}"/>
+                </a:ext>
+              </a:extLst>
+            </p:cNvPr>
+            <p:cNvSpPr txBox="1"/>
+            <p:nvPr/>
+          </p:nvSpPr>
+          <p:spPr>
+            <a:xfrm>
+              <a:off x="8070850" y="5240518"/>
+              <a:ext cx="1499838" cy="297703"/>
+            </a:xfrm>
+            <a:prstGeom prst="rect">
+              <a:avLst/>
+            </a:prstGeom>
+            <a:noFill/>
+          </p:spPr>
+          <p:txBody>
+            <a:bodyPr wrap="square">
+              <a:spAutoFit/>
+            </a:bodyPr>
+            <a:lstStyle/>
+            <a:p>
+              <a:pPr defTabSz="3383280">
+                <a:spcAft>
+                  <a:spcPts val="600"/>
+                </a:spcAft>
+              </a:pPr>
+              <a:r>
+                <a:rPr lang="en-US" sz="3200" kern="1200" dirty="0">
+                  <a:solidFill>
+                    <a:schemeClr val="tx1"/>
+                  </a:solidFill>
+                  <a:highlight>
+                    <a:srgbClr val="FFFF00"/>
+                  </a:highlight>
+                  <a:latin typeface="+mn-lt"/>
+                  <a:ea typeface="+mn-ea"/>
+                  <a:cs typeface="+mn-cs"/>
+                </a:rPr>
+                <a:t>arvind4gl</a:t>
+              </a:r>
+              <a:endParaRPr lang="en-US" sz="1400" dirty="0">
+                <a:highlight>
+                  <a:srgbClr val="FFFF00"/>
+                </a:highlight>
+              </a:endParaRPr>
+            </a:p>
+          </p:txBody>
+        </p:sp>
+        <p:pic>
+          <p:nvPicPr>
+            <p:cNvPr id="6" name="Picture 5">
+              <a:extLst>
+                <a:ext uri="{FF2B5EF4-FFF2-40B4-BE49-F238E27FC236}">
+                  <a16:creationId xmlns:a16="http://schemas.microsoft.com/office/drawing/2014/main" id="{F53D3C9E-3950-8486-6AB3-61F1089915F1}"/>
+                </a:ext>
+              </a:extLst>
+            </p:cNvPr>
+            <p:cNvPicPr>
+              <a:picLocks noChangeAspect="1"/>
+            </p:cNvPicPr>
+            <p:nvPr/>
+          </p:nvPicPr>
+          <p:blipFill>
+            <a:blip r:embed="rId3"/>
+            <a:stretch>
+              <a:fillRect/>
+            </a:stretch>
+          </p:blipFill>
+          <p:spPr>
+            <a:xfrm>
+              <a:off x="7857590" y="5296947"/>
+              <a:ext cx="213260" cy="203988"/>
+            </a:xfrm>
+            <a:prstGeom prst="rect">
+              <a:avLst/>
+            </a:prstGeom>
+          </p:spPr>
+        </p:pic>
+      </p:grpSp>
+      <p:sp>
+        <p:nvSpPr>
+          <p:cNvPr id="7" name="Subtitle 2">
+            <a:extLst>
+              <a:ext uri="{FF2B5EF4-FFF2-40B4-BE49-F238E27FC236}">
+                <a16:creationId xmlns:a16="http://schemas.microsoft.com/office/drawing/2014/main" id="{3E429848-E5E4-CD86-5BA4-326AA8B07B9F}"/>
+              </a:ext>
+            </a:extLst>
+          </p:cNvPr>
+          <p:cNvSpPr txBox="1">
+            <a:spLocks/>
+          </p:cNvSpPr>
+          <p:nvPr/>
+        </p:nvSpPr>
+        <p:spPr>
+          <a:xfrm>
+            <a:off x="1244685" y="6322832"/>
+            <a:ext cx="6858000" cy="892370"/>
+          </a:xfrm>
+          <a:prstGeom prst="rect">
+            <a:avLst/>
+          </a:prstGeom>
+        </p:spPr>
+        <p:txBody>
+          <a:bodyPr vert="horz" lIns="91440" tIns="45720" rIns="91440" bIns="45720" rtlCol="0">
+            <a:normAutofit/>
+          </a:bodyPr>
+          <a:lstStyle>
+            <a:lvl1pPr marL="0" indent="0" algn="ctr" defTabSz="914400" rtl="0" eaLnBrk="1" latinLnBrk="0" hangingPunct="1">
+              <a:lnSpc>
+                <a:spcPct val="90000"/>
+              </a:lnSpc>
+              <a:spcBef>
+                <a:spcPts val="1000"/>
+              </a:spcBef>
+              <a:buFont typeface="Arial" panose="020B0604020202020204" pitchFamily="34" charset="0"/>
+              <a:buNone/>
+              <a:defRPr sz="2400" kern="1200">
+                <a:solidFill>
+                  <a:schemeClr val="tx1"/>
+                </a:solidFill>
+                <a:latin typeface="+mn-lt"/>
+                <a:ea typeface="+mn-ea"/>
+                <a:cs typeface="+mn-cs"/>
+              </a:defRPr>
+            </a:lvl1pPr>
+            <a:lvl2pPr marL="457200" indent="0" algn="ctr" defTabSz="914400" rtl="0" eaLnBrk="1" latinLnBrk="0" hangingPunct="1">
+              <a:lnSpc>
+                <a:spcPct val="90000"/>
+              </a:lnSpc>
+              <a:spcBef>
+                <a:spcPts val="500"/>
+              </a:spcBef>
+              <a:buFont typeface="Arial" panose="020B0604020202020204" pitchFamily="34" charset="0"/>
+              <a:buNone/>
+              <a:defRPr sz="2000" kern="1200">
+                <a:solidFill>
+                  <a:schemeClr val="tx1"/>
+                </a:solidFill>
+                <a:latin typeface="+mn-lt"/>
+                <a:ea typeface="+mn-ea"/>
+                <a:cs typeface="+mn-cs"/>
+              </a:defRPr>
+            </a:lvl2pPr>
+            <a:lvl3pPr marL="914400" indent="0" algn="ctr" defTabSz="914400" rtl="0" eaLnBrk="1" latinLnBrk="0" hangingPunct="1">
+              <a:lnSpc>
+                <a:spcPct val="90000"/>
+              </a:lnSpc>
+              <a:spcBef>
+                <a:spcPts val="500"/>
+              </a:spcBef>
+              <a:buFont typeface="Arial" panose="020B0604020202020204" pitchFamily="34" charset="0"/>
+              <a:buNone/>
+              <a:defRPr sz="1800" kern="1200">
+                <a:solidFill>
+                  <a:schemeClr val="tx1"/>
+                </a:solidFill>
+                <a:latin typeface="+mn-lt"/>
+                <a:ea typeface="+mn-ea"/>
+                <a:cs typeface="+mn-cs"/>
+              </a:defRPr>
+            </a:lvl3pPr>
+            <a:lvl4pPr marL="1371600" indent="0" algn="ctr" defTabSz="914400" rtl="0" eaLnBrk="1" latinLnBrk="0" hangingPunct="1">
+              <a:lnSpc>
+                <a:spcPct val="90000"/>
+              </a:lnSpc>
+              <a:spcBef>
+                <a:spcPts val="500"/>
+              </a:spcBef>
+              <a:buFont typeface="Arial" panose="020B0604020202020204" pitchFamily="34" charset="0"/>
+              <a:buNone/>
+              <a:defRPr sz="1600" kern="1200">
+                <a:solidFill>
+                  <a:schemeClr val="tx1"/>
+                </a:solidFill>
+                <a:latin typeface="+mn-lt"/>
+                <a:ea typeface="+mn-ea"/>
+                <a:cs typeface="+mn-cs"/>
+              </a:defRPr>
+            </a:lvl4pPr>
+            <a:lvl5pPr marL="1828800" indent="0" algn="ctr" defTabSz="914400" rtl="0" eaLnBrk="1" latinLnBrk="0" hangingPunct="1">
+              <a:lnSpc>
+                <a:spcPct val="90000"/>
+              </a:lnSpc>
+              <a:spcBef>
+                <a:spcPts val="500"/>
+              </a:spcBef>
+              <a:buFont typeface="Arial" panose="020B0604020202020204" pitchFamily="34" charset="0"/>
+              <a:buNone/>
+              <a:defRPr sz="1600" kern="1200">
+                <a:solidFill>
+                  <a:schemeClr val="tx1"/>
+                </a:solidFill>
+                <a:latin typeface="+mn-lt"/>
+                <a:ea typeface="+mn-ea"/>
+                <a:cs typeface="+mn-cs"/>
+              </a:defRPr>
+            </a:lvl5pPr>
+            <a:lvl6pPr marL="2286000" indent="0" algn="ctr" defTabSz="914400" rtl="0" eaLnBrk="1" latinLnBrk="0" hangingPunct="1">
+              <a:lnSpc>
+                <a:spcPct val="90000"/>
+              </a:lnSpc>
+              <a:spcBef>
+                <a:spcPts val="500"/>
+              </a:spcBef>
+              <a:buFont typeface="Arial" panose="020B0604020202020204" pitchFamily="34" charset="0"/>
+              <a:buNone/>
+              <a:defRPr sz="1600" kern="1200">
+                <a:solidFill>
+                  <a:schemeClr val="tx1"/>
+                </a:solidFill>
+                <a:latin typeface="+mn-lt"/>
+                <a:ea typeface="+mn-ea"/>
+                <a:cs typeface="+mn-cs"/>
+              </a:defRPr>
+            </a:lvl6pPr>
+            <a:lvl7pPr marL="2743200" indent="0" algn="ctr" defTabSz="914400" rtl="0" eaLnBrk="1" latinLnBrk="0" hangingPunct="1">
+              <a:lnSpc>
+                <a:spcPct val="90000"/>
+              </a:lnSpc>
+              <a:spcBef>
+                <a:spcPts val="500"/>
+              </a:spcBef>
+              <a:buFont typeface="Arial" panose="020B0604020202020204" pitchFamily="34" charset="0"/>
+              <a:buNone/>
+              <a:defRPr sz="1600" kern="1200">
+                <a:solidFill>
+                  <a:schemeClr val="tx1"/>
+                </a:solidFill>
+                <a:latin typeface="+mn-lt"/>
+                <a:ea typeface="+mn-ea"/>
+                <a:cs typeface="+mn-cs"/>
+              </a:defRPr>
+            </a:lvl7pPr>
+            <a:lvl8pPr marL="3200400" indent="0" algn="ctr" defTabSz="914400" rtl="0" eaLnBrk="1" latinLnBrk="0" hangingPunct="1">
+              <a:lnSpc>
+                <a:spcPct val="90000"/>
+              </a:lnSpc>
+              <a:spcBef>
+                <a:spcPts val="500"/>
+              </a:spcBef>
+              <a:buFont typeface="Arial" panose="020B0604020202020204" pitchFamily="34" charset="0"/>
+              <a:buNone/>
+              <a:defRPr sz="1600" kern="1200">
+                <a:solidFill>
+                  <a:schemeClr val="tx1"/>
+                </a:solidFill>
+                <a:latin typeface="+mn-lt"/>
+                <a:ea typeface="+mn-ea"/>
+                <a:cs typeface="+mn-cs"/>
+              </a:defRPr>
+            </a:lvl8pPr>
+            <a:lvl9pPr marL="3657600" indent="0" algn="ctr" defTabSz="914400" rtl="0" eaLnBrk="1" latinLnBrk="0" hangingPunct="1">
+              <a:lnSpc>
+                <a:spcPct val="90000"/>
+              </a:lnSpc>
+              <a:spcBef>
+                <a:spcPts val="500"/>
+              </a:spcBef>
+              <a:buFont typeface="Arial" panose="020B0604020202020204" pitchFamily="34" charset="0"/>
+              <a:buNone/>
+              <a:defRPr sz="1600" kern="1200">
+                <a:solidFill>
+                  <a:schemeClr val="tx1"/>
+                </a:solidFill>
+                <a:latin typeface="+mn-lt"/>
+                <a:ea typeface="+mn-ea"/>
+                <a:cs typeface="+mn-cs"/>
+              </a:defRPr>
+            </a:lvl9pPr>
+          </a:lstStyle>
+          <a:p>
+            <a:pPr algn="l"/>
+            <a:r>
+              <a:rPr lang="en-US" sz="2000" dirty="0">
+                <a:solidFill>
+                  <a:schemeClr val="bg1"/>
+                </a:solidFill>
+                <a:highlight>
+                  <a:srgbClr val="000000"/>
+                </a:highlight>
+              </a:rPr>
+              <a:t>#interviews #java #</a:t>
+            </a:r>
+            <a:r>
+              <a:rPr lang="en-US" sz="2000" dirty="0" err="1">
+                <a:solidFill>
+                  <a:schemeClr val="bg1"/>
+                </a:solidFill>
+                <a:highlight>
+                  <a:srgbClr val="000000"/>
+                </a:highlight>
+              </a:rPr>
+              <a:t>springboot</a:t>
+            </a:r>
+            <a:r>
+              <a:rPr lang="en-US" sz="2000" dirty="0">
+                <a:solidFill>
+                  <a:schemeClr val="bg1"/>
+                </a:solidFill>
+                <a:highlight>
+                  <a:srgbClr val="000000"/>
+                </a:highlight>
+              </a:rPr>
+              <a:t> #microservices #database</a:t>
+            </a:r>
+          </a:p>
+        </p:txBody>
+      </p:sp>
+    </p:spTree>
+    <p:extLst>
+      <p:ext uri="{BB962C8B-B14F-4D97-AF65-F5344CB8AC3E}">
+        <p14:creationId xmlns:p14="http://schemas.microsoft.com/office/powerpoint/2010/main" val="2380164089"/>
+      </p:ext>
+    </p:extLst>
+  </p:cSld>
+  <p:clrMapOvr>
+    <a:masterClrMapping/>
+  </p:clrMapOvr>
+  <mc:AlternateContent xmlns:mc="http://schemas.openxmlformats.org/markup-compatibility/2006" xmlns:p14="http://schemas.microsoft.com/office/powerpoint/2010/main">
+    <mc:Choice Requires="p14">
+      <p:transition spd="slow" p14:dur="1500">
+        <p:split orient="vert"/>
+      </p:transition>
+    </mc:Choice>
+    <mc:Fallback xmlns="">
+      <p:transition spd="slow">
+        <p:split orient="vert"/>
+      </p:transition>
+    </mc:Fallback>
+  </mc:AlternateContent>
+</p:sld>
+</file>
+
+<file path=ppt/slides/slide26.xml><?xml version="1.0" encoding="utf-8"?>
+<p:sld xmlns:a="http://schemas.openxmlformats.org/drawingml/2006/main" xmlns:r="http://schemas.openxmlformats.org/officeDocument/2006/relationships" xmlns:p="http://schemas.openxmlformats.org/presentationml/2006/main">
+  <p:cSld>
+    <p:spTree>
+      <p:nvGrpSpPr>
+        <p:cNvPr id="1" name=""/>
+        <p:cNvGrpSpPr/>
+        <p:nvPr/>
+      </p:nvGrpSpPr>
+      <p:grpSpPr>
+        <a:xfrm>
+          <a:off x="0" y="0"/>
+          <a:ext cx="0" cy="0"/>
+          <a:chOff x="0" y="0"/>
+          <a:chExt cx="0" cy="0"/>
+        </a:xfrm>
+      </p:grpSpPr>
+      <p:sp>
+        <p:nvSpPr>
+          <p:cNvPr id="2" name="Title 1">
+            <a:extLst>
+              <a:ext uri="{FF2B5EF4-FFF2-40B4-BE49-F238E27FC236}">
+                <a16:creationId xmlns:a16="http://schemas.microsoft.com/office/drawing/2014/main" id="{E223CDC0-56AF-8343-9FB6-B3FC99260E2C}"/>
+              </a:ext>
+            </a:extLst>
+          </p:cNvPr>
+          <p:cNvSpPr>
+            <a:spLocks noGrp="1"/>
+          </p:cNvSpPr>
+          <p:nvPr>
+            <p:ph type="title"/>
+          </p:nvPr>
+        </p:nvSpPr>
+        <p:spPr/>
+        <p:txBody>
+          <a:bodyPr>
+            <a:noAutofit/>
+          </a:bodyPr>
+          <a:lstStyle/>
+          <a:p>
+            <a:pPr algn="ctr"/>
+            <a:r>
+              <a:rPr lang="en-US" sz="2800" b="1" u="sng" dirty="0">
+                <a:latin typeface="Times New Roman" panose="02020603050405020304" pitchFamily="18" charset="0"/>
+                <a:cs typeface="Times New Roman" panose="02020603050405020304" pitchFamily="18" charset="0"/>
+              </a:rPr>
+              <a:t>1. Explain the concepts of immutability and mutability in Java. Why are Strings immutable?</a:t>
+            </a:r>
+          </a:p>
+        </p:txBody>
+      </p:sp>
+      <p:sp>
+        <p:nvSpPr>
+          <p:cNvPr id="3" name="Content Placeholder 2">
+            <a:extLst>
+              <a:ext uri="{FF2B5EF4-FFF2-40B4-BE49-F238E27FC236}">
+                <a16:creationId xmlns:a16="http://schemas.microsoft.com/office/drawing/2014/main" id="{B6C5E941-8672-FFCE-504A-AE940BE9F6DA}"/>
+              </a:ext>
+            </a:extLst>
+          </p:cNvPr>
+          <p:cNvSpPr>
+            <a:spLocks noGrp="1"/>
+          </p:cNvSpPr>
+          <p:nvPr>
+            <p:ph idx="1"/>
+          </p:nvPr>
+        </p:nvSpPr>
+        <p:spPr/>
+        <p:txBody>
+          <a:bodyPr/>
+          <a:lstStyle/>
+          <a:p>
+            <a:endParaRPr lang="en-US"/>
+          </a:p>
+        </p:txBody>
+      </p:sp>
+    </p:spTree>
+    <p:extLst>
+      <p:ext uri="{BB962C8B-B14F-4D97-AF65-F5344CB8AC3E}">
+        <p14:creationId xmlns:p14="http://schemas.microsoft.com/office/powerpoint/2010/main" val="2334744810"/>
+      </p:ext>
+    </p:extLst>
+  </p:cSld>
+  <p:clrMapOvr>
+    <a:masterClrMapping/>
+  </p:clrMapOvr>
+  <mc:AlternateContent xmlns:mc="http://schemas.openxmlformats.org/markup-compatibility/2006" xmlns:p14="http://schemas.microsoft.com/office/powerpoint/2010/main">
+    <mc:Choice Requires="p14">
+      <p:transition spd="slow" p14:dur="1500">
+        <p:split orient="vert"/>
+      </p:transition>
+    </mc:Choice>
+    <mc:Fallback xmlns="">
+      <p:transition spd="slow">
+        <p:split orient="vert"/>
+      </p:transition>
+    </mc:Fallback>
+  </mc:AlternateContent>
+</p:sld>
+</file>
+
+<file path=ppt/slides/slide27.xml><?xml version="1.0" encoding="utf-8"?>
+<p:sld xmlns:a="http://schemas.openxmlformats.org/drawingml/2006/main" xmlns:r="http://schemas.openxmlformats.org/officeDocument/2006/relationships" xmlns:p="http://schemas.openxmlformats.org/presentationml/2006/main">
+  <p:cSld>
+    <p:spTree>
+      <p:nvGrpSpPr>
+        <p:cNvPr id="1" name=""/>
+        <p:cNvGrpSpPr/>
+        <p:nvPr/>
+      </p:nvGrpSpPr>
+      <p:grpSpPr>
+        <a:xfrm>
+          <a:off x="0" y="0"/>
+          <a:ext cx="0" cy="0"/>
+          <a:chOff x="0" y="0"/>
+          <a:chExt cx="0" cy="0"/>
+        </a:xfrm>
+      </p:grpSpPr>
+      <p:sp>
+        <p:nvSpPr>
+          <p:cNvPr id="2" name="Title 1">
+            <a:extLst>
+              <a:ext uri="{FF2B5EF4-FFF2-40B4-BE49-F238E27FC236}">
+                <a16:creationId xmlns:a16="http://schemas.microsoft.com/office/drawing/2014/main" id="{E223CDC0-56AF-8343-9FB6-B3FC99260E2C}"/>
+              </a:ext>
+            </a:extLst>
+          </p:cNvPr>
+          <p:cNvSpPr>
+            <a:spLocks noGrp="1"/>
+          </p:cNvSpPr>
+          <p:nvPr>
+            <p:ph type="title"/>
+          </p:nvPr>
+        </p:nvSpPr>
+        <p:spPr>
+          <a:xfrm>
+            <a:off x="838200" y="365125"/>
+            <a:ext cx="10635114" cy="1877561"/>
+          </a:xfrm>
+        </p:spPr>
+        <p:txBody>
+          <a:bodyPr>
+            <a:noAutofit/>
+          </a:bodyPr>
+          <a:lstStyle/>
+          <a:p>
+            <a:pPr algn="ctr"/>
+            <a:r>
+              <a:rPr lang="en-US" sz="2800" b="1" u="sng" dirty="0">
+                <a:latin typeface="Times New Roman" panose="02020603050405020304" pitchFamily="18" charset="0"/>
+                <a:cs typeface="Times New Roman" panose="02020603050405020304" pitchFamily="18" charset="0"/>
+              </a:rPr>
+              <a:t>2. What are lambda expressions and functional interfaces in Java? </a:t>
+            </a:r>
+            <a:br>
+              <a:rPr lang="en-US" sz="2800" b="1" u="sng" dirty="0">
+                <a:latin typeface="Times New Roman" panose="02020603050405020304" pitchFamily="18" charset="0"/>
+                <a:cs typeface="Times New Roman" panose="02020603050405020304" pitchFamily="18" charset="0"/>
+              </a:rPr>
+            </a:br>
+            <a:r>
+              <a:rPr lang="en-US" sz="2800" b="1" u="sng" dirty="0">
+                <a:latin typeface="Times New Roman" panose="02020603050405020304" pitchFamily="18" charset="0"/>
+                <a:cs typeface="Times New Roman" panose="02020603050405020304" pitchFamily="18" charset="0"/>
+              </a:rPr>
+              <a:t>Provide an example.</a:t>
+            </a:r>
+          </a:p>
+        </p:txBody>
+      </p:sp>
+      <p:sp>
+        <p:nvSpPr>
+          <p:cNvPr id="3" name="Content Placeholder 2">
+            <a:extLst>
+              <a:ext uri="{FF2B5EF4-FFF2-40B4-BE49-F238E27FC236}">
+                <a16:creationId xmlns:a16="http://schemas.microsoft.com/office/drawing/2014/main" id="{B6C5E941-8672-FFCE-504A-AE940BE9F6DA}"/>
+              </a:ext>
+            </a:extLst>
+          </p:cNvPr>
+          <p:cNvSpPr>
+            <a:spLocks noGrp="1"/>
+          </p:cNvSpPr>
+          <p:nvPr>
+            <p:ph idx="1"/>
+          </p:nvPr>
+        </p:nvSpPr>
+        <p:spPr/>
+        <p:txBody>
+          <a:bodyPr/>
+          <a:lstStyle/>
+          <a:p>
+            <a:endParaRPr lang="en-US"/>
+          </a:p>
+        </p:txBody>
+      </p:sp>
+    </p:spTree>
+    <p:extLst>
+      <p:ext uri="{BB962C8B-B14F-4D97-AF65-F5344CB8AC3E}">
+        <p14:creationId xmlns:p14="http://schemas.microsoft.com/office/powerpoint/2010/main" val="4247730158"/>
+      </p:ext>
+    </p:extLst>
+  </p:cSld>
+  <p:clrMapOvr>
+    <a:masterClrMapping/>
+  </p:clrMapOvr>
+  <mc:AlternateContent xmlns:mc="http://schemas.openxmlformats.org/markup-compatibility/2006" xmlns:p14="http://schemas.microsoft.com/office/powerpoint/2010/main">
+    <mc:Choice Requires="p14">
+      <p:transition spd="slow" p14:dur="1500">
+        <p:split orient="vert"/>
+      </p:transition>
+    </mc:Choice>
+    <mc:Fallback xmlns="">
+      <p:transition spd="slow">
+        <p:split orient="vert"/>
+      </p:transition>
+    </mc:Fallback>
+  </mc:AlternateContent>
+</p:sld>
+</file>
+
+<file path=ppt/slides/slide28.xml><?xml version="1.0" encoding="utf-8"?>
+<p:sld xmlns:a="http://schemas.openxmlformats.org/drawingml/2006/main" xmlns:r="http://schemas.openxmlformats.org/officeDocument/2006/relationships" xmlns:p="http://schemas.openxmlformats.org/presentationml/2006/main">
+  <p:cSld>
+    <p:spTree>
+      <p:nvGrpSpPr>
+        <p:cNvPr id="1" name=""/>
+        <p:cNvGrpSpPr/>
+        <p:nvPr/>
+      </p:nvGrpSpPr>
+      <p:grpSpPr>
+        <a:xfrm>
+          <a:off x="0" y="0"/>
+          <a:ext cx="0" cy="0"/>
+          <a:chOff x="0" y="0"/>
+          <a:chExt cx="0" cy="0"/>
+        </a:xfrm>
+      </p:grpSpPr>
+      <p:sp>
+        <p:nvSpPr>
+          <p:cNvPr id="2" name="Title 1">
+            <a:extLst>
+              <a:ext uri="{FF2B5EF4-FFF2-40B4-BE49-F238E27FC236}">
+                <a16:creationId xmlns:a16="http://schemas.microsoft.com/office/drawing/2014/main" id="{E223CDC0-56AF-8343-9FB6-B3FC99260E2C}"/>
+              </a:ext>
+            </a:extLst>
+          </p:cNvPr>
+          <p:cNvSpPr>
+            <a:spLocks noGrp="1"/>
+          </p:cNvSpPr>
+          <p:nvPr>
+            <p:ph type="title"/>
+          </p:nvPr>
+        </p:nvSpPr>
+        <p:spPr/>
+        <p:txBody>
+          <a:bodyPr>
+            <a:noAutofit/>
+          </a:bodyPr>
+          <a:lstStyle/>
+          <a:p>
+            <a:pPr algn="ctr"/>
+            <a:r>
+              <a:rPr lang="en-US" sz="3200" b="1" u="sng" dirty="0">
+                <a:latin typeface="Times New Roman" panose="02020603050405020304" pitchFamily="18" charset="0"/>
+                <a:cs typeface="Times New Roman" panose="02020603050405020304" pitchFamily="18" charset="0"/>
+              </a:rPr>
+              <a:t>3. What is the difference between synchronized and </a:t>
+            </a:r>
+            <a:r>
+              <a:rPr lang="en-US" sz="3200" b="1" u="sng" dirty="0" err="1">
+                <a:latin typeface="Times New Roman" panose="02020603050405020304" pitchFamily="18" charset="0"/>
+                <a:cs typeface="Times New Roman" panose="02020603050405020304" pitchFamily="18" charset="0"/>
+              </a:rPr>
+              <a:t>ReentrantLock</a:t>
+            </a:r>
+            <a:r>
+              <a:rPr lang="en-US" sz="3200" b="1" u="sng" dirty="0">
+                <a:latin typeface="Times New Roman" panose="02020603050405020304" pitchFamily="18" charset="0"/>
+                <a:cs typeface="Times New Roman" panose="02020603050405020304" pitchFamily="18" charset="0"/>
+              </a:rPr>
+              <a:t>? When would you use each?</a:t>
+            </a:r>
+          </a:p>
+        </p:txBody>
+      </p:sp>
+      <p:sp>
+        <p:nvSpPr>
+          <p:cNvPr id="3" name="Content Placeholder 2">
+            <a:extLst>
+              <a:ext uri="{FF2B5EF4-FFF2-40B4-BE49-F238E27FC236}">
+                <a16:creationId xmlns:a16="http://schemas.microsoft.com/office/drawing/2014/main" id="{B6C5E941-8672-FFCE-504A-AE940BE9F6DA}"/>
+              </a:ext>
+            </a:extLst>
+          </p:cNvPr>
+          <p:cNvSpPr>
+            <a:spLocks noGrp="1"/>
+          </p:cNvSpPr>
+          <p:nvPr>
+            <p:ph idx="1"/>
+          </p:nvPr>
+        </p:nvSpPr>
+        <p:spPr/>
+        <p:txBody>
+          <a:bodyPr/>
+          <a:lstStyle/>
+          <a:p>
+            <a:endParaRPr lang="en-US"/>
+          </a:p>
+        </p:txBody>
+      </p:sp>
+    </p:spTree>
+    <p:extLst>
+      <p:ext uri="{BB962C8B-B14F-4D97-AF65-F5344CB8AC3E}">
+        <p14:creationId xmlns:p14="http://schemas.microsoft.com/office/powerpoint/2010/main" val="2172585909"/>
+      </p:ext>
+    </p:extLst>
+  </p:cSld>
+  <p:clrMapOvr>
+    <a:masterClrMapping/>
+  </p:clrMapOvr>
+  <mc:AlternateContent xmlns:mc="http://schemas.openxmlformats.org/markup-compatibility/2006" xmlns:p14="http://schemas.microsoft.com/office/powerpoint/2010/main">
+    <mc:Choice Requires="p14">
+      <p:transition spd="slow" p14:dur="1500">
+        <p:split orient="vert"/>
+      </p:transition>
+    </mc:Choice>
+    <mc:Fallback xmlns="">
+      <p:transition spd="slow">
+        <p:split orient="vert"/>
+      </p:transition>
+    </mc:Fallback>
+  </mc:AlternateContent>
+</p:sld>
+</file>
+
+<file path=ppt/slides/slide29.xml><?xml version="1.0" encoding="utf-8"?>
+<p:sld xmlns:a="http://schemas.openxmlformats.org/drawingml/2006/main" xmlns:r="http://schemas.openxmlformats.org/officeDocument/2006/relationships" xmlns:p="http://schemas.openxmlformats.org/presentationml/2006/main">
+  <p:cSld>
+    <p:spTree>
+      <p:nvGrpSpPr>
+        <p:cNvPr id="1" name=""/>
+        <p:cNvGrpSpPr/>
+        <p:nvPr/>
+      </p:nvGrpSpPr>
+      <p:grpSpPr>
+        <a:xfrm>
+          <a:off x="0" y="0"/>
+          <a:ext cx="0" cy="0"/>
+          <a:chOff x="0" y="0"/>
+          <a:chExt cx="0" cy="0"/>
+        </a:xfrm>
+      </p:grpSpPr>
+      <p:sp>
+        <p:nvSpPr>
+          <p:cNvPr id="2" name="Title 1">
+            <a:extLst>
+              <a:ext uri="{FF2B5EF4-FFF2-40B4-BE49-F238E27FC236}">
+                <a16:creationId xmlns:a16="http://schemas.microsoft.com/office/drawing/2014/main" id="{E223CDC0-56AF-8343-9FB6-B3FC99260E2C}"/>
+              </a:ext>
+            </a:extLst>
+          </p:cNvPr>
+          <p:cNvSpPr>
+            <a:spLocks noGrp="1"/>
+          </p:cNvSpPr>
+          <p:nvPr>
+            <p:ph type="title"/>
+          </p:nvPr>
+        </p:nvSpPr>
+        <p:spPr/>
+        <p:txBody>
+          <a:bodyPr>
+            <a:noAutofit/>
+          </a:bodyPr>
+          <a:lstStyle/>
+          <a:p>
+            <a:pPr algn="ctr"/>
+            <a:r>
+              <a:rPr lang="en-US" sz="4000" b="1" u="sng" dirty="0">
+                <a:latin typeface="Times New Roman" panose="02020603050405020304" pitchFamily="18" charset="0"/>
+                <a:cs typeface="Times New Roman" panose="02020603050405020304" pitchFamily="18" charset="0"/>
+              </a:rPr>
+              <a:t>4. What is AOP (Aspect-Oriented Programming) and how is it used in Spring?</a:t>
+            </a:r>
+          </a:p>
+        </p:txBody>
+      </p:sp>
+      <p:sp>
+        <p:nvSpPr>
+          <p:cNvPr id="3" name="Content Placeholder 2">
+            <a:extLst>
+              <a:ext uri="{FF2B5EF4-FFF2-40B4-BE49-F238E27FC236}">
+                <a16:creationId xmlns:a16="http://schemas.microsoft.com/office/drawing/2014/main" id="{B6C5E941-8672-FFCE-504A-AE940BE9F6DA}"/>
+              </a:ext>
+            </a:extLst>
+          </p:cNvPr>
+          <p:cNvSpPr>
+            <a:spLocks noGrp="1"/>
+          </p:cNvSpPr>
+          <p:nvPr>
+            <p:ph idx="1"/>
+          </p:nvPr>
+        </p:nvSpPr>
+        <p:spPr/>
+        <p:txBody>
+          <a:bodyPr/>
+          <a:lstStyle/>
+          <a:p>
+            <a:endParaRPr lang="en-US"/>
+          </a:p>
+        </p:txBody>
+      </p:sp>
+    </p:spTree>
+    <p:extLst>
+      <p:ext uri="{BB962C8B-B14F-4D97-AF65-F5344CB8AC3E}">
+        <p14:creationId xmlns:p14="http://schemas.microsoft.com/office/powerpoint/2010/main" val="80252619"/>
+      </p:ext>
+    </p:extLst>
+  </p:cSld>
+  <p:clrMapOvr>
+    <a:masterClrMapping/>
+  </p:clrMapOvr>
+  <mc:AlternateContent xmlns:mc="http://schemas.openxmlformats.org/markup-compatibility/2006" xmlns:p14="http://schemas.microsoft.com/office/powerpoint/2010/main">
+    <mc:Choice Requires="p14">
+      <p:transition spd="slow" p14:dur="1500">
+        <p:split orient="vert"/>
+      </p:transition>
+    </mc:Choice>
+    <mc:Fallback xmlns="">
+      <p:transition spd="slow">
+        <p:split orient="vert"/>
       </p:transition>
     </mc:Fallback>
   </mc:AlternateContent>
@@ -5716,7 +7727,308 @@
           <p:cNvPr id="2" name="Title 1">
             <a:extLst>
               <a:ext uri="{FF2B5EF4-FFF2-40B4-BE49-F238E27FC236}">
-                <a16:creationId xmlns:a16="http://schemas.microsoft.com/office/drawing/2014/main" id="{1DB18763-3769-B419-0629-4E1AA5B94F74}"/>
+                <a16:creationId xmlns:a16="http://schemas.microsoft.com/office/drawing/2014/main" id="{2B9D77B2-5894-0BA5-A295-57724DE12CE8}"/>
+              </a:ext>
+            </a:extLst>
+          </p:cNvPr>
+          <p:cNvSpPr>
+            <a:spLocks noGrp="1"/>
+          </p:cNvSpPr>
+          <p:nvPr>
+            <p:ph type="title"/>
+          </p:nvPr>
+        </p:nvSpPr>
+        <p:spPr/>
+        <p:txBody>
+          <a:bodyPr/>
+          <a:lstStyle/>
+          <a:p>
+            <a:pPr algn="ctr"/>
+            <a:r>
+              <a:rPr lang="en-US" b="1" u="sng" dirty="0">
+                <a:latin typeface="Times New Roman" panose="02020603050405020304" pitchFamily="18" charset="0"/>
+                <a:cs typeface="Times New Roman" panose="02020603050405020304" pitchFamily="18" charset="0"/>
+              </a:rPr>
+              <a:t>1. Introduction</a:t>
+            </a:r>
+          </a:p>
+        </p:txBody>
+      </p:sp>
+      <p:sp>
+        <p:nvSpPr>
+          <p:cNvPr id="3" name="Content Placeholder 2">
+            <a:extLst>
+              <a:ext uri="{FF2B5EF4-FFF2-40B4-BE49-F238E27FC236}">
+                <a16:creationId xmlns:a16="http://schemas.microsoft.com/office/drawing/2014/main" id="{0CB371D9-BBA1-6EA8-6F78-B50F006C1413}"/>
+              </a:ext>
+            </a:extLst>
+          </p:cNvPr>
+          <p:cNvSpPr>
+            <a:spLocks noGrp="1"/>
+          </p:cNvSpPr>
+          <p:nvPr>
+            <p:ph idx="1"/>
+          </p:nvPr>
+        </p:nvSpPr>
+        <p:spPr/>
+        <p:txBody>
+          <a:bodyPr/>
+          <a:lstStyle/>
+          <a:p>
+            <a:endParaRPr lang="en-US" dirty="0"/>
+          </a:p>
+        </p:txBody>
+      </p:sp>
+    </p:spTree>
+    <p:extLst>
+      <p:ext uri="{BB962C8B-B14F-4D97-AF65-F5344CB8AC3E}">
+        <p14:creationId xmlns:p14="http://schemas.microsoft.com/office/powerpoint/2010/main" val="1756172755"/>
+      </p:ext>
+    </p:extLst>
+  </p:cSld>
+  <p:clrMapOvr>
+    <a:masterClrMapping/>
+  </p:clrMapOvr>
+  <mc:AlternateContent xmlns:mc="http://schemas.openxmlformats.org/markup-compatibility/2006" xmlns:p14="http://schemas.microsoft.com/office/powerpoint/2010/main">
+    <mc:Choice Requires="p14">
+      <p:transition spd="slow" p14:dur="1500">
+        <p:split orient="vert"/>
+      </p:transition>
+    </mc:Choice>
+    <mc:Fallback xmlns="">
+      <p:transition spd="slow">
+        <p:split orient="vert"/>
+      </p:transition>
+    </mc:Fallback>
+  </mc:AlternateContent>
+</p:sld>
+</file>
+
+<file path=ppt/slides/slide30.xml><?xml version="1.0" encoding="utf-8"?>
+<p:sld xmlns:a="http://schemas.openxmlformats.org/drawingml/2006/main" xmlns:r="http://schemas.openxmlformats.org/officeDocument/2006/relationships" xmlns:p="http://schemas.openxmlformats.org/presentationml/2006/main">
+  <p:cSld>
+    <p:spTree>
+      <p:nvGrpSpPr>
+        <p:cNvPr id="1" name=""/>
+        <p:cNvGrpSpPr/>
+        <p:nvPr/>
+      </p:nvGrpSpPr>
+      <p:grpSpPr>
+        <a:xfrm>
+          <a:off x="0" y="0"/>
+          <a:ext cx="0" cy="0"/>
+          <a:chOff x="0" y="0"/>
+          <a:chExt cx="0" cy="0"/>
+        </a:xfrm>
+      </p:grpSpPr>
+      <p:sp>
+        <p:nvSpPr>
+          <p:cNvPr id="2" name="Title 1">
+            <a:extLst>
+              <a:ext uri="{FF2B5EF4-FFF2-40B4-BE49-F238E27FC236}">
+                <a16:creationId xmlns:a16="http://schemas.microsoft.com/office/drawing/2014/main" id="{E223CDC0-56AF-8343-9FB6-B3FC99260E2C}"/>
+              </a:ext>
+            </a:extLst>
+          </p:cNvPr>
+          <p:cNvSpPr>
+            <a:spLocks noGrp="1"/>
+          </p:cNvSpPr>
+          <p:nvPr>
+            <p:ph type="title"/>
+          </p:nvPr>
+        </p:nvSpPr>
+        <p:spPr/>
+        <p:txBody>
+          <a:bodyPr>
+            <a:noAutofit/>
+          </a:bodyPr>
+          <a:lstStyle/>
+          <a:p>
+            <a:pPr algn="ctr"/>
+            <a:r>
+              <a:rPr lang="en-US" sz="4000" b="1" u="sng" dirty="0">
+                <a:latin typeface="Times New Roman" panose="02020603050405020304" pitchFamily="18" charset="0"/>
+                <a:cs typeface="Times New Roman" panose="02020603050405020304" pitchFamily="18" charset="0"/>
+              </a:rPr>
+              <a:t>5. Explain the lifecycle of a Spring bean.</a:t>
+            </a:r>
+          </a:p>
+        </p:txBody>
+      </p:sp>
+      <p:sp>
+        <p:nvSpPr>
+          <p:cNvPr id="3" name="Content Placeholder 2">
+            <a:extLst>
+              <a:ext uri="{FF2B5EF4-FFF2-40B4-BE49-F238E27FC236}">
+                <a16:creationId xmlns:a16="http://schemas.microsoft.com/office/drawing/2014/main" id="{B6C5E941-8672-FFCE-504A-AE940BE9F6DA}"/>
+              </a:ext>
+            </a:extLst>
+          </p:cNvPr>
+          <p:cNvSpPr>
+            <a:spLocks noGrp="1"/>
+          </p:cNvSpPr>
+          <p:nvPr>
+            <p:ph idx="1"/>
+          </p:nvPr>
+        </p:nvSpPr>
+        <p:spPr/>
+        <p:txBody>
+          <a:bodyPr/>
+          <a:lstStyle/>
+          <a:p>
+            <a:endParaRPr lang="en-US"/>
+          </a:p>
+        </p:txBody>
+      </p:sp>
+    </p:spTree>
+    <p:extLst>
+      <p:ext uri="{BB962C8B-B14F-4D97-AF65-F5344CB8AC3E}">
+        <p14:creationId xmlns:p14="http://schemas.microsoft.com/office/powerpoint/2010/main" val="3460186502"/>
+      </p:ext>
+    </p:extLst>
+  </p:cSld>
+  <p:clrMapOvr>
+    <a:masterClrMapping/>
+  </p:clrMapOvr>
+  <mc:AlternateContent xmlns:mc="http://schemas.openxmlformats.org/markup-compatibility/2006" xmlns:p14="http://schemas.microsoft.com/office/powerpoint/2010/main">
+    <mc:Choice Requires="p14">
+      <p:transition spd="slow" p14:dur="1500">
+        <p:split orient="vert"/>
+      </p:transition>
+    </mc:Choice>
+    <mc:Fallback xmlns="">
+      <p:transition spd="slow">
+        <p:split orient="vert"/>
+      </p:transition>
+    </mc:Fallback>
+  </mc:AlternateContent>
+</p:sld>
+</file>
+
+<file path=ppt/slides/slide31.xml><?xml version="1.0" encoding="utf-8"?>
+<p:sld xmlns:a="http://schemas.openxmlformats.org/drawingml/2006/main" xmlns:r="http://schemas.openxmlformats.org/officeDocument/2006/relationships" xmlns:p="http://schemas.openxmlformats.org/presentationml/2006/main">
+  <p:cSld>
+    <p:spTree>
+      <p:nvGrpSpPr>
+        <p:cNvPr id="1" name=""/>
+        <p:cNvGrpSpPr/>
+        <p:nvPr/>
+      </p:nvGrpSpPr>
+      <p:grpSpPr>
+        <a:xfrm>
+          <a:off x="0" y="0"/>
+          <a:ext cx="0" cy="0"/>
+          <a:chOff x="0" y="0"/>
+          <a:chExt cx="0" cy="0"/>
+        </a:xfrm>
+      </p:grpSpPr>
+      <p:sp>
+        <p:nvSpPr>
+          <p:cNvPr id="2" name="Title 1">
+            <a:extLst>
+              <a:ext uri="{FF2B5EF4-FFF2-40B4-BE49-F238E27FC236}">
+                <a16:creationId xmlns:a16="http://schemas.microsoft.com/office/drawing/2014/main" id="{E223CDC0-56AF-8343-9FB6-B3FC99260E2C}"/>
+              </a:ext>
+            </a:extLst>
+          </p:cNvPr>
+          <p:cNvSpPr>
+            <a:spLocks noGrp="1"/>
+          </p:cNvSpPr>
+          <p:nvPr>
+            <p:ph type="title"/>
+          </p:nvPr>
+        </p:nvSpPr>
+        <p:spPr/>
+        <p:txBody>
+          <a:bodyPr>
+            <a:noAutofit/>
+          </a:bodyPr>
+          <a:lstStyle/>
+          <a:p>
+            <a:pPr algn="ctr"/>
+            <a:r>
+              <a:rPr lang="en-US" sz="4000" b="1" u="sng" dirty="0">
+                <a:latin typeface="Times New Roman" panose="02020603050405020304" pitchFamily="18" charset="0"/>
+                <a:cs typeface="Times New Roman" panose="02020603050405020304" pitchFamily="18" charset="0"/>
+              </a:rPr>
+              <a:t>6. How do you handle transactions in Spring? Explain the use of @Transactional annotation.</a:t>
+            </a:r>
+          </a:p>
+        </p:txBody>
+      </p:sp>
+      <p:sp>
+        <p:nvSpPr>
+          <p:cNvPr id="3" name="Content Placeholder 2">
+            <a:extLst>
+              <a:ext uri="{FF2B5EF4-FFF2-40B4-BE49-F238E27FC236}">
+                <a16:creationId xmlns:a16="http://schemas.microsoft.com/office/drawing/2014/main" id="{B6C5E941-8672-FFCE-504A-AE940BE9F6DA}"/>
+              </a:ext>
+            </a:extLst>
+          </p:cNvPr>
+          <p:cNvSpPr>
+            <a:spLocks noGrp="1"/>
+          </p:cNvSpPr>
+          <p:nvPr>
+            <p:ph idx="1"/>
+          </p:nvPr>
+        </p:nvSpPr>
+        <p:spPr/>
+        <p:txBody>
+          <a:bodyPr/>
+          <a:lstStyle/>
+          <a:p>
+            <a:endParaRPr lang="en-US"/>
+          </a:p>
+        </p:txBody>
+      </p:sp>
+    </p:spTree>
+    <p:extLst>
+      <p:ext uri="{BB962C8B-B14F-4D97-AF65-F5344CB8AC3E}">
+        <p14:creationId xmlns:p14="http://schemas.microsoft.com/office/powerpoint/2010/main" val="2313274130"/>
+      </p:ext>
+    </p:extLst>
+  </p:cSld>
+  <p:clrMapOvr>
+    <a:masterClrMapping/>
+  </p:clrMapOvr>
+  <mc:AlternateContent xmlns:mc="http://schemas.openxmlformats.org/markup-compatibility/2006" xmlns:p14="http://schemas.microsoft.com/office/powerpoint/2010/main">
+    <mc:Choice Requires="p14">
+      <p:transition spd="slow" p14:dur="1500">
+        <p:split orient="vert"/>
+      </p:transition>
+    </mc:Choice>
+    <mc:Fallback xmlns="">
+      <p:transition spd="slow">
+        <p:split orient="vert"/>
+      </p:transition>
+    </mc:Fallback>
+  </mc:AlternateContent>
+</p:sld>
+</file>
+
+<file path=ppt/slides/slide32.xml><?xml version="1.0" encoding="utf-8"?>
+<p:sld xmlns:a="http://schemas.openxmlformats.org/drawingml/2006/main" xmlns:r="http://schemas.openxmlformats.org/officeDocument/2006/relationships" xmlns:p="http://schemas.openxmlformats.org/presentationml/2006/main">
+  <p:cSld>
+    <p:spTree>
+      <p:nvGrpSpPr>
+        <p:cNvPr id="1" name=""/>
+        <p:cNvGrpSpPr/>
+        <p:nvPr/>
+      </p:nvGrpSpPr>
+      <p:grpSpPr>
+        <a:xfrm>
+          <a:off x="0" y="0"/>
+          <a:ext cx="0" cy="0"/>
+          <a:chOff x="0" y="0"/>
+          <a:chExt cx="0" cy="0"/>
+        </a:xfrm>
+      </p:grpSpPr>
+      <p:sp>
+        <p:nvSpPr>
+          <p:cNvPr id="2" name="Title 1">
+            <a:extLst>
+              <a:ext uri="{FF2B5EF4-FFF2-40B4-BE49-F238E27FC236}">
+                <a16:creationId xmlns:a16="http://schemas.microsoft.com/office/drawing/2014/main" id="{DA5A253F-C66D-0A3C-DB25-267C5397A3CB}"/>
               </a:ext>
             </a:extLst>
           </p:cNvPr>
@@ -5736,7 +8048,238 @@
           <a:p>
             <a:pPr algn="ctr"/>
             <a:r>
-              <a:rPr lang="en-IN" sz="3200" b="1" i="0" u="sng" dirty="0">
+              <a:rPr lang="en-US" sz="3100" b="1" i="0" u="sng" dirty="0">
+                <a:effectLst/>
+                <a:highlight>
+                  <a:srgbClr val="FFFFFF"/>
+                </a:highlight>
+                <a:latin typeface="Times New Roman" panose="02020603050405020304" pitchFamily="18" charset="0"/>
+                <a:cs typeface="Times New Roman" panose="02020603050405020304" pitchFamily="18" charset="0"/>
+              </a:rPr>
+              <a:t>7.How do you configure Spring Boot for </a:t>
+            </a:r>
+            <a:r>
+              <a:rPr lang="en-US" sz="2000" b="1" i="0" u="sng" dirty="0">
+                <a:effectLst/>
+                <a:highlight>
+                  <a:srgbClr val="FFFFFF"/>
+                </a:highlight>
+                <a:latin typeface="Times New Roman" panose="02020603050405020304" pitchFamily="18" charset="0"/>
+                <a:cs typeface="Times New Roman" panose="02020603050405020304" pitchFamily="18" charset="0"/>
+              </a:rPr>
+              <a:t>different</a:t>
+            </a:r>
+            <a:r>
+              <a:rPr lang="en-US" sz="3100" b="1" i="0" u="sng" dirty="0">
+                <a:effectLst/>
+                <a:highlight>
+                  <a:srgbClr val="FFFFFF"/>
+                </a:highlight>
+                <a:latin typeface="Times New Roman" panose="02020603050405020304" pitchFamily="18" charset="0"/>
+                <a:cs typeface="Times New Roman" panose="02020603050405020304" pitchFamily="18" charset="0"/>
+              </a:rPr>
+              <a:t> environments (e.g., development, testing, production)?</a:t>
+            </a:r>
+            <a:endParaRPr lang="en-US" u="sng" dirty="0">
+              <a:latin typeface="Times New Roman" panose="02020603050405020304" pitchFamily="18" charset="0"/>
+              <a:cs typeface="Times New Roman" panose="02020603050405020304" pitchFamily="18" charset="0"/>
+            </a:endParaRPr>
+          </a:p>
+        </p:txBody>
+      </p:sp>
+      <p:sp>
+        <p:nvSpPr>
+          <p:cNvPr id="3" name="Content Placeholder 2">
+            <a:extLst>
+              <a:ext uri="{FF2B5EF4-FFF2-40B4-BE49-F238E27FC236}">
+                <a16:creationId xmlns:a16="http://schemas.microsoft.com/office/drawing/2014/main" id="{2CE783F3-2B15-F979-5195-4390BADB3563}"/>
+              </a:ext>
+            </a:extLst>
+          </p:cNvPr>
+          <p:cNvSpPr>
+            <a:spLocks noGrp="1"/>
+          </p:cNvSpPr>
+          <p:nvPr>
+            <p:ph idx="1"/>
+          </p:nvPr>
+        </p:nvSpPr>
+        <p:spPr/>
+        <p:txBody>
+          <a:bodyPr/>
+          <a:lstStyle/>
+          <a:p>
+            <a:endParaRPr lang="en-US" dirty="0"/>
+          </a:p>
+        </p:txBody>
+      </p:sp>
+    </p:spTree>
+    <p:extLst>
+      <p:ext uri="{BB962C8B-B14F-4D97-AF65-F5344CB8AC3E}">
+        <p14:creationId xmlns:p14="http://schemas.microsoft.com/office/powerpoint/2010/main" val="2794017054"/>
+      </p:ext>
+    </p:extLst>
+  </p:cSld>
+  <p:clrMapOvr>
+    <a:masterClrMapping/>
+  </p:clrMapOvr>
+  <mc:AlternateContent xmlns:mc="http://schemas.openxmlformats.org/markup-compatibility/2006" xmlns:p14="http://schemas.microsoft.com/office/powerpoint/2010/main">
+    <mc:Choice Requires="p14">
+      <p:transition spd="slow" p14:dur="1500">
+        <p:split orient="vert"/>
+      </p:transition>
+    </mc:Choice>
+    <mc:Fallback xmlns="">
+      <p:transition spd="slow">
+        <p:split orient="vert"/>
+      </p:transition>
+    </mc:Fallback>
+  </mc:AlternateContent>
+</p:sld>
+</file>
+
+<file path=ppt/slides/slide33.xml><?xml version="1.0" encoding="utf-8"?>
+<p:sld xmlns:a="http://schemas.openxmlformats.org/drawingml/2006/main" xmlns:r="http://schemas.openxmlformats.org/officeDocument/2006/relationships" xmlns:p="http://schemas.openxmlformats.org/presentationml/2006/main">
+  <p:cSld>
+    <p:spTree>
+      <p:nvGrpSpPr>
+        <p:cNvPr id="1" name=""/>
+        <p:cNvGrpSpPr/>
+        <p:nvPr/>
+      </p:nvGrpSpPr>
+      <p:grpSpPr>
+        <a:xfrm>
+          <a:off x="0" y="0"/>
+          <a:ext cx="0" cy="0"/>
+          <a:chOff x="0" y="0"/>
+          <a:chExt cx="0" cy="0"/>
+        </a:xfrm>
+      </p:grpSpPr>
+      <p:sp>
+        <p:nvSpPr>
+          <p:cNvPr id="2" name="Title 1">
+            <a:extLst>
+              <a:ext uri="{FF2B5EF4-FFF2-40B4-BE49-F238E27FC236}">
+                <a16:creationId xmlns:a16="http://schemas.microsoft.com/office/drawing/2014/main" id="{A7ACB747-7407-E1DA-0812-AE776C6E9947}"/>
+              </a:ext>
+            </a:extLst>
+          </p:cNvPr>
+          <p:cNvSpPr>
+            <a:spLocks noGrp="1"/>
+          </p:cNvSpPr>
+          <p:nvPr>
+            <p:ph type="title"/>
+          </p:nvPr>
+        </p:nvSpPr>
+        <p:spPr/>
+        <p:txBody>
+          <a:bodyPr>
+            <a:normAutofit/>
+          </a:bodyPr>
+          <a:lstStyle/>
+          <a:p>
+            <a:r>
+              <a:rPr lang="en-US" sz="3600" b="1" u="sng" dirty="0">
+                <a:latin typeface="Times New Roman" panose="02020603050405020304" pitchFamily="18" charset="0"/>
+                <a:cs typeface="Times New Roman" panose="02020603050405020304" pitchFamily="18" charset="0"/>
+              </a:rPr>
+              <a:t>8. What are ACID properties in database systems?</a:t>
+            </a:r>
+          </a:p>
+        </p:txBody>
+      </p:sp>
+      <p:sp>
+        <p:nvSpPr>
+          <p:cNvPr id="3" name="Content Placeholder 2">
+            <a:extLst>
+              <a:ext uri="{FF2B5EF4-FFF2-40B4-BE49-F238E27FC236}">
+                <a16:creationId xmlns:a16="http://schemas.microsoft.com/office/drawing/2014/main" id="{C51ECDDB-D9E4-0DCD-1C1E-301331CE88CE}"/>
+              </a:ext>
+            </a:extLst>
+          </p:cNvPr>
+          <p:cNvSpPr>
+            <a:spLocks noGrp="1"/>
+          </p:cNvSpPr>
+          <p:nvPr>
+            <p:ph idx="1"/>
+          </p:nvPr>
+        </p:nvSpPr>
+        <p:spPr/>
+        <p:txBody>
+          <a:bodyPr/>
+          <a:lstStyle/>
+          <a:p>
+            <a:endParaRPr lang="en-US"/>
+          </a:p>
+        </p:txBody>
+      </p:sp>
+    </p:spTree>
+    <p:extLst>
+      <p:ext uri="{BB962C8B-B14F-4D97-AF65-F5344CB8AC3E}">
+        <p14:creationId xmlns:p14="http://schemas.microsoft.com/office/powerpoint/2010/main" val="3214067864"/>
+      </p:ext>
+    </p:extLst>
+  </p:cSld>
+  <p:clrMapOvr>
+    <a:masterClrMapping/>
+  </p:clrMapOvr>
+  <mc:AlternateContent xmlns:mc="http://schemas.openxmlformats.org/markup-compatibility/2006" xmlns:p14="http://schemas.microsoft.com/office/powerpoint/2010/main">
+    <mc:Choice Requires="p14">
+      <p:transition spd="slow" p14:dur="1500">
+        <p:split orient="vert"/>
+      </p:transition>
+    </mc:Choice>
+    <mc:Fallback xmlns="">
+      <p:transition spd="slow">
+        <p:split orient="vert"/>
+      </p:transition>
+    </mc:Fallback>
+  </mc:AlternateContent>
+</p:sld>
+</file>
+
+<file path=ppt/slides/slide34.xml><?xml version="1.0" encoding="utf-8"?>
+<p:sld xmlns:a="http://schemas.openxmlformats.org/drawingml/2006/main" xmlns:r="http://schemas.openxmlformats.org/officeDocument/2006/relationships" xmlns:p="http://schemas.openxmlformats.org/presentationml/2006/main">
+  <p:cSld>
+    <p:spTree>
+      <p:nvGrpSpPr>
+        <p:cNvPr id="1" name=""/>
+        <p:cNvGrpSpPr/>
+        <p:nvPr/>
+      </p:nvGrpSpPr>
+      <p:grpSpPr>
+        <a:xfrm>
+          <a:off x="0" y="0"/>
+          <a:ext cx="0" cy="0"/>
+          <a:chOff x="0" y="0"/>
+          <a:chExt cx="0" cy="0"/>
+        </a:xfrm>
+      </p:grpSpPr>
+      <p:sp>
+        <p:nvSpPr>
+          <p:cNvPr id="2" name="Title 1">
+            <a:extLst>
+              <a:ext uri="{FF2B5EF4-FFF2-40B4-BE49-F238E27FC236}">
+                <a16:creationId xmlns:a16="http://schemas.microsoft.com/office/drawing/2014/main" id="{BA319439-EEA0-0C06-3D12-D1898FE634E7}"/>
+              </a:ext>
+            </a:extLst>
+          </p:cNvPr>
+          <p:cNvSpPr>
+            <a:spLocks noGrp="1"/>
+          </p:cNvSpPr>
+          <p:nvPr>
+            <p:ph type="title"/>
+          </p:nvPr>
+        </p:nvSpPr>
+        <p:spPr/>
+        <p:txBody>
+          <a:bodyPr>
+            <a:normAutofit/>
+          </a:bodyPr>
+          <a:lstStyle/>
+          <a:p>
+            <a:pPr algn="ctr"/>
+            <a:r>
+              <a:rPr lang="en-US" sz="3600" b="1" i="0" u="sng" dirty="0">
                 <a:solidFill>
                   <a:srgbClr val="1F2328"/>
                 </a:solidFill>
@@ -5747,9 +8290,9 @@
                 <a:latin typeface="Times New Roman" panose="02020603050405020304" pitchFamily="18" charset="0"/>
                 <a:cs typeface="Times New Roman" panose="02020603050405020304" pitchFamily="18" charset="0"/>
               </a:rPr>
-              <a:t>Explain the difference between == and equals() in Java.</a:t>
-            </a:r>
-            <a:endParaRPr lang="en-US" sz="3200" u="sng" dirty="0">
+              <a:t>9. Explain the concept of lazy loading and eager loading in Hibernate.</a:t>
+            </a:r>
+            <a:endParaRPr lang="en-US" b="1" u="sng" dirty="0">
               <a:latin typeface="Times New Roman" panose="02020603050405020304" pitchFamily="18" charset="0"/>
               <a:cs typeface="Times New Roman" panose="02020603050405020304" pitchFamily="18" charset="0"/>
             </a:endParaRPr>
@@ -5761,7 +8304,7 @@
           <p:cNvPr id="3" name="Content Placeholder 2">
             <a:extLst>
               <a:ext uri="{FF2B5EF4-FFF2-40B4-BE49-F238E27FC236}">
-                <a16:creationId xmlns:a16="http://schemas.microsoft.com/office/drawing/2014/main" id="{919C9A71-DFAE-E47C-7397-6705161BA2F5}"/>
+                <a16:creationId xmlns:a16="http://schemas.microsoft.com/office/drawing/2014/main" id="{0005E3D3-0653-8B9F-66B6-B671A077D0B2}"/>
               </a:ext>
             </a:extLst>
           </p:cNvPr>
@@ -5784,20 +8327,531 @@
     </p:spTree>
     <p:extLst>
       <p:ext uri="{BB962C8B-B14F-4D97-AF65-F5344CB8AC3E}">
-        <p14:creationId xmlns:p14="http://schemas.microsoft.com/office/powerpoint/2010/main" val="3178870381"/>
+        <p14:creationId xmlns:p14="http://schemas.microsoft.com/office/powerpoint/2010/main" val="2906038451"/>
       </p:ext>
     </p:extLst>
   </p:cSld>
   <p:clrMapOvr>
     <a:masterClrMapping/>
   </p:clrMapOvr>
-  <mc:AlternateContent xmlns:mc="http://schemas.openxmlformats.org/markup-compatibility/2006">
-    <mc:Choice xmlns:p14="http://schemas.microsoft.com/office/powerpoint/2010/main" Requires="p14">
+  <mc:AlternateContent xmlns:mc="http://schemas.openxmlformats.org/markup-compatibility/2006" xmlns:p14="http://schemas.microsoft.com/office/powerpoint/2010/main">
+    <mc:Choice Requires="p14">
       <p:transition spd="slow" p14:dur="1500">
         <p:split orient="vert"/>
       </p:transition>
     </mc:Choice>
-    <mc:Fallback>
+    <mc:Fallback xmlns="">
+      <p:transition spd="slow">
+        <p:split orient="vert"/>
+      </p:transition>
+    </mc:Fallback>
+  </mc:AlternateContent>
+</p:sld>
+</file>
+
+<file path=ppt/slides/slide35.xml><?xml version="1.0" encoding="utf-8"?>
+<p:sld xmlns:a="http://schemas.openxmlformats.org/drawingml/2006/main" xmlns:r="http://schemas.openxmlformats.org/officeDocument/2006/relationships" xmlns:p="http://schemas.openxmlformats.org/presentationml/2006/main">
+  <p:cSld>
+    <p:spTree>
+      <p:nvGrpSpPr>
+        <p:cNvPr id="1" name=""/>
+        <p:cNvGrpSpPr/>
+        <p:nvPr/>
+      </p:nvGrpSpPr>
+      <p:grpSpPr>
+        <a:xfrm>
+          <a:off x="0" y="0"/>
+          <a:ext cx="0" cy="0"/>
+          <a:chOff x="0" y="0"/>
+          <a:chExt cx="0" cy="0"/>
+        </a:xfrm>
+      </p:grpSpPr>
+      <p:sp>
+        <p:nvSpPr>
+          <p:cNvPr id="2" name="Title 1">
+            <a:extLst>
+              <a:ext uri="{FF2B5EF4-FFF2-40B4-BE49-F238E27FC236}">
+                <a16:creationId xmlns:a16="http://schemas.microsoft.com/office/drawing/2014/main" id="{7108A9E7-BD14-1B40-676D-E010CAA121B5}"/>
+              </a:ext>
+            </a:extLst>
+          </p:cNvPr>
+          <p:cNvSpPr>
+            <a:spLocks noGrp="1"/>
+          </p:cNvSpPr>
+          <p:nvPr>
+            <p:ph type="title"/>
+          </p:nvPr>
+        </p:nvSpPr>
+        <p:spPr/>
+        <p:txBody>
+          <a:bodyPr>
+            <a:noAutofit/>
+          </a:bodyPr>
+          <a:lstStyle/>
+          <a:p>
+            <a:pPr algn="ctr"/>
+            <a:r>
+              <a:rPr lang="en-US" sz="3200" b="1" i="0" u="sng" dirty="0">
+                <a:solidFill>
+                  <a:srgbClr val="1F2328"/>
+                </a:solidFill>
+                <a:effectLst/>
+                <a:highlight>
+                  <a:srgbClr val="FFFFFF"/>
+                </a:highlight>
+                <a:latin typeface="Times New Roman" panose="02020603050405020304" pitchFamily="18" charset="0"/>
+                <a:cs typeface="Times New Roman" panose="02020603050405020304" pitchFamily="18" charset="0"/>
+              </a:rPr>
+              <a:t>10. How would you optimize a slow-performing SQL query?</a:t>
+            </a:r>
+            <a:br>
+              <a:rPr lang="en-US" sz="3200" b="1" i="0" u="sng" dirty="0">
+                <a:solidFill>
+                  <a:srgbClr val="1F2328"/>
+                </a:solidFill>
+                <a:effectLst/>
+                <a:highlight>
+                  <a:srgbClr val="FFFFFF"/>
+                </a:highlight>
+                <a:latin typeface="Times New Roman" panose="02020603050405020304" pitchFamily="18" charset="0"/>
+                <a:cs typeface="Times New Roman" panose="02020603050405020304" pitchFamily="18" charset="0"/>
+              </a:rPr>
+            </a:br>
+            <a:endParaRPr lang="en-US" sz="3200" b="1" u="sng" dirty="0">
+              <a:latin typeface="Times New Roman" panose="02020603050405020304" pitchFamily="18" charset="0"/>
+              <a:cs typeface="Times New Roman" panose="02020603050405020304" pitchFamily="18" charset="0"/>
+            </a:endParaRPr>
+          </a:p>
+        </p:txBody>
+      </p:sp>
+      <p:sp>
+        <p:nvSpPr>
+          <p:cNvPr id="3" name="Content Placeholder 2">
+            <a:extLst>
+              <a:ext uri="{FF2B5EF4-FFF2-40B4-BE49-F238E27FC236}">
+                <a16:creationId xmlns:a16="http://schemas.microsoft.com/office/drawing/2014/main" id="{99D27D57-8BC6-3BBD-8210-F3114671DAAA}"/>
+              </a:ext>
+            </a:extLst>
+          </p:cNvPr>
+          <p:cNvSpPr>
+            <a:spLocks noGrp="1"/>
+          </p:cNvSpPr>
+          <p:nvPr>
+            <p:ph idx="1"/>
+          </p:nvPr>
+        </p:nvSpPr>
+        <p:spPr/>
+        <p:txBody>
+          <a:bodyPr/>
+          <a:lstStyle/>
+          <a:p>
+            <a:endParaRPr lang="en-US" dirty="0"/>
+          </a:p>
+        </p:txBody>
+      </p:sp>
+    </p:spTree>
+    <p:extLst>
+      <p:ext uri="{BB962C8B-B14F-4D97-AF65-F5344CB8AC3E}">
+        <p14:creationId xmlns:p14="http://schemas.microsoft.com/office/powerpoint/2010/main" val="1172557058"/>
+      </p:ext>
+    </p:extLst>
+  </p:cSld>
+  <p:clrMapOvr>
+    <a:masterClrMapping/>
+  </p:clrMapOvr>
+  <mc:AlternateContent xmlns:mc="http://schemas.openxmlformats.org/markup-compatibility/2006" xmlns:p14="http://schemas.microsoft.com/office/powerpoint/2010/main">
+    <mc:Choice Requires="p14">
+      <p:transition spd="slow" p14:dur="1500">
+        <p:split orient="vert"/>
+      </p:transition>
+    </mc:Choice>
+    <mc:Fallback xmlns="">
+      <p:transition spd="slow">
+        <p:split orient="vert"/>
+      </p:transition>
+    </mc:Fallback>
+  </mc:AlternateContent>
+</p:sld>
+</file>
+
+<file path=ppt/slides/slide36.xml><?xml version="1.0" encoding="utf-8"?>
+<p:sld xmlns:a="http://schemas.openxmlformats.org/drawingml/2006/main" xmlns:r="http://schemas.openxmlformats.org/officeDocument/2006/relationships" xmlns:p="http://schemas.openxmlformats.org/presentationml/2006/main">
+  <p:cSld>
+    <p:spTree>
+      <p:nvGrpSpPr>
+        <p:cNvPr id="1" name=""/>
+        <p:cNvGrpSpPr/>
+        <p:nvPr/>
+      </p:nvGrpSpPr>
+      <p:grpSpPr>
+        <a:xfrm>
+          <a:off x="0" y="0"/>
+          <a:ext cx="0" cy="0"/>
+          <a:chOff x="0" y="0"/>
+          <a:chExt cx="0" cy="0"/>
+        </a:xfrm>
+      </p:grpSpPr>
+      <p:sp>
+        <p:nvSpPr>
+          <p:cNvPr id="2" name="Title 1">
+            <a:extLst>
+              <a:ext uri="{FF2B5EF4-FFF2-40B4-BE49-F238E27FC236}">
+                <a16:creationId xmlns:a16="http://schemas.microsoft.com/office/drawing/2014/main" id="{FC2F7326-4F5F-3723-7CE0-6E268FDE800E}"/>
+              </a:ext>
+            </a:extLst>
+          </p:cNvPr>
+          <p:cNvSpPr>
+            <a:spLocks noGrp="1"/>
+          </p:cNvSpPr>
+          <p:nvPr>
+            <p:ph type="title"/>
+          </p:nvPr>
+        </p:nvSpPr>
+        <p:spPr/>
+        <p:txBody>
+          <a:bodyPr/>
+          <a:lstStyle/>
+          <a:p>
+            <a:endParaRPr lang="en-US"/>
+          </a:p>
+        </p:txBody>
+      </p:sp>
+      <p:sp>
+        <p:nvSpPr>
+          <p:cNvPr id="3" name="Content Placeholder 2">
+            <a:extLst>
+              <a:ext uri="{FF2B5EF4-FFF2-40B4-BE49-F238E27FC236}">
+                <a16:creationId xmlns:a16="http://schemas.microsoft.com/office/drawing/2014/main" id="{7086C152-B806-CF1B-0976-1C156AB011A3}"/>
+              </a:ext>
+            </a:extLst>
+          </p:cNvPr>
+          <p:cNvSpPr>
+            <a:spLocks noGrp="1"/>
+          </p:cNvSpPr>
+          <p:nvPr>
+            <p:ph idx="1"/>
+          </p:nvPr>
+        </p:nvSpPr>
+        <p:spPr/>
+        <p:txBody>
+          <a:bodyPr/>
+          <a:lstStyle/>
+          <a:p>
+            <a:endParaRPr lang="en-US"/>
+          </a:p>
+        </p:txBody>
+      </p:sp>
+    </p:spTree>
+    <p:extLst>
+      <p:ext uri="{BB962C8B-B14F-4D97-AF65-F5344CB8AC3E}">
+        <p14:creationId xmlns:p14="http://schemas.microsoft.com/office/powerpoint/2010/main" val="918223584"/>
+      </p:ext>
+    </p:extLst>
+  </p:cSld>
+  <p:clrMapOvr>
+    <a:masterClrMapping/>
+  </p:clrMapOvr>
+  <mc:AlternateContent xmlns:mc="http://schemas.openxmlformats.org/markup-compatibility/2006" xmlns:p14="http://schemas.microsoft.com/office/powerpoint/2010/main">
+    <mc:Choice Requires="p14">
+      <p:transition spd="slow" p14:dur="1500">
+        <p:split orient="vert"/>
+      </p:transition>
+    </mc:Choice>
+    <mc:Fallback xmlns="">
+      <p:transition spd="slow">
+        <p:split orient="vert"/>
+      </p:transition>
+    </mc:Fallback>
+  </mc:AlternateContent>
+</p:sld>
+</file>
+
+<file path=ppt/slides/slide37.xml><?xml version="1.0" encoding="utf-8"?>
+<p:sld xmlns:a="http://schemas.openxmlformats.org/drawingml/2006/main" xmlns:r="http://schemas.openxmlformats.org/officeDocument/2006/relationships" xmlns:p="http://schemas.openxmlformats.org/presentationml/2006/main">
+  <p:cSld>
+    <p:spTree>
+      <p:nvGrpSpPr>
+        <p:cNvPr id="1" name=""/>
+        <p:cNvGrpSpPr/>
+        <p:nvPr/>
+      </p:nvGrpSpPr>
+      <p:grpSpPr>
+        <a:xfrm>
+          <a:off x="0" y="0"/>
+          <a:ext cx="0" cy="0"/>
+          <a:chOff x="0" y="0"/>
+          <a:chExt cx="0" cy="0"/>
+        </a:xfrm>
+      </p:grpSpPr>
+      <p:sp>
+        <p:nvSpPr>
+          <p:cNvPr id="2" name="Title 1">
+            <a:extLst>
+              <a:ext uri="{FF2B5EF4-FFF2-40B4-BE49-F238E27FC236}">
+                <a16:creationId xmlns:a16="http://schemas.microsoft.com/office/drawing/2014/main" id="{E223CDC0-56AF-8343-9FB6-B3FC99260E2C}"/>
+              </a:ext>
+            </a:extLst>
+          </p:cNvPr>
+          <p:cNvSpPr>
+            <a:spLocks noGrp="1"/>
+          </p:cNvSpPr>
+          <p:nvPr>
+            <p:ph type="title"/>
+          </p:nvPr>
+        </p:nvSpPr>
+        <p:spPr/>
+        <p:txBody>
+          <a:bodyPr>
+            <a:noAutofit/>
+          </a:bodyPr>
+          <a:lstStyle/>
+          <a:p>
+            <a:pPr algn="ctr"/>
+            <a:endParaRPr lang="en-US" sz="4000" b="1" u="sng" dirty="0">
+              <a:latin typeface="Times New Roman" panose="02020603050405020304" pitchFamily="18" charset="0"/>
+              <a:cs typeface="Times New Roman" panose="02020603050405020304" pitchFamily="18" charset="0"/>
+            </a:endParaRPr>
+          </a:p>
+        </p:txBody>
+      </p:sp>
+      <p:sp>
+        <p:nvSpPr>
+          <p:cNvPr id="3" name="Content Placeholder 2">
+            <a:extLst>
+              <a:ext uri="{FF2B5EF4-FFF2-40B4-BE49-F238E27FC236}">
+                <a16:creationId xmlns:a16="http://schemas.microsoft.com/office/drawing/2014/main" id="{B6C5E941-8672-FFCE-504A-AE940BE9F6DA}"/>
+              </a:ext>
+            </a:extLst>
+          </p:cNvPr>
+          <p:cNvSpPr>
+            <a:spLocks noGrp="1"/>
+          </p:cNvSpPr>
+          <p:nvPr>
+            <p:ph idx="1"/>
+          </p:nvPr>
+        </p:nvSpPr>
+        <p:spPr/>
+        <p:txBody>
+          <a:bodyPr/>
+          <a:lstStyle/>
+          <a:p>
+            <a:endParaRPr lang="en-US"/>
+          </a:p>
+        </p:txBody>
+      </p:sp>
+    </p:spTree>
+    <p:extLst>
+      <p:ext uri="{BB962C8B-B14F-4D97-AF65-F5344CB8AC3E}">
+        <p14:creationId xmlns:p14="http://schemas.microsoft.com/office/powerpoint/2010/main" val="83218272"/>
+      </p:ext>
+    </p:extLst>
+  </p:cSld>
+  <p:clrMapOvr>
+    <a:masterClrMapping/>
+  </p:clrMapOvr>
+  <mc:AlternateContent xmlns:mc="http://schemas.openxmlformats.org/markup-compatibility/2006" xmlns:p14="http://schemas.microsoft.com/office/powerpoint/2010/main">
+    <mc:Choice Requires="p14">
+      <p:transition spd="slow" p14:dur="1500">
+        <p:split orient="vert"/>
+      </p:transition>
+    </mc:Choice>
+    <mc:Fallback xmlns="">
+      <p:transition spd="slow">
+        <p:split orient="vert"/>
+      </p:transition>
+    </mc:Fallback>
+  </mc:AlternateContent>
+</p:sld>
+</file>
+
+<file path=ppt/slides/slide38.xml><?xml version="1.0" encoding="utf-8"?>
+<p:sld xmlns:a="http://schemas.openxmlformats.org/drawingml/2006/main" xmlns:r="http://schemas.openxmlformats.org/officeDocument/2006/relationships" xmlns:p="http://schemas.openxmlformats.org/presentationml/2006/main">
+  <p:cSld>
+    <p:spTree>
+      <p:nvGrpSpPr>
+        <p:cNvPr id="1" name=""/>
+        <p:cNvGrpSpPr/>
+        <p:nvPr/>
+      </p:nvGrpSpPr>
+      <p:grpSpPr>
+        <a:xfrm>
+          <a:off x="0" y="0"/>
+          <a:ext cx="0" cy="0"/>
+          <a:chOff x="0" y="0"/>
+          <a:chExt cx="0" cy="0"/>
+        </a:xfrm>
+      </p:grpSpPr>
+      <p:sp>
+        <p:nvSpPr>
+          <p:cNvPr id="2" name="Title 1">
+            <a:extLst>
+              <a:ext uri="{FF2B5EF4-FFF2-40B4-BE49-F238E27FC236}">
+                <a16:creationId xmlns:a16="http://schemas.microsoft.com/office/drawing/2014/main" id="{E223CDC0-56AF-8343-9FB6-B3FC99260E2C}"/>
+              </a:ext>
+            </a:extLst>
+          </p:cNvPr>
+          <p:cNvSpPr>
+            <a:spLocks noGrp="1"/>
+          </p:cNvSpPr>
+          <p:nvPr>
+            <p:ph type="title"/>
+          </p:nvPr>
+        </p:nvSpPr>
+        <p:spPr/>
+        <p:txBody>
+          <a:bodyPr>
+            <a:noAutofit/>
+          </a:bodyPr>
+          <a:lstStyle/>
+          <a:p>
+            <a:pPr algn="ctr"/>
+            <a:endParaRPr lang="en-US" sz="4000" b="1" u="sng" dirty="0">
+              <a:latin typeface="Times New Roman" panose="02020603050405020304" pitchFamily="18" charset="0"/>
+              <a:cs typeface="Times New Roman" panose="02020603050405020304" pitchFamily="18" charset="0"/>
+            </a:endParaRPr>
+          </a:p>
+        </p:txBody>
+      </p:sp>
+      <p:sp>
+        <p:nvSpPr>
+          <p:cNvPr id="3" name="Content Placeholder 2">
+            <a:extLst>
+              <a:ext uri="{FF2B5EF4-FFF2-40B4-BE49-F238E27FC236}">
+                <a16:creationId xmlns:a16="http://schemas.microsoft.com/office/drawing/2014/main" id="{B6C5E941-8672-FFCE-504A-AE940BE9F6DA}"/>
+              </a:ext>
+            </a:extLst>
+          </p:cNvPr>
+          <p:cNvSpPr>
+            <a:spLocks noGrp="1"/>
+          </p:cNvSpPr>
+          <p:nvPr>
+            <p:ph idx="1"/>
+          </p:nvPr>
+        </p:nvSpPr>
+        <p:spPr/>
+        <p:txBody>
+          <a:bodyPr/>
+          <a:lstStyle/>
+          <a:p>
+            <a:endParaRPr lang="en-US"/>
+          </a:p>
+        </p:txBody>
+      </p:sp>
+    </p:spTree>
+    <p:extLst>
+      <p:ext uri="{BB962C8B-B14F-4D97-AF65-F5344CB8AC3E}">
+        <p14:creationId xmlns:p14="http://schemas.microsoft.com/office/powerpoint/2010/main" val="3157869238"/>
+      </p:ext>
+    </p:extLst>
+  </p:cSld>
+  <p:clrMapOvr>
+    <a:masterClrMapping/>
+  </p:clrMapOvr>
+  <mc:AlternateContent xmlns:mc="http://schemas.openxmlformats.org/markup-compatibility/2006" xmlns:p14="http://schemas.microsoft.com/office/powerpoint/2010/main">
+    <mc:Choice Requires="p14">
+      <p:transition spd="slow" p14:dur="1500">
+        <p:split orient="vert"/>
+      </p:transition>
+    </mc:Choice>
+    <mc:Fallback xmlns="">
+      <p:transition spd="slow">
+        <p:split orient="vert"/>
+      </p:transition>
+    </mc:Fallback>
+  </mc:AlternateContent>
+</p:sld>
+</file>
+
+<file path=ppt/slides/slide39.xml><?xml version="1.0" encoding="utf-8"?>
+<p:sld xmlns:a="http://schemas.openxmlformats.org/drawingml/2006/main" xmlns:r="http://schemas.openxmlformats.org/officeDocument/2006/relationships" xmlns:p="http://schemas.openxmlformats.org/presentationml/2006/main">
+  <p:cSld>
+    <p:spTree>
+      <p:nvGrpSpPr>
+        <p:cNvPr id="1" name=""/>
+        <p:cNvGrpSpPr/>
+        <p:nvPr/>
+      </p:nvGrpSpPr>
+      <p:grpSpPr>
+        <a:xfrm>
+          <a:off x="0" y="0"/>
+          <a:ext cx="0" cy="0"/>
+          <a:chOff x="0" y="0"/>
+          <a:chExt cx="0" cy="0"/>
+        </a:xfrm>
+      </p:grpSpPr>
+      <p:sp>
+        <p:nvSpPr>
+          <p:cNvPr id="2" name="Title 1">
+            <a:extLst>
+              <a:ext uri="{FF2B5EF4-FFF2-40B4-BE49-F238E27FC236}">
+                <a16:creationId xmlns:a16="http://schemas.microsoft.com/office/drawing/2014/main" id="{E223CDC0-56AF-8343-9FB6-B3FC99260E2C}"/>
+              </a:ext>
+            </a:extLst>
+          </p:cNvPr>
+          <p:cNvSpPr>
+            <a:spLocks noGrp="1"/>
+          </p:cNvSpPr>
+          <p:nvPr>
+            <p:ph type="title"/>
+          </p:nvPr>
+        </p:nvSpPr>
+        <p:spPr/>
+        <p:txBody>
+          <a:bodyPr>
+            <a:noAutofit/>
+          </a:bodyPr>
+          <a:lstStyle/>
+          <a:p>
+            <a:pPr algn="ctr"/>
+            <a:endParaRPr lang="en-US" sz="4000" b="1" u="sng" dirty="0">
+              <a:latin typeface="Times New Roman" panose="02020603050405020304" pitchFamily="18" charset="0"/>
+              <a:cs typeface="Times New Roman" panose="02020603050405020304" pitchFamily="18" charset="0"/>
+            </a:endParaRPr>
+          </a:p>
+        </p:txBody>
+      </p:sp>
+      <p:sp>
+        <p:nvSpPr>
+          <p:cNvPr id="3" name="Content Placeholder 2">
+            <a:extLst>
+              <a:ext uri="{FF2B5EF4-FFF2-40B4-BE49-F238E27FC236}">
+                <a16:creationId xmlns:a16="http://schemas.microsoft.com/office/drawing/2014/main" id="{B6C5E941-8672-FFCE-504A-AE940BE9F6DA}"/>
+              </a:ext>
+            </a:extLst>
+          </p:cNvPr>
+          <p:cNvSpPr>
+            <a:spLocks noGrp="1"/>
+          </p:cNvSpPr>
+          <p:nvPr>
+            <p:ph idx="1"/>
+          </p:nvPr>
+        </p:nvSpPr>
+        <p:spPr/>
+        <p:txBody>
+          <a:bodyPr/>
+          <a:lstStyle/>
+          <a:p>
+            <a:endParaRPr lang="en-US"/>
+          </a:p>
+        </p:txBody>
+      </p:sp>
+    </p:spTree>
+    <p:extLst>
+      <p:ext uri="{BB962C8B-B14F-4D97-AF65-F5344CB8AC3E}">
+        <p14:creationId xmlns:p14="http://schemas.microsoft.com/office/powerpoint/2010/main" val="23624832"/>
+      </p:ext>
+    </p:extLst>
+  </p:cSld>
+  <p:clrMapOvr>
+    <a:masterClrMapping/>
+  </p:clrMapOvr>
+  <mc:AlternateContent xmlns:mc="http://schemas.openxmlformats.org/markup-compatibility/2006" xmlns:p14="http://schemas.microsoft.com/office/powerpoint/2010/main">
+    <mc:Choice Requires="p14">
+      <p:transition spd="slow" p14:dur="1500">
+        <p:split orient="vert"/>
+      </p:transition>
+    </mc:Choice>
+    <mc:Fallback xmlns="">
       <p:transition spd="slow">
         <p:split orient="vert"/>
       </p:transition>
@@ -5848,12 +8902,23 @@
           <a:p>
             <a:pPr algn="ctr"/>
             <a:r>
-              <a:rPr lang="en-US" sz="2400" b="1" u="sng" dirty="0">
+              <a:rPr lang="en-IN" sz="3200" b="1" i="0" u="sng" dirty="0">
+                <a:solidFill>
+                  <a:srgbClr val="1F2328"/>
+                </a:solidFill>
+                <a:effectLst/>
+                <a:highlight>
+                  <a:srgbClr val="FFFFFF"/>
+                </a:highlight>
                 <a:latin typeface="Times New Roman" panose="02020603050405020304" pitchFamily="18" charset="0"/>
                 <a:cs typeface="Times New Roman" panose="02020603050405020304" pitchFamily="18" charset="0"/>
               </a:rPr>
-              <a:t>2. What are the main principles of Object-Oriented Programming (OOP)?</a:t>
-            </a:r>
+              <a:t>Explain the difference between == and equals() in Java.</a:t>
+            </a:r>
+            <a:endParaRPr lang="en-US" sz="3200" u="sng" dirty="0">
+              <a:latin typeface="Times New Roman" panose="02020603050405020304" pitchFamily="18" charset="0"/>
+              <a:cs typeface="Times New Roman" panose="02020603050405020304" pitchFamily="18" charset="0"/>
+            </a:endParaRPr>
           </a:p>
         </p:txBody>
       </p:sp>
@@ -5878,27 +8943,419 @@
           <a:bodyPr/>
           <a:lstStyle/>
           <a:p>
-            <a:endParaRPr lang="en-US"/>
+            <a:endParaRPr lang="en-US" dirty="0"/>
           </a:p>
         </p:txBody>
       </p:sp>
     </p:spTree>
     <p:extLst>
       <p:ext uri="{BB962C8B-B14F-4D97-AF65-F5344CB8AC3E}">
-        <p14:creationId xmlns:p14="http://schemas.microsoft.com/office/powerpoint/2010/main" val="3740801367"/>
+        <p14:creationId xmlns:p14="http://schemas.microsoft.com/office/powerpoint/2010/main" val="3178870381"/>
       </p:ext>
     </p:extLst>
   </p:cSld>
   <p:clrMapOvr>
     <a:masterClrMapping/>
   </p:clrMapOvr>
-  <mc:AlternateContent xmlns:mc="http://schemas.openxmlformats.org/markup-compatibility/2006">
-    <mc:Choice xmlns:p14="http://schemas.microsoft.com/office/powerpoint/2010/main" Requires="p14">
+  <mc:AlternateContent xmlns:mc="http://schemas.openxmlformats.org/markup-compatibility/2006" xmlns:p14="http://schemas.microsoft.com/office/powerpoint/2010/main">
+    <mc:Choice Requires="p14">
       <p:transition spd="slow" p14:dur="1500">
         <p:split orient="vert"/>
       </p:transition>
     </mc:Choice>
-    <mc:Fallback>
+    <mc:Fallback xmlns="">
+      <p:transition spd="slow">
+        <p:split orient="vert"/>
+      </p:transition>
+    </mc:Fallback>
+  </mc:AlternateContent>
+</p:sld>
+</file>
+
+<file path=ppt/slides/slide40.xml><?xml version="1.0" encoding="utf-8"?>
+<p:sld xmlns:a="http://schemas.openxmlformats.org/drawingml/2006/main" xmlns:r="http://schemas.openxmlformats.org/officeDocument/2006/relationships" xmlns:p="http://schemas.openxmlformats.org/presentationml/2006/main">
+  <p:cSld>
+    <p:spTree>
+      <p:nvGrpSpPr>
+        <p:cNvPr id="1" name=""/>
+        <p:cNvGrpSpPr/>
+        <p:nvPr/>
+      </p:nvGrpSpPr>
+      <p:grpSpPr>
+        <a:xfrm>
+          <a:off x="0" y="0"/>
+          <a:ext cx="0" cy="0"/>
+          <a:chOff x="0" y="0"/>
+          <a:chExt cx="0" cy="0"/>
+        </a:xfrm>
+      </p:grpSpPr>
+      <p:sp>
+        <p:nvSpPr>
+          <p:cNvPr id="2" name="Title 1">
+            <a:extLst>
+              <a:ext uri="{FF2B5EF4-FFF2-40B4-BE49-F238E27FC236}">
+                <a16:creationId xmlns:a16="http://schemas.microsoft.com/office/drawing/2014/main" id="{E223CDC0-56AF-8343-9FB6-B3FC99260E2C}"/>
+              </a:ext>
+            </a:extLst>
+          </p:cNvPr>
+          <p:cNvSpPr>
+            <a:spLocks noGrp="1"/>
+          </p:cNvSpPr>
+          <p:nvPr>
+            <p:ph type="title"/>
+          </p:nvPr>
+        </p:nvSpPr>
+        <p:spPr/>
+        <p:txBody>
+          <a:bodyPr>
+            <a:noAutofit/>
+          </a:bodyPr>
+          <a:lstStyle/>
+          <a:p>
+            <a:pPr algn="ctr"/>
+            <a:endParaRPr lang="en-US" sz="4000" b="1" u="sng" dirty="0">
+              <a:latin typeface="Times New Roman" panose="02020603050405020304" pitchFamily="18" charset="0"/>
+              <a:cs typeface="Times New Roman" panose="02020603050405020304" pitchFamily="18" charset="0"/>
+            </a:endParaRPr>
+          </a:p>
+        </p:txBody>
+      </p:sp>
+      <p:sp>
+        <p:nvSpPr>
+          <p:cNvPr id="3" name="Content Placeholder 2">
+            <a:extLst>
+              <a:ext uri="{FF2B5EF4-FFF2-40B4-BE49-F238E27FC236}">
+                <a16:creationId xmlns:a16="http://schemas.microsoft.com/office/drawing/2014/main" id="{B6C5E941-8672-FFCE-504A-AE940BE9F6DA}"/>
+              </a:ext>
+            </a:extLst>
+          </p:cNvPr>
+          <p:cNvSpPr>
+            <a:spLocks noGrp="1"/>
+          </p:cNvSpPr>
+          <p:nvPr>
+            <p:ph idx="1"/>
+          </p:nvPr>
+        </p:nvSpPr>
+        <p:spPr/>
+        <p:txBody>
+          <a:bodyPr/>
+          <a:lstStyle/>
+          <a:p>
+            <a:endParaRPr lang="en-US"/>
+          </a:p>
+        </p:txBody>
+      </p:sp>
+    </p:spTree>
+    <p:extLst>
+      <p:ext uri="{BB962C8B-B14F-4D97-AF65-F5344CB8AC3E}">
+        <p14:creationId xmlns:p14="http://schemas.microsoft.com/office/powerpoint/2010/main" val="3354643725"/>
+      </p:ext>
+    </p:extLst>
+  </p:cSld>
+  <p:clrMapOvr>
+    <a:masterClrMapping/>
+  </p:clrMapOvr>
+  <mc:AlternateContent xmlns:mc="http://schemas.openxmlformats.org/markup-compatibility/2006" xmlns:p14="http://schemas.microsoft.com/office/powerpoint/2010/main">
+    <mc:Choice Requires="p14">
+      <p:transition spd="slow" p14:dur="1500">
+        <p:split orient="vert"/>
+      </p:transition>
+    </mc:Choice>
+    <mc:Fallback xmlns="">
+      <p:transition spd="slow">
+        <p:split orient="vert"/>
+      </p:transition>
+    </mc:Fallback>
+  </mc:AlternateContent>
+</p:sld>
+</file>
+
+<file path=ppt/slides/slide41.xml><?xml version="1.0" encoding="utf-8"?>
+<p:sld xmlns:a="http://schemas.openxmlformats.org/drawingml/2006/main" xmlns:r="http://schemas.openxmlformats.org/officeDocument/2006/relationships" xmlns:p="http://schemas.openxmlformats.org/presentationml/2006/main">
+  <p:cSld>
+    <p:spTree>
+      <p:nvGrpSpPr>
+        <p:cNvPr id="1" name=""/>
+        <p:cNvGrpSpPr/>
+        <p:nvPr/>
+      </p:nvGrpSpPr>
+      <p:grpSpPr>
+        <a:xfrm>
+          <a:off x="0" y="0"/>
+          <a:ext cx="0" cy="0"/>
+          <a:chOff x="0" y="0"/>
+          <a:chExt cx="0" cy="0"/>
+        </a:xfrm>
+      </p:grpSpPr>
+      <p:sp>
+        <p:nvSpPr>
+          <p:cNvPr id="2" name="Title 1">
+            <a:extLst>
+              <a:ext uri="{FF2B5EF4-FFF2-40B4-BE49-F238E27FC236}">
+                <a16:creationId xmlns:a16="http://schemas.microsoft.com/office/drawing/2014/main" id="{E223CDC0-56AF-8343-9FB6-B3FC99260E2C}"/>
+              </a:ext>
+            </a:extLst>
+          </p:cNvPr>
+          <p:cNvSpPr>
+            <a:spLocks noGrp="1"/>
+          </p:cNvSpPr>
+          <p:nvPr>
+            <p:ph type="title"/>
+          </p:nvPr>
+        </p:nvSpPr>
+        <p:spPr/>
+        <p:txBody>
+          <a:bodyPr>
+            <a:noAutofit/>
+          </a:bodyPr>
+          <a:lstStyle/>
+          <a:p>
+            <a:pPr algn="ctr"/>
+            <a:endParaRPr lang="en-US" sz="4000" b="1" u="sng" dirty="0">
+              <a:latin typeface="Times New Roman" panose="02020603050405020304" pitchFamily="18" charset="0"/>
+              <a:cs typeface="Times New Roman" panose="02020603050405020304" pitchFamily="18" charset="0"/>
+            </a:endParaRPr>
+          </a:p>
+        </p:txBody>
+      </p:sp>
+      <p:sp>
+        <p:nvSpPr>
+          <p:cNvPr id="3" name="Content Placeholder 2">
+            <a:extLst>
+              <a:ext uri="{FF2B5EF4-FFF2-40B4-BE49-F238E27FC236}">
+                <a16:creationId xmlns:a16="http://schemas.microsoft.com/office/drawing/2014/main" id="{B6C5E941-8672-FFCE-504A-AE940BE9F6DA}"/>
+              </a:ext>
+            </a:extLst>
+          </p:cNvPr>
+          <p:cNvSpPr>
+            <a:spLocks noGrp="1"/>
+          </p:cNvSpPr>
+          <p:nvPr>
+            <p:ph idx="1"/>
+          </p:nvPr>
+        </p:nvSpPr>
+        <p:spPr/>
+        <p:txBody>
+          <a:bodyPr/>
+          <a:lstStyle/>
+          <a:p>
+            <a:endParaRPr lang="en-US"/>
+          </a:p>
+        </p:txBody>
+      </p:sp>
+    </p:spTree>
+    <p:extLst>
+      <p:ext uri="{BB962C8B-B14F-4D97-AF65-F5344CB8AC3E}">
+        <p14:creationId xmlns:p14="http://schemas.microsoft.com/office/powerpoint/2010/main" val="1074296538"/>
+      </p:ext>
+    </p:extLst>
+  </p:cSld>
+  <p:clrMapOvr>
+    <a:masterClrMapping/>
+  </p:clrMapOvr>
+  <mc:AlternateContent xmlns:mc="http://schemas.openxmlformats.org/markup-compatibility/2006" xmlns:p14="http://schemas.microsoft.com/office/powerpoint/2010/main">
+    <mc:Choice Requires="p14">
+      <p:transition spd="slow" p14:dur="1500">
+        <p:split orient="vert"/>
+      </p:transition>
+    </mc:Choice>
+    <mc:Fallback xmlns="">
+      <p:transition spd="slow">
+        <p:split orient="vert"/>
+      </p:transition>
+    </mc:Fallback>
+  </mc:AlternateContent>
+</p:sld>
+</file>
+
+<file path=ppt/slides/slide42.xml><?xml version="1.0" encoding="utf-8"?>
+<p:sld xmlns:a="http://schemas.openxmlformats.org/drawingml/2006/main" xmlns:r="http://schemas.openxmlformats.org/officeDocument/2006/relationships" xmlns:p="http://schemas.openxmlformats.org/presentationml/2006/main">
+  <p:cSld>
+    <p:spTree>
+      <p:nvGrpSpPr>
+        <p:cNvPr id="1" name=""/>
+        <p:cNvGrpSpPr/>
+        <p:nvPr/>
+      </p:nvGrpSpPr>
+      <p:grpSpPr>
+        <a:xfrm>
+          <a:off x="0" y="0"/>
+          <a:ext cx="0" cy="0"/>
+          <a:chOff x="0" y="0"/>
+          <a:chExt cx="0" cy="0"/>
+        </a:xfrm>
+      </p:grpSpPr>
+      <p:sp>
+        <p:nvSpPr>
+          <p:cNvPr id="2" name="Title 1">
+            <a:extLst>
+              <a:ext uri="{FF2B5EF4-FFF2-40B4-BE49-F238E27FC236}">
+                <a16:creationId xmlns:a16="http://schemas.microsoft.com/office/drawing/2014/main" id="{E223CDC0-56AF-8343-9FB6-B3FC99260E2C}"/>
+              </a:ext>
+            </a:extLst>
+          </p:cNvPr>
+          <p:cNvSpPr>
+            <a:spLocks noGrp="1"/>
+          </p:cNvSpPr>
+          <p:nvPr>
+            <p:ph type="title"/>
+          </p:nvPr>
+        </p:nvSpPr>
+        <p:spPr/>
+        <p:txBody>
+          <a:bodyPr>
+            <a:noAutofit/>
+          </a:bodyPr>
+          <a:lstStyle/>
+          <a:p>
+            <a:pPr algn="ctr"/>
+            <a:endParaRPr lang="en-US" sz="4000" b="1" u="sng" dirty="0">
+              <a:latin typeface="Times New Roman" panose="02020603050405020304" pitchFamily="18" charset="0"/>
+              <a:cs typeface="Times New Roman" panose="02020603050405020304" pitchFamily="18" charset="0"/>
+            </a:endParaRPr>
+          </a:p>
+        </p:txBody>
+      </p:sp>
+      <p:sp>
+        <p:nvSpPr>
+          <p:cNvPr id="3" name="Content Placeholder 2">
+            <a:extLst>
+              <a:ext uri="{FF2B5EF4-FFF2-40B4-BE49-F238E27FC236}">
+                <a16:creationId xmlns:a16="http://schemas.microsoft.com/office/drawing/2014/main" id="{B6C5E941-8672-FFCE-504A-AE940BE9F6DA}"/>
+              </a:ext>
+            </a:extLst>
+          </p:cNvPr>
+          <p:cNvSpPr>
+            <a:spLocks noGrp="1"/>
+          </p:cNvSpPr>
+          <p:nvPr>
+            <p:ph idx="1"/>
+          </p:nvPr>
+        </p:nvSpPr>
+        <p:spPr/>
+        <p:txBody>
+          <a:bodyPr/>
+          <a:lstStyle/>
+          <a:p>
+            <a:endParaRPr lang="en-US"/>
+          </a:p>
+        </p:txBody>
+      </p:sp>
+    </p:spTree>
+    <p:extLst>
+      <p:ext uri="{BB962C8B-B14F-4D97-AF65-F5344CB8AC3E}">
+        <p14:creationId xmlns:p14="http://schemas.microsoft.com/office/powerpoint/2010/main" val="3709588867"/>
+      </p:ext>
+    </p:extLst>
+  </p:cSld>
+  <p:clrMapOvr>
+    <a:masterClrMapping/>
+  </p:clrMapOvr>
+  <mc:AlternateContent xmlns:mc="http://schemas.openxmlformats.org/markup-compatibility/2006" xmlns:p14="http://schemas.microsoft.com/office/powerpoint/2010/main">
+    <mc:Choice Requires="p14">
+      <p:transition spd="slow" p14:dur="1500">
+        <p:split orient="vert"/>
+      </p:transition>
+    </mc:Choice>
+    <mc:Fallback xmlns="">
+      <p:transition spd="slow">
+        <p:split orient="vert"/>
+      </p:transition>
+    </mc:Fallback>
+  </mc:AlternateContent>
+</p:sld>
+</file>
+
+<file path=ppt/slides/slide43.xml><?xml version="1.0" encoding="utf-8"?>
+<p:sld xmlns:a="http://schemas.openxmlformats.org/drawingml/2006/main" xmlns:r="http://schemas.openxmlformats.org/officeDocument/2006/relationships" xmlns:p="http://schemas.openxmlformats.org/presentationml/2006/main">
+  <p:cSld>
+    <p:spTree>
+      <p:nvGrpSpPr>
+        <p:cNvPr id="1" name=""/>
+        <p:cNvGrpSpPr/>
+        <p:nvPr/>
+      </p:nvGrpSpPr>
+      <p:grpSpPr>
+        <a:xfrm>
+          <a:off x="0" y="0"/>
+          <a:ext cx="0" cy="0"/>
+          <a:chOff x="0" y="0"/>
+          <a:chExt cx="0" cy="0"/>
+        </a:xfrm>
+      </p:grpSpPr>
+      <p:sp>
+        <p:nvSpPr>
+          <p:cNvPr id="2" name="Title 1">
+            <a:extLst>
+              <a:ext uri="{FF2B5EF4-FFF2-40B4-BE49-F238E27FC236}">
+                <a16:creationId xmlns:a16="http://schemas.microsoft.com/office/drawing/2014/main" id="{E223CDC0-56AF-8343-9FB6-B3FC99260E2C}"/>
+              </a:ext>
+            </a:extLst>
+          </p:cNvPr>
+          <p:cNvSpPr>
+            <a:spLocks noGrp="1"/>
+          </p:cNvSpPr>
+          <p:nvPr>
+            <p:ph type="title"/>
+          </p:nvPr>
+        </p:nvSpPr>
+        <p:spPr/>
+        <p:txBody>
+          <a:bodyPr>
+            <a:noAutofit/>
+          </a:bodyPr>
+          <a:lstStyle/>
+          <a:p>
+            <a:pPr algn="ctr"/>
+            <a:endParaRPr lang="en-US" sz="4000" b="1" u="sng" dirty="0">
+              <a:latin typeface="Times New Roman" panose="02020603050405020304" pitchFamily="18" charset="0"/>
+              <a:cs typeface="Times New Roman" panose="02020603050405020304" pitchFamily="18" charset="0"/>
+            </a:endParaRPr>
+          </a:p>
+        </p:txBody>
+      </p:sp>
+      <p:sp>
+        <p:nvSpPr>
+          <p:cNvPr id="3" name="Content Placeholder 2">
+            <a:extLst>
+              <a:ext uri="{FF2B5EF4-FFF2-40B4-BE49-F238E27FC236}">
+                <a16:creationId xmlns:a16="http://schemas.microsoft.com/office/drawing/2014/main" id="{B6C5E941-8672-FFCE-504A-AE940BE9F6DA}"/>
+              </a:ext>
+            </a:extLst>
+          </p:cNvPr>
+          <p:cNvSpPr>
+            <a:spLocks noGrp="1"/>
+          </p:cNvSpPr>
+          <p:nvPr>
+            <p:ph idx="1"/>
+          </p:nvPr>
+        </p:nvSpPr>
+        <p:spPr/>
+        <p:txBody>
+          <a:bodyPr/>
+          <a:lstStyle/>
+          <a:p>
+            <a:endParaRPr lang="en-US"/>
+          </a:p>
+        </p:txBody>
+      </p:sp>
+    </p:spTree>
+    <p:extLst>
+      <p:ext uri="{BB962C8B-B14F-4D97-AF65-F5344CB8AC3E}">
+        <p14:creationId xmlns:p14="http://schemas.microsoft.com/office/powerpoint/2010/main" val="499422743"/>
+      </p:ext>
+    </p:extLst>
+  </p:cSld>
+  <p:clrMapOvr>
+    <a:masterClrMapping/>
+  </p:clrMapOvr>
+  <mc:AlternateContent xmlns:mc="http://schemas.openxmlformats.org/markup-compatibility/2006" xmlns:p14="http://schemas.microsoft.com/office/powerpoint/2010/main">
+    <mc:Choice Requires="p14">
+      <p:transition spd="slow" p14:dur="1500">
+        <p:split orient="vert"/>
+      </p:transition>
+    </mc:Choice>
+    <mc:Fallback xmlns="">
       <p:transition spd="slow">
         <p:split orient="vert"/>
       </p:transition>
@@ -5949,11 +9406,11 @@
           <a:p>
             <a:pPr algn="ctr"/>
             <a:r>
-              <a:rPr lang="en-US" sz="3200" b="1" u="sng" dirty="0">
+              <a:rPr lang="en-US" sz="2400" b="1" u="sng" dirty="0">
                 <a:latin typeface="Times New Roman" panose="02020603050405020304" pitchFamily="18" charset="0"/>
                 <a:cs typeface="Times New Roman" panose="02020603050405020304" pitchFamily="18" charset="0"/>
               </a:rPr>
-              <a:t>3. Describe how Java handles memory management and garbage collection.</a:t>
+              <a:t>2. What are the main principles of Object-Oriented Programming (OOP)?</a:t>
             </a:r>
           </a:p>
         </p:txBody>
@@ -5986,20 +9443,20 @@
     </p:spTree>
     <p:extLst>
       <p:ext uri="{BB962C8B-B14F-4D97-AF65-F5344CB8AC3E}">
-        <p14:creationId xmlns:p14="http://schemas.microsoft.com/office/powerpoint/2010/main" val="254894122"/>
+        <p14:creationId xmlns:p14="http://schemas.microsoft.com/office/powerpoint/2010/main" val="3740801367"/>
       </p:ext>
     </p:extLst>
   </p:cSld>
   <p:clrMapOvr>
     <a:masterClrMapping/>
   </p:clrMapOvr>
-  <mc:AlternateContent xmlns:mc="http://schemas.openxmlformats.org/markup-compatibility/2006">
-    <mc:Choice xmlns:p14="http://schemas.microsoft.com/office/powerpoint/2010/main" Requires="p14">
+  <mc:AlternateContent xmlns:mc="http://schemas.openxmlformats.org/markup-compatibility/2006" xmlns:p14="http://schemas.microsoft.com/office/powerpoint/2010/main">
+    <mc:Choice Requires="p14">
       <p:transition spd="slow" p14:dur="1500">
         <p:split orient="vert"/>
       </p:transition>
     </mc:Choice>
-    <mc:Fallback>
+    <mc:Fallback xmlns="">
       <p:transition spd="slow">
         <p:split orient="vert"/>
       </p:transition>
@@ -6054,7 +9511,7 @@
                 <a:latin typeface="Times New Roman" panose="02020603050405020304" pitchFamily="18" charset="0"/>
                 <a:cs typeface="Times New Roman" panose="02020603050405020304" pitchFamily="18" charset="0"/>
               </a:rPr>
-              <a:t>4. Can you explain the final, finally, and finalize keywords in Java?</a:t>
+              <a:t>3. Describe how Java handles memory management and garbage collection.</a:t>
             </a:r>
           </a:p>
         </p:txBody>
@@ -6087,20 +9544,20 @@
     </p:spTree>
     <p:extLst>
       <p:ext uri="{BB962C8B-B14F-4D97-AF65-F5344CB8AC3E}">
-        <p14:creationId xmlns:p14="http://schemas.microsoft.com/office/powerpoint/2010/main" val="3572881148"/>
+        <p14:creationId xmlns:p14="http://schemas.microsoft.com/office/powerpoint/2010/main" val="254894122"/>
       </p:ext>
     </p:extLst>
   </p:cSld>
   <p:clrMapOvr>
     <a:masterClrMapping/>
   </p:clrMapOvr>
-  <mc:AlternateContent xmlns:mc="http://schemas.openxmlformats.org/markup-compatibility/2006">
-    <mc:Choice xmlns:p14="http://schemas.microsoft.com/office/powerpoint/2010/main" Requires="p14">
+  <mc:AlternateContent xmlns:mc="http://schemas.openxmlformats.org/markup-compatibility/2006" xmlns:p14="http://schemas.microsoft.com/office/powerpoint/2010/main">
+    <mc:Choice Requires="p14">
       <p:transition spd="slow" p14:dur="1500">
         <p:split orient="vert"/>
       </p:transition>
     </mc:Choice>
-    <mc:Fallback>
+    <mc:Fallback xmlns="">
       <p:transition spd="slow">
         <p:split orient="vert"/>
       </p:transition>
@@ -6155,7 +9612,7 @@
                 <a:latin typeface="Times New Roman" panose="02020603050405020304" pitchFamily="18" charset="0"/>
                 <a:cs typeface="Times New Roman" panose="02020603050405020304" pitchFamily="18" charset="0"/>
               </a:rPr>
-              <a:t>5. Describe how a HashMap works internally in Java.</a:t>
+              <a:t>4. Can you explain the final, finally, and finalize keywords in Java?</a:t>
             </a:r>
           </a:p>
         </p:txBody>
@@ -6188,20 +9645,20 @@
     </p:spTree>
     <p:extLst>
       <p:ext uri="{BB962C8B-B14F-4D97-AF65-F5344CB8AC3E}">
-        <p14:creationId xmlns:p14="http://schemas.microsoft.com/office/powerpoint/2010/main" val="2707081383"/>
+        <p14:creationId xmlns:p14="http://schemas.microsoft.com/office/powerpoint/2010/main" val="3572881148"/>
       </p:ext>
     </p:extLst>
   </p:cSld>
   <p:clrMapOvr>
     <a:masterClrMapping/>
   </p:clrMapOvr>
-  <mc:AlternateContent xmlns:mc="http://schemas.openxmlformats.org/markup-compatibility/2006">
-    <mc:Choice xmlns:p14="http://schemas.microsoft.com/office/powerpoint/2010/main" Requires="p14">
+  <mc:AlternateContent xmlns:mc="http://schemas.openxmlformats.org/markup-compatibility/2006" xmlns:p14="http://schemas.microsoft.com/office/powerpoint/2010/main">
+    <mc:Choice Requires="p14">
       <p:transition spd="slow" p14:dur="1500">
         <p:split orient="vert"/>
       </p:transition>
     </mc:Choice>
-    <mc:Fallback>
+    <mc:Fallback xmlns="">
       <p:transition spd="slow">
         <p:split orient="vert"/>
       </p:transition>
@@ -6246,7 +9703,7 @@
         <p:spPr/>
         <p:txBody>
           <a:bodyPr>
-            <a:normAutofit fontScale="90000"/>
+            <a:normAutofit/>
           </a:bodyPr>
           <a:lstStyle/>
           <a:p>
@@ -6256,32 +9713,8 @@
                 <a:latin typeface="Times New Roman" panose="02020603050405020304" pitchFamily="18" charset="0"/>
                 <a:cs typeface="Times New Roman" panose="02020603050405020304" pitchFamily="18" charset="0"/>
               </a:rPr>
-              <a:t>6. What is the difference between an </a:t>
-            </a:r>
-            <a:r>
-              <a:rPr lang="en-US" sz="3200" b="1" u="sng" dirty="0" err="1">
-                <a:latin typeface="Times New Roman" panose="02020603050405020304" pitchFamily="18" charset="0"/>
-                <a:cs typeface="Times New Roman" panose="02020603050405020304" pitchFamily="18" charset="0"/>
-              </a:rPr>
-              <a:t>ArrayList</a:t>
-            </a:r>
-            <a:r>
-              <a:rPr lang="en-US" sz="3200" b="1" u="sng" dirty="0">
-                <a:latin typeface="Times New Roman" panose="02020603050405020304" pitchFamily="18" charset="0"/>
-                <a:cs typeface="Times New Roman" panose="02020603050405020304" pitchFamily="18" charset="0"/>
-              </a:rPr>
-              <a:t> and a LinkedList?</a:t>
-            </a:r>
-            <a:br>
-              <a:rPr lang="en-US" sz="3200" b="1" u="sng" dirty="0">
-                <a:latin typeface="Times New Roman" panose="02020603050405020304" pitchFamily="18" charset="0"/>
-                <a:cs typeface="Times New Roman" panose="02020603050405020304" pitchFamily="18" charset="0"/>
-              </a:rPr>
-            </a:br>
-            <a:endParaRPr lang="en-US" sz="3200" b="1" u="sng" dirty="0">
-              <a:latin typeface="Times New Roman" panose="02020603050405020304" pitchFamily="18" charset="0"/>
-              <a:cs typeface="Times New Roman" panose="02020603050405020304" pitchFamily="18" charset="0"/>
-            </a:endParaRPr>
+              <a:t>5. Describe how a HashMap works internally in Java.</a:t>
+            </a:r>
           </a:p>
         </p:txBody>
       </p:sp>
@@ -6313,20 +9746,20 @@
     </p:spTree>
     <p:extLst>
       <p:ext uri="{BB962C8B-B14F-4D97-AF65-F5344CB8AC3E}">
-        <p14:creationId xmlns:p14="http://schemas.microsoft.com/office/powerpoint/2010/main" val="2596066957"/>
+        <p14:creationId xmlns:p14="http://schemas.microsoft.com/office/powerpoint/2010/main" val="2707081383"/>
       </p:ext>
     </p:extLst>
   </p:cSld>
   <p:clrMapOvr>
     <a:masterClrMapping/>
   </p:clrMapOvr>
-  <mc:AlternateContent xmlns:mc="http://schemas.openxmlformats.org/markup-compatibility/2006">
-    <mc:Choice xmlns:p14="http://schemas.microsoft.com/office/powerpoint/2010/main" Requires="p14">
+  <mc:AlternateContent xmlns:mc="http://schemas.openxmlformats.org/markup-compatibility/2006" xmlns:p14="http://schemas.microsoft.com/office/powerpoint/2010/main">
+    <mc:Choice Requires="p14">
       <p:transition spd="slow" p14:dur="1500">
         <p:split orient="vert"/>
       </p:transition>
     </mc:Choice>
-    <mc:Fallback>
+    <mc:Fallback xmlns="">
       <p:transition spd="slow">
         <p:split orient="vert"/>
       </p:transition>
@@ -6381,7 +9814,21 @@
                 <a:latin typeface="Times New Roman" panose="02020603050405020304" pitchFamily="18" charset="0"/>
                 <a:cs typeface="Times New Roman" panose="02020603050405020304" pitchFamily="18" charset="0"/>
               </a:rPr>
-              <a:t>7. Write a Java method to check if a given string is a palindrome.</a:t>
+              <a:t>6. What is the difference between an </a:t>
+            </a:r>
+            <a:r>
+              <a:rPr lang="en-US" sz="3200" b="1" u="sng" dirty="0" err="1">
+                <a:latin typeface="Times New Roman" panose="02020603050405020304" pitchFamily="18" charset="0"/>
+                <a:cs typeface="Times New Roman" panose="02020603050405020304" pitchFamily="18" charset="0"/>
+              </a:rPr>
+              <a:t>ArrayList</a:t>
+            </a:r>
+            <a:r>
+              <a:rPr lang="en-US" sz="3200" b="1" u="sng" dirty="0">
+                <a:latin typeface="Times New Roman" panose="02020603050405020304" pitchFamily="18" charset="0"/>
+                <a:cs typeface="Times New Roman" panose="02020603050405020304" pitchFamily="18" charset="0"/>
+              </a:rPr>
+              <a:t> and a LinkedList?</a:t>
             </a:r>
             <a:br>
               <a:rPr lang="en-US" sz="3200" b="1" u="sng" dirty="0">
@@ -6424,20 +9871,20 @@
     </p:spTree>
     <p:extLst>
       <p:ext uri="{BB962C8B-B14F-4D97-AF65-F5344CB8AC3E}">
-        <p14:creationId xmlns:p14="http://schemas.microsoft.com/office/powerpoint/2010/main" val="1609777527"/>
+        <p14:creationId xmlns:p14="http://schemas.microsoft.com/office/powerpoint/2010/main" val="2596066957"/>
       </p:ext>
     </p:extLst>
   </p:cSld>
   <p:clrMapOvr>
     <a:masterClrMapping/>
   </p:clrMapOvr>
-  <mc:AlternateContent xmlns:mc="http://schemas.openxmlformats.org/markup-compatibility/2006">
-    <mc:Choice xmlns:p14="http://schemas.microsoft.com/office/powerpoint/2010/main" Requires="p14">
+  <mc:AlternateContent xmlns:mc="http://schemas.openxmlformats.org/markup-compatibility/2006" xmlns:p14="http://schemas.microsoft.com/office/powerpoint/2010/main">
+    <mc:Choice Requires="p14">
       <p:transition spd="slow" p14:dur="1500">
         <p:split orient="vert"/>
       </p:transition>
     </mc:Choice>
-    <mc:Fallback>
+    <mc:Fallback xmlns="">
       <p:transition spd="slow">
         <p:split orient="vert"/>
       </p:transition>
@@ -6759,4 +10206,299 @@
     </a:ext>
   </a:extLst>
 </a:theme>
+</file>
+
+<file path=ppt/theme/theme2.xml><?xml version="1.0" encoding="utf-8"?>
+<a:theme xmlns:a="http://schemas.openxmlformats.org/drawingml/2006/main" name="Office Theme">
+  <a:themeElements>
+    <a:clrScheme name="Office">
+      <a:dk1>
+        <a:sysClr val="windowText" lastClr="000000"/>
+      </a:dk1>
+      <a:lt1>
+        <a:sysClr val="window" lastClr="FFFFFF"/>
+      </a:lt1>
+      <a:dk2>
+        <a:srgbClr val="44546A"/>
+      </a:dk2>
+      <a:lt2>
+        <a:srgbClr val="E7E6E6"/>
+      </a:lt2>
+      <a:accent1>
+        <a:srgbClr val="4472C4"/>
+      </a:accent1>
+      <a:accent2>
+        <a:srgbClr val="ED7D31"/>
+      </a:accent2>
+      <a:accent3>
+        <a:srgbClr val="A5A5A5"/>
+      </a:accent3>
+      <a:accent4>
+        <a:srgbClr val="FFC000"/>
+      </a:accent4>
+      <a:accent5>
+        <a:srgbClr val="5B9BD5"/>
+      </a:accent5>
+      <a:accent6>
+        <a:srgbClr val="70AD47"/>
+      </a:accent6>
+      <a:hlink>
+        <a:srgbClr val="0563C1"/>
+      </a:hlink>
+      <a:folHlink>
+        <a:srgbClr val="954F72"/>
+      </a:folHlink>
+    </a:clrScheme>
+    <a:fontScheme name="Office">
+      <a:majorFont>
+        <a:latin typeface="Calibri Light" panose="020F0302020204030204"/>
+        <a:ea typeface=""/>
+        <a:cs typeface=""/>
+        <a:font script="Jpan" typeface="游ゴシック Light"/>
+        <a:font script="Hang" typeface="맑은 고딕"/>
+        <a:font script="Hans" typeface="等线 Light"/>
+        <a:font script="Hant" typeface="新細明體"/>
+        <a:font script="Arab" typeface="Times New Roman"/>
+        <a:font script="Hebr" typeface="Times New Roman"/>
+        <a:font script="Thai" typeface="Angsana New"/>
+        <a:font script="Ethi" typeface="Nyala"/>
+        <a:font script="Beng" typeface="Vrinda"/>
+        <a:font script="Gujr" typeface="Shruti"/>
+        <a:font script="Khmr" typeface="MoolBoran"/>
+        <a:font script="Knda" typeface="Tunga"/>
+        <a:font script="Guru" typeface="Raavi"/>
+        <a:font script="Cans" typeface="Euphemia"/>
+        <a:font script="Cher" typeface="Plantagenet Cherokee"/>
+        <a:font script="Yiii" typeface="Microsoft Yi Baiti"/>
+        <a:font script="Tibt" typeface="Microsoft Himalaya"/>
+        <a:font script="Thaa" typeface="MV Boli"/>
+        <a:font script="Deva" typeface="Mangal"/>
+        <a:font script="Telu" typeface="Gautami"/>
+        <a:font script="Taml" typeface="Latha"/>
+        <a:font script="Syrc" typeface="Estrangelo Edessa"/>
+        <a:font script="Orya" typeface="Kalinga"/>
+        <a:font script="Mlym" typeface="Kartika"/>
+        <a:font script="Laoo" typeface="DokChampa"/>
+        <a:font script="Sinh" typeface="Iskoola Pota"/>
+        <a:font script="Mong" typeface="Mongolian Baiti"/>
+        <a:font script="Viet" typeface="Times New Roman"/>
+        <a:font script="Uigh" typeface="Microsoft Uighur"/>
+        <a:font script="Geor" typeface="Sylfaen"/>
+        <a:font script="Armn" typeface="Arial"/>
+        <a:font script="Bugi" typeface="Leelawadee UI"/>
+        <a:font script="Bopo" typeface="Microsoft JhengHei"/>
+        <a:font script="Java" typeface="Javanese Text"/>
+        <a:font script="Lisu" typeface="Segoe UI"/>
+        <a:font script="Mymr" typeface="Myanmar Text"/>
+        <a:font script="Nkoo" typeface="Ebrima"/>
+        <a:font script="Olck" typeface="Nirmala UI"/>
+        <a:font script="Osma" typeface="Ebrima"/>
+        <a:font script="Phag" typeface="Phagspa"/>
+        <a:font script="Syrn" typeface="Estrangelo Edessa"/>
+        <a:font script="Syrj" typeface="Estrangelo Edessa"/>
+        <a:font script="Syre" typeface="Estrangelo Edessa"/>
+        <a:font script="Sora" typeface="Nirmala UI"/>
+        <a:font script="Tale" typeface="Microsoft Tai Le"/>
+        <a:font script="Talu" typeface="Microsoft New Tai Lue"/>
+        <a:font script="Tfng" typeface="Ebrima"/>
+      </a:majorFont>
+      <a:minorFont>
+        <a:latin typeface="Calibri" panose="020F0502020204030204"/>
+        <a:ea typeface=""/>
+        <a:cs typeface=""/>
+        <a:font script="Jpan" typeface="游ゴシック"/>
+        <a:font script="Hang" typeface="맑은 고딕"/>
+        <a:font script="Hans" typeface="等线"/>
+        <a:font script="Hant" typeface="新細明體"/>
+        <a:font script="Arab" typeface="Arial"/>
+        <a:font script="Hebr" typeface="Arial"/>
+        <a:font script="Thai" typeface="Cordia New"/>
+        <a:font script="Ethi" typeface="Nyala"/>
+        <a:font script="Beng" typeface="Vrinda"/>
+        <a:font script="Gujr" typeface="Shruti"/>
+        <a:font script="Khmr" typeface="DaunPenh"/>
+        <a:font script="Knda" typeface="Tunga"/>
+        <a:font script="Guru" typeface="Raavi"/>
+        <a:font script="Cans" typeface="Euphemia"/>
+        <a:font script="Cher" typeface="Plantagenet Cherokee"/>
+        <a:font script="Yiii" typeface="Microsoft Yi Baiti"/>
+        <a:font script="Tibt" typeface="Microsoft Himalaya"/>
+        <a:font script="Thaa" typeface="MV Boli"/>
+        <a:font script="Deva" typeface="Mangal"/>
+        <a:font script="Telu" typeface="Gautami"/>
+        <a:font script="Taml" typeface="Latha"/>
+        <a:font script="Syrc" typeface="Estrangelo Edessa"/>
+        <a:font script="Orya" typeface="Kalinga"/>
+        <a:font script="Mlym" typeface="Kartika"/>
+        <a:font script="Laoo" typeface="DokChampa"/>
+        <a:font script="Sinh" typeface="Iskoola Pota"/>
+        <a:font script="Mong" typeface="Mongolian Baiti"/>
+        <a:font script="Viet" typeface="Arial"/>
+        <a:font script="Uigh" typeface="Microsoft Uighur"/>
+        <a:font script="Geor" typeface="Sylfaen"/>
+        <a:font script="Armn" typeface="Arial"/>
+        <a:font script="Bugi" typeface="Leelawadee UI"/>
+        <a:font script="Bopo" typeface="Microsoft JhengHei"/>
+        <a:font script="Java" typeface="Javanese Text"/>
+        <a:font script="Lisu" typeface="Segoe UI"/>
+        <a:font script="Mymr" typeface="Myanmar Text"/>
+        <a:font script="Nkoo" typeface="Ebrima"/>
+        <a:font script="Olck" typeface="Nirmala UI"/>
+        <a:font script="Osma" typeface="Ebrima"/>
+        <a:font script="Phag" typeface="Phagspa"/>
+        <a:font script="Syrn" typeface="Estrangelo Edessa"/>
+        <a:font script="Syrj" typeface="Estrangelo Edessa"/>
+        <a:font script="Syre" typeface="Estrangelo Edessa"/>
+        <a:font script="Sora" typeface="Nirmala UI"/>
+        <a:font script="Tale" typeface="Microsoft Tai Le"/>
+        <a:font script="Talu" typeface="Microsoft New Tai Lue"/>
+        <a:font script="Tfng" typeface="Ebrima"/>
+      </a:minorFont>
+    </a:fontScheme>
+    <a:fmtScheme name="Office">
+      <a:fillStyleLst>
+        <a:solidFill>
+          <a:schemeClr val="phClr"/>
+        </a:solidFill>
+        <a:gradFill rotWithShape="1">
+          <a:gsLst>
+            <a:gs pos="0">
+              <a:schemeClr val="phClr">
+                <a:lumMod val="110000"/>
+                <a:satMod val="105000"/>
+                <a:tint val="67000"/>
+              </a:schemeClr>
+            </a:gs>
+            <a:gs pos="50000">
+              <a:schemeClr val="phClr">
+                <a:lumMod val="105000"/>
+                <a:satMod val="103000"/>
+                <a:tint val="73000"/>
+              </a:schemeClr>
+            </a:gs>
+            <a:gs pos="100000">
+              <a:schemeClr val="phClr">
+                <a:lumMod val="105000"/>
+                <a:satMod val="109000"/>
+                <a:tint val="81000"/>
+              </a:schemeClr>
+            </a:gs>
+          </a:gsLst>
+          <a:lin ang="5400000" scaled="0"/>
+        </a:gradFill>
+        <a:gradFill rotWithShape="1">
+          <a:gsLst>
+            <a:gs pos="0">
+              <a:schemeClr val="phClr">
+                <a:satMod val="103000"/>
+                <a:lumMod val="102000"/>
+                <a:tint val="94000"/>
+              </a:schemeClr>
+            </a:gs>
+            <a:gs pos="50000">
+              <a:schemeClr val="phClr">
+                <a:satMod val="110000"/>
+                <a:lumMod val="100000"/>
+                <a:shade val="100000"/>
+              </a:schemeClr>
+            </a:gs>
+            <a:gs pos="100000">
+              <a:schemeClr val="phClr">
+                <a:lumMod val="99000"/>
+                <a:satMod val="120000"/>
+                <a:shade val="78000"/>
+              </a:schemeClr>
+            </a:gs>
+          </a:gsLst>
+          <a:lin ang="5400000" scaled="0"/>
+        </a:gradFill>
+      </a:fillStyleLst>
+      <a:lnStyleLst>
+        <a:ln w="6350" cap="flat" cmpd="sng" algn="ctr">
+          <a:solidFill>
+            <a:schemeClr val="phClr"/>
+          </a:solidFill>
+          <a:prstDash val="solid"/>
+          <a:miter lim="800000"/>
+        </a:ln>
+        <a:ln w="12700" cap="flat" cmpd="sng" algn="ctr">
+          <a:solidFill>
+            <a:schemeClr val="phClr"/>
+          </a:solidFill>
+          <a:prstDash val="solid"/>
+          <a:miter lim="800000"/>
+        </a:ln>
+        <a:ln w="19050" cap="flat" cmpd="sng" algn="ctr">
+          <a:solidFill>
+            <a:schemeClr val="phClr"/>
+          </a:solidFill>
+          <a:prstDash val="solid"/>
+          <a:miter lim="800000"/>
+        </a:ln>
+      </a:lnStyleLst>
+      <a:effectStyleLst>
+        <a:effectStyle>
+          <a:effectLst/>
+        </a:effectStyle>
+        <a:effectStyle>
+          <a:effectLst/>
+        </a:effectStyle>
+        <a:effectStyle>
+          <a:effectLst>
+            <a:outerShdw blurRad="57150" dist="19050" dir="5400000" algn="ctr" rotWithShape="0">
+              <a:srgbClr val="000000">
+                <a:alpha val="63000"/>
+              </a:srgbClr>
+            </a:outerShdw>
+          </a:effectLst>
+        </a:effectStyle>
+      </a:effectStyleLst>
+      <a:bgFillStyleLst>
+        <a:solidFill>
+          <a:schemeClr val="phClr"/>
+        </a:solidFill>
+        <a:solidFill>
+          <a:schemeClr val="phClr">
+            <a:tint val="95000"/>
+            <a:satMod val="170000"/>
+          </a:schemeClr>
+        </a:solidFill>
+        <a:gradFill rotWithShape="1">
+          <a:gsLst>
+            <a:gs pos="0">
+              <a:schemeClr val="phClr">
+                <a:tint val="93000"/>
+                <a:satMod val="150000"/>
+                <a:shade val="98000"/>
+                <a:lumMod val="102000"/>
+              </a:schemeClr>
+            </a:gs>
+            <a:gs pos="50000">
+              <a:schemeClr val="phClr">
+                <a:tint val="98000"/>
+                <a:satMod val="130000"/>
+                <a:shade val="90000"/>
+                <a:lumMod val="103000"/>
+              </a:schemeClr>
+            </a:gs>
+            <a:gs pos="100000">
+              <a:schemeClr val="phClr">
+                <a:shade val="63000"/>
+                <a:satMod val="120000"/>
+              </a:schemeClr>
+            </a:gs>
+          </a:gsLst>
+          <a:lin ang="5400000" scaled="0"/>
+        </a:gradFill>
+      </a:bgFillStyleLst>
+    </a:fmtScheme>
+  </a:themeElements>
+  <a:objectDefaults/>
+  <a:extraClrSchemeLst/>
+  <a:extLst>
+    <a:ext uri="{05A4C25C-085E-4340-85A3-A5531E510DB2}">
+      <thm15:themeFamily xmlns:thm15="http://schemas.microsoft.com/office/thememl/2012/main" name="Office Theme" id="{62F939B6-93AF-4DB8-9C6B-D6C7DFDC589F}" vid="{4A3C46E8-61CC-4603-A589-7422A47A8E4A}"/>
+    </a:ext>
+  </a:extLst>
+</a:theme>
 </file>